--- a/2020/7月.pptx
+++ b/2020/7月.pptx
@@ -8,8 +8,6 @@
     <p:sldId id="257" r:id="rId2"/>
     <p:sldId id="258" r:id="rId3"/>
     <p:sldId id="259" r:id="rId4"/>
-    <p:sldId id="260" r:id="rId5"/>
-    <p:sldId id="261" r:id="rId6"/>
   </p:sldIdLst>
   <p:sldSz cx="12192000" cy="6858000"/>
   <p:notesSz cx="6858000" cy="9144000"/>
@@ -108,6 +106,11 @@
       </a:defRPr>
     </a:lvl9pPr>
   </p:defaultTextStyle>
+  <p:extLst>
+    <p:ext uri="{EFAFB233-063F-42B5-8137-9DF3F51BA10A}">
+      <p15:sldGuideLst xmlns:p15="http://schemas.microsoft.com/office/powerpoint/2012/main"/>
+    </p:ext>
+  </p:extLst>
 </p:presentation>
 </file>
 
@@ -242,7 +245,7 @@
           <a:p>
             <a:fld id="{A602E18F-600C-499B-80FE-D6CBF6AADD53}" type="datetimeFigureOut">
               <a:rPr lang="vi-VN" smtClean="0"/>
-              <a:t>13/06/2020</a:t>
+              <a:t>05/07/2020</a:t>
             </a:fld>
             <a:endParaRPr lang="vi-VN"/>
           </a:p>
@@ -412,7 +415,7 @@
           <a:p>
             <a:fld id="{A602E18F-600C-499B-80FE-D6CBF6AADD53}" type="datetimeFigureOut">
               <a:rPr lang="vi-VN" smtClean="0"/>
-              <a:t>13/06/2020</a:t>
+              <a:t>05/07/2020</a:t>
             </a:fld>
             <a:endParaRPr lang="vi-VN"/>
           </a:p>
@@ -592,7 +595,7 @@
           <a:p>
             <a:fld id="{A602E18F-600C-499B-80FE-D6CBF6AADD53}" type="datetimeFigureOut">
               <a:rPr lang="vi-VN" smtClean="0"/>
-              <a:t>13/06/2020</a:t>
+              <a:t>05/07/2020</a:t>
             </a:fld>
             <a:endParaRPr lang="vi-VN"/>
           </a:p>
@@ -762,7 +765,7 @@
           <a:p>
             <a:fld id="{A602E18F-600C-499B-80FE-D6CBF6AADD53}" type="datetimeFigureOut">
               <a:rPr lang="vi-VN" smtClean="0"/>
-              <a:t>13/06/2020</a:t>
+              <a:t>05/07/2020</a:t>
             </a:fld>
             <a:endParaRPr lang="vi-VN"/>
           </a:p>
@@ -1008,7 +1011,7 @@
           <a:p>
             <a:fld id="{A602E18F-600C-499B-80FE-D6CBF6AADD53}" type="datetimeFigureOut">
               <a:rPr lang="vi-VN" smtClean="0"/>
-              <a:t>13/06/2020</a:t>
+              <a:t>05/07/2020</a:t>
             </a:fld>
             <a:endParaRPr lang="vi-VN"/>
           </a:p>
@@ -1240,7 +1243,7 @@
           <a:p>
             <a:fld id="{A602E18F-600C-499B-80FE-D6CBF6AADD53}" type="datetimeFigureOut">
               <a:rPr lang="vi-VN" smtClean="0"/>
-              <a:t>13/06/2020</a:t>
+              <a:t>05/07/2020</a:t>
             </a:fld>
             <a:endParaRPr lang="vi-VN"/>
           </a:p>
@@ -1607,7 +1610,7 @@
           <a:p>
             <a:fld id="{A602E18F-600C-499B-80FE-D6CBF6AADD53}" type="datetimeFigureOut">
               <a:rPr lang="vi-VN" smtClean="0"/>
-              <a:t>13/06/2020</a:t>
+              <a:t>05/07/2020</a:t>
             </a:fld>
             <a:endParaRPr lang="vi-VN"/>
           </a:p>
@@ -1725,7 +1728,7 @@
           <a:p>
             <a:fld id="{A602E18F-600C-499B-80FE-D6CBF6AADD53}" type="datetimeFigureOut">
               <a:rPr lang="vi-VN" smtClean="0"/>
-              <a:t>13/06/2020</a:t>
+              <a:t>05/07/2020</a:t>
             </a:fld>
             <a:endParaRPr lang="vi-VN"/>
           </a:p>
@@ -1820,7 +1823,7 @@
           <a:p>
             <a:fld id="{A602E18F-600C-499B-80FE-D6CBF6AADD53}" type="datetimeFigureOut">
               <a:rPr lang="vi-VN" smtClean="0"/>
-              <a:t>13/06/2020</a:t>
+              <a:t>05/07/2020</a:t>
             </a:fld>
             <a:endParaRPr lang="vi-VN"/>
           </a:p>
@@ -2097,7 +2100,7 @@
           <a:p>
             <a:fld id="{A602E18F-600C-499B-80FE-D6CBF6AADD53}" type="datetimeFigureOut">
               <a:rPr lang="vi-VN" smtClean="0"/>
-              <a:t>13/06/2020</a:t>
+              <a:t>05/07/2020</a:t>
             </a:fld>
             <a:endParaRPr lang="vi-VN"/>
           </a:p>
@@ -2350,7 +2353,7 @@
           <a:p>
             <a:fld id="{A602E18F-600C-499B-80FE-D6CBF6AADD53}" type="datetimeFigureOut">
               <a:rPr lang="vi-VN" smtClean="0"/>
-              <a:t>13/06/2020</a:t>
+              <a:t>05/07/2020</a:t>
             </a:fld>
             <a:endParaRPr lang="vi-VN"/>
           </a:p>
@@ -2563,7 +2566,7 @@
           <a:p>
             <a:fld id="{A602E18F-600C-499B-80FE-D6CBF6AADD53}" type="datetimeFigureOut">
               <a:rPr lang="vi-VN" smtClean="0"/>
-              <a:t>13/06/2020</a:t>
+              <a:t>05/07/2020</a:t>
             </a:fld>
             <a:endParaRPr lang="vi-VN"/>
           </a:p>
@@ -3236,196 +3239,6 @@
 </p:sld>
 </file>
 
-<file path=ppt/slides/slide4.xml><?xml version="1.0" encoding="utf-8"?>
-<p:sld xmlns:a="http://schemas.openxmlformats.org/drawingml/2006/main" xmlns:r="http://schemas.openxmlformats.org/officeDocument/2006/relationships" xmlns:p="http://schemas.openxmlformats.org/presentationml/2006/main">
-  <p:cSld>
-    <p:spTree>
-      <p:nvGrpSpPr>
-        <p:cNvPr id="1" name=""/>
-        <p:cNvGrpSpPr/>
-        <p:nvPr/>
-      </p:nvGrpSpPr>
-      <p:grpSpPr>
-        <a:xfrm>
-          <a:off x="0" y="0"/>
-          <a:ext cx="0" cy="0"/>
-          <a:chOff x="0" y="0"/>
-          <a:chExt cx="0" cy="0"/>
-        </a:xfrm>
-      </p:grpSpPr>
-      <p:pic>
-        <p:nvPicPr>
-          <p:cNvPr id="5122" name="Picture 1" descr="CPW05_editable_16x9.035.jpeg"/>
-          <p:cNvPicPr>
-            <a:picLocks noChangeAspect="1"/>
-          </p:cNvPicPr>
-          <p:nvPr/>
-        </p:nvPicPr>
-        <p:blipFill>
-          <a:blip r:embed="rId2">
-            <a:extLst>
-              <a:ext uri="{28A0092B-C50C-407E-A947-70E740481C1C}">
-                <a14:useLocalDpi xmlns:a14="http://schemas.microsoft.com/office/drawing/2010/main" val="0"/>
-              </a:ext>
-            </a:extLst>
-          </a:blip>
-          <a:srcRect/>
-          <a:stretch>
-            <a:fillRect/>
-          </a:stretch>
-        </p:blipFill>
-        <p:spPr bwMode="auto">
-          <a:xfrm>
-            <a:off x="0" y="0"/>
-            <a:ext cx="12192000" cy="6858000"/>
-          </a:xfrm>
-          <a:prstGeom prst="rect">
-            <a:avLst/>
-          </a:prstGeom>
-          <a:noFill/>
-          <a:ln>
-            <a:noFill/>
-          </a:ln>
-          <a:effectLst/>
-          <a:extLst>
-            <a:ext uri="{909E8E84-426E-40DD-AFC4-6F175D3DCCD1}">
-              <a14:hiddenFill xmlns:a14="http://schemas.microsoft.com/office/drawing/2010/main">
-                <a:solidFill>
-                  <a:srgbClr val="FFFFFF"/>
-                </a:solidFill>
-              </a14:hiddenFill>
-            </a:ext>
-            <a:ext uri="{91240B29-F687-4F45-9708-019B960494DF}">
-              <a14:hiddenLine xmlns:a14="http://schemas.microsoft.com/office/drawing/2010/main" w="12700">
-                <a:solidFill>
-                  <a:srgbClr val="000000"/>
-                </a:solidFill>
-                <a:miter lim="400000"/>
-                <a:headEnd/>
-                <a:tailEnd/>
-              </a14:hiddenLine>
-            </a:ext>
-            <a:ext uri="{AF507438-7753-43E0-B8FC-AC1667EBCBE1}">
-              <a14:hiddenEffects xmlns:a14="http://schemas.microsoft.com/office/drawing/2010/main">
-                <a:effectLst>
-                  <a:outerShdw dist="35921" dir="2700000" algn="ctr" rotWithShape="0">
-                    <a:srgbClr val="808080"/>
-                  </a:outerShdw>
-                </a:effectLst>
-              </a14:hiddenEffects>
-            </a:ext>
-          </a:extLst>
-        </p:spPr>
-      </p:pic>
-    </p:spTree>
-    <p:extLst>
-      <p:ext uri="{BB962C8B-B14F-4D97-AF65-F5344CB8AC3E}">
-        <p14:creationId xmlns:p14="http://schemas.microsoft.com/office/powerpoint/2010/main" val="3476940065"/>
-      </p:ext>
-    </p:extLst>
-  </p:cSld>
-  <p:clrMapOvr>
-    <a:masterClrMapping/>
-  </p:clrMapOvr>
-  <p:transition spd="med"/>
-</p:sld>
-</file>
-
-<file path=ppt/slides/slide5.xml><?xml version="1.0" encoding="utf-8"?>
-<p:sld xmlns:a="http://schemas.openxmlformats.org/drawingml/2006/main" xmlns:r="http://schemas.openxmlformats.org/officeDocument/2006/relationships" xmlns:p="http://schemas.openxmlformats.org/presentationml/2006/main">
-  <p:cSld>
-    <p:spTree>
-      <p:nvGrpSpPr>
-        <p:cNvPr id="1" name=""/>
-        <p:cNvGrpSpPr/>
-        <p:nvPr/>
-      </p:nvGrpSpPr>
-      <p:grpSpPr>
-        <a:xfrm>
-          <a:off x="0" y="0"/>
-          <a:ext cx="0" cy="0"/>
-          <a:chOff x="0" y="0"/>
-          <a:chExt cx="0" cy="0"/>
-        </a:xfrm>
-      </p:grpSpPr>
-      <p:pic>
-        <p:nvPicPr>
-          <p:cNvPr id="6146" name="Picture 1" descr="CPW05_editable_16x9.036.jpeg"/>
-          <p:cNvPicPr>
-            <a:picLocks noChangeAspect="1"/>
-          </p:cNvPicPr>
-          <p:nvPr/>
-        </p:nvPicPr>
-        <p:blipFill>
-          <a:blip r:embed="rId2">
-            <a:extLst>
-              <a:ext uri="{28A0092B-C50C-407E-A947-70E740481C1C}">
-                <a14:useLocalDpi xmlns:a14="http://schemas.microsoft.com/office/drawing/2010/main" val="0"/>
-              </a:ext>
-            </a:extLst>
-          </a:blip>
-          <a:srcRect/>
-          <a:stretch>
-            <a:fillRect/>
-          </a:stretch>
-        </p:blipFill>
-        <p:spPr bwMode="auto">
-          <a:xfrm>
-            <a:off x="0" y="0"/>
-            <a:ext cx="12192000" cy="6858000"/>
-          </a:xfrm>
-          <a:prstGeom prst="rect">
-            <a:avLst/>
-          </a:prstGeom>
-          <a:noFill/>
-          <a:ln>
-            <a:noFill/>
-          </a:ln>
-          <a:effectLst/>
-          <a:extLst>
-            <a:ext uri="{909E8E84-426E-40DD-AFC4-6F175D3DCCD1}">
-              <a14:hiddenFill xmlns:a14="http://schemas.microsoft.com/office/drawing/2010/main">
-                <a:solidFill>
-                  <a:srgbClr val="FFFFFF"/>
-                </a:solidFill>
-              </a14:hiddenFill>
-            </a:ext>
-            <a:ext uri="{91240B29-F687-4F45-9708-019B960494DF}">
-              <a14:hiddenLine xmlns:a14="http://schemas.microsoft.com/office/drawing/2010/main" w="12700">
-                <a:solidFill>
-                  <a:srgbClr val="000000"/>
-                </a:solidFill>
-                <a:miter lim="400000"/>
-                <a:headEnd/>
-                <a:tailEnd/>
-              </a14:hiddenLine>
-            </a:ext>
-            <a:ext uri="{AF507438-7753-43E0-B8FC-AC1667EBCBE1}">
-              <a14:hiddenEffects xmlns:a14="http://schemas.microsoft.com/office/drawing/2010/main">
-                <a:effectLst>
-                  <a:outerShdw dist="35921" dir="2700000" algn="ctr" rotWithShape="0">
-                    <a:srgbClr val="808080"/>
-                  </a:outerShdw>
-                </a:effectLst>
-              </a14:hiddenEffects>
-            </a:ext>
-          </a:extLst>
-        </p:spPr>
-      </p:pic>
-    </p:spTree>
-    <p:extLst>
-      <p:ext uri="{BB962C8B-B14F-4D97-AF65-F5344CB8AC3E}">
-        <p14:creationId xmlns:p14="http://schemas.microsoft.com/office/powerpoint/2010/main" val="21897731"/>
-      </p:ext>
-    </p:extLst>
-  </p:cSld>
-  <p:clrMapOvr>
-    <a:masterClrMapping/>
-  </p:clrMapOvr>
-  <p:transition spd="med"/>
-</p:sld>
-</file>
-
 <file path=ppt/theme/theme1.xml><?xml version="1.0" encoding="utf-8"?>
 <a:theme xmlns:a="http://schemas.openxmlformats.org/drawingml/2006/main" name="Office Theme">
   <a:themeElements>

--- a/2020/7月.pptx
+++ b/2020/7月.pptx
@@ -3,11 +3,17 @@
 <p:presentation xmlns:a="http://schemas.openxmlformats.org/drawingml/2006/main" xmlns:r="http://schemas.openxmlformats.org/officeDocument/2006/relationships" xmlns:p="http://schemas.openxmlformats.org/presentationml/2006/main" saveSubsetFonts="1">
   <p:sldMasterIdLst>
     <p:sldMasterId id="2147483648" r:id="rId1"/>
+    <p:sldMasterId id="2147483660" r:id="rId2"/>
   </p:sldMasterIdLst>
   <p:sldIdLst>
-    <p:sldId id="257" r:id="rId2"/>
-    <p:sldId id="258" r:id="rId3"/>
-    <p:sldId id="259" r:id="rId4"/>
+    <p:sldId id="257" r:id="rId3"/>
+    <p:sldId id="258" r:id="rId4"/>
+    <p:sldId id="259" r:id="rId5"/>
+    <p:sldId id="263" r:id="rId6"/>
+    <p:sldId id="264" r:id="rId7"/>
+    <p:sldId id="260" r:id="rId8"/>
+    <p:sldId id="261" r:id="rId9"/>
+    <p:sldId id="262" r:id="rId10"/>
   </p:sldIdLst>
   <p:sldSz cx="12192000" cy="6858000"/>
   <p:notesSz cx="6858000" cy="9144000"/>
@@ -108,7 +114,7 @@
   </p:defaultTextStyle>
   <p:extLst>
     <p:ext uri="{EFAFB233-063F-42B5-8137-9DF3F51BA10A}">
-      <p15:sldGuideLst xmlns:p15="http://schemas.microsoft.com/office/powerpoint/2012/main"/>
+      <p15:sldGuideLst xmlns:p15="http://schemas.microsoft.com/office/powerpoint/2012/main" xmlns=""/>
     </p:ext>
   </p:extLst>
 </p:presentation>
@@ -245,7 +251,8 @@
           <a:p>
             <a:fld id="{A602E18F-600C-499B-80FE-D6CBF6AADD53}" type="datetimeFigureOut">
               <a:rPr lang="vi-VN" smtClean="0"/>
-              <a:t>05/07/2020</a:t>
+              <a:pPr/>
+              <a:t>19/07/2020</a:t>
             </a:fld>
             <a:endParaRPr lang="vi-VN"/>
           </a:p>
@@ -287,6 +294,7 @@
           <a:p>
             <a:fld id="{939575B4-0998-448A-B51C-92C366CCCD37}" type="slidenum">
               <a:rPr lang="vi-VN" smtClean="0"/>
+              <a:pPr/>
               <a:t>‹#›</a:t>
             </a:fld>
             <a:endParaRPr lang="vi-VN"/>
@@ -296,7 +304,7 @@
     </p:spTree>
     <p:extLst>
       <p:ext uri="{BB962C8B-B14F-4D97-AF65-F5344CB8AC3E}">
-        <p14:creationId xmlns:p14="http://schemas.microsoft.com/office/powerpoint/2010/main" val="2866697933"/>
+        <p14:creationId xmlns:p14="http://schemas.microsoft.com/office/powerpoint/2010/main" xmlns="" val="2866697933"/>
       </p:ext>
     </p:extLst>
   </p:cSld>
@@ -415,7 +423,8 @@
           <a:p>
             <a:fld id="{A602E18F-600C-499B-80FE-D6CBF6AADD53}" type="datetimeFigureOut">
               <a:rPr lang="vi-VN" smtClean="0"/>
-              <a:t>05/07/2020</a:t>
+              <a:pPr/>
+              <a:t>19/07/2020</a:t>
             </a:fld>
             <a:endParaRPr lang="vi-VN"/>
           </a:p>
@@ -457,6 +466,7 @@
           <a:p>
             <a:fld id="{939575B4-0998-448A-B51C-92C366CCCD37}" type="slidenum">
               <a:rPr lang="vi-VN" smtClean="0"/>
+              <a:pPr/>
               <a:t>‹#›</a:t>
             </a:fld>
             <a:endParaRPr lang="vi-VN"/>
@@ -466,7 +476,7 @@
     </p:spTree>
     <p:extLst>
       <p:ext uri="{BB962C8B-B14F-4D97-AF65-F5344CB8AC3E}">
-        <p14:creationId xmlns:p14="http://schemas.microsoft.com/office/powerpoint/2010/main" val="840921761"/>
+        <p14:creationId xmlns:p14="http://schemas.microsoft.com/office/powerpoint/2010/main" xmlns="" val="840921761"/>
       </p:ext>
     </p:extLst>
   </p:cSld>
@@ -595,7 +605,8 @@
           <a:p>
             <a:fld id="{A602E18F-600C-499B-80FE-D6CBF6AADD53}" type="datetimeFigureOut">
               <a:rPr lang="vi-VN" smtClean="0"/>
-              <a:t>05/07/2020</a:t>
+              <a:pPr/>
+              <a:t>19/07/2020</a:t>
             </a:fld>
             <a:endParaRPr lang="vi-VN"/>
           </a:p>
@@ -637,6 +648,7 @@
           <a:p>
             <a:fld id="{939575B4-0998-448A-B51C-92C366CCCD37}" type="slidenum">
               <a:rPr lang="vi-VN" smtClean="0"/>
+              <a:pPr/>
               <a:t>‹#›</a:t>
             </a:fld>
             <a:endParaRPr lang="vi-VN"/>
@@ -646,7 +658,7 @@
     </p:spTree>
     <p:extLst>
       <p:ext uri="{BB962C8B-B14F-4D97-AF65-F5344CB8AC3E}">
-        <p14:creationId xmlns:p14="http://schemas.microsoft.com/office/powerpoint/2010/main" val="1662751265"/>
+        <p14:creationId xmlns:p14="http://schemas.microsoft.com/office/powerpoint/2010/main" xmlns="" val="1662751265"/>
       </p:ext>
     </p:extLst>
   </p:cSld>
@@ -656,9 +668,9 @@
 </p:sldLayout>
 </file>
 
-<file path=ppt/slideLayouts/slideLayout2.xml><?xml version="1.0" encoding="utf-8"?>
-<p:sldLayout xmlns:a="http://schemas.openxmlformats.org/drawingml/2006/main" xmlns:r="http://schemas.openxmlformats.org/officeDocument/2006/relationships" xmlns:p="http://schemas.openxmlformats.org/presentationml/2006/main" type="obj" preserve="1">
-  <p:cSld name="Title and Content">
+<file path=ppt/slideLayouts/slideLayout12.xml><?xml version="1.0" encoding="utf-8"?>
+<p:sldLayout xmlns:a="http://schemas.openxmlformats.org/drawingml/2006/main" xmlns:r="http://schemas.openxmlformats.org/officeDocument/2006/relationships" xmlns:p="http://schemas.openxmlformats.org/presentationml/2006/main" type="title" preserve="1">
+  <p:cSld name="標題投影片">
     <p:spTree>
       <p:nvGrpSpPr>
         <p:cNvPr id="1" name=""/>
@@ -675,82 +687,154 @@
       </p:grpSpPr>
       <p:sp>
         <p:nvSpPr>
-          <p:cNvPr id="2" name="Title 1"/>
-          <p:cNvSpPr>
-            <a:spLocks noGrp="1"/>
-          </p:cNvSpPr>
-          <p:nvPr>
-            <p:ph type="title"/>
-          </p:nvPr>
-        </p:nvSpPr>
-        <p:spPr/>
-        <p:txBody>
-          <a:bodyPr/>
-          <a:lstStyle/>
-          <a:p>
-            <a:r>
-              <a:rPr lang="en-US" smtClean="0"/>
-              <a:t>Click to edit Master title style</a:t>
-            </a:r>
-            <a:endParaRPr lang="vi-VN"/>
-          </a:p>
-        </p:txBody>
-      </p:sp>
-      <p:sp>
-        <p:nvSpPr>
-          <p:cNvPr id="3" name="Content Placeholder 2"/>
-          <p:cNvSpPr>
-            <a:spLocks noGrp="1"/>
-          </p:cNvSpPr>
-          <p:nvPr>
-            <p:ph idx="1"/>
-          </p:nvPr>
-        </p:nvSpPr>
-        <p:spPr/>
-        <p:txBody>
-          <a:bodyPr/>
-          <a:lstStyle/>
-          <a:p>
-            <a:pPr lvl="0"/>
-            <a:r>
-              <a:rPr lang="en-US" smtClean="0"/>
-              <a:t>Edit Master text styles</a:t>
-            </a:r>
-          </a:p>
-          <a:p>
-            <a:pPr lvl="1"/>
-            <a:r>
-              <a:rPr lang="en-US" smtClean="0"/>
-              <a:t>Second level</a:t>
-            </a:r>
-          </a:p>
-          <a:p>
-            <a:pPr lvl="2"/>
-            <a:r>
-              <a:rPr lang="en-US" smtClean="0"/>
-              <a:t>Third level</a:t>
-            </a:r>
-          </a:p>
-          <a:p>
-            <a:pPr lvl="3"/>
-            <a:r>
-              <a:rPr lang="en-US" smtClean="0"/>
-              <a:t>Fourth level</a:t>
-            </a:r>
-          </a:p>
-          <a:p>
-            <a:pPr lvl="4"/>
-            <a:r>
-              <a:rPr lang="en-US" smtClean="0"/>
-              <a:t>Fifth level</a:t>
-            </a:r>
-            <a:endParaRPr lang="vi-VN"/>
-          </a:p>
-        </p:txBody>
-      </p:sp>
-      <p:sp>
-        <p:nvSpPr>
-          <p:cNvPr id="4" name="Date Placeholder 3"/>
+          <p:cNvPr id="2" name="標題 1"/>
+          <p:cNvSpPr>
+            <a:spLocks noGrp="1"/>
+          </p:cNvSpPr>
+          <p:nvPr>
+            <p:ph type="ctrTitle"/>
+          </p:nvPr>
+        </p:nvSpPr>
+        <p:spPr>
+          <a:xfrm>
+            <a:off x="914400" y="2130426"/>
+            <a:ext cx="10363200" cy="1470025"/>
+          </a:xfrm>
+        </p:spPr>
+        <p:txBody>
+          <a:bodyPr/>
+          <a:lstStyle/>
+          <a:p>
+            <a:r>
+              <a:rPr lang="zh-TW" altLang="en-US" smtClean="0"/>
+              <a:t>按一下以編輯母片標題樣式</a:t>
+            </a:r>
+            <a:endParaRPr lang="zh-TW" altLang="en-US"/>
+          </a:p>
+        </p:txBody>
+      </p:sp>
+      <p:sp>
+        <p:nvSpPr>
+          <p:cNvPr id="3" name="副標題 2"/>
+          <p:cNvSpPr>
+            <a:spLocks noGrp="1"/>
+          </p:cNvSpPr>
+          <p:nvPr>
+            <p:ph type="subTitle" idx="1"/>
+          </p:nvPr>
+        </p:nvSpPr>
+        <p:spPr>
+          <a:xfrm>
+            <a:off x="1828800" y="3886200"/>
+            <a:ext cx="8534400" cy="1752600"/>
+          </a:xfrm>
+        </p:spPr>
+        <p:txBody>
+          <a:bodyPr/>
+          <a:lstStyle>
+            <a:lvl1pPr marL="0" indent="0" algn="ctr">
+              <a:buNone/>
+              <a:defRPr>
+                <a:solidFill>
+                  <a:schemeClr val="tx1">
+                    <a:tint val="75000"/>
+                  </a:schemeClr>
+                </a:solidFill>
+              </a:defRPr>
+            </a:lvl1pPr>
+            <a:lvl2pPr marL="457200" indent="0" algn="ctr">
+              <a:buNone/>
+              <a:defRPr>
+                <a:solidFill>
+                  <a:schemeClr val="tx1">
+                    <a:tint val="75000"/>
+                  </a:schemeClr>
+                </a:solidFill>
+              </a:defRPr>
+            </a:lvl2pPr>
+            <a:lvl3pPr marL="914400" indent="0" algn="ctr">
+              <a:buNone/>
+              <a:defRPr>
+                <a:solidFill>
+                  <a:schemeClr val="tx1">
+                    <a:tint val="75000"/>
+                  </a:schemeClr>
+                </a:solidFill>
+              </a:defRPr>
+            </a:lvl3pPr>
+            <a:lvl4pPr marL="1371600" indent="0" algn="ctr">
+              <a:buNone/>
+              <a:defRPr>
+                <a:solidFill>
+                  <a:schemeClr val="tx1">
+                    <a:tint val="75000"/>
+                  </a:schemeClr>
+                </a:solidFill>
+              </a:defRPr>
+            </a:lvl4pPr>
+            <a:lvl5pPr marL="1828800" indent="0" algn="ctr">
+              <a:buNone/>
+              <a:defRPr>
+                <a:solidFill>
+                  <a:schemeClr val="tx1">
+                    <a:tint val="75000"/>
+                  </a:schemeClr>
+                </a:solidFill>
+              </a:defRPr>
+            </a:lvl5pPr>
+            <a:lvl6pPr marL="2286000" indent="0" algn="ctr">
+              <a:buNone/>
+              <a:defRPr>
+                <a:solidFill>
+                  <a:schemeClr val="tx1">
+                    <a:tint val="75000"/>
+                  </a:schemeClr>
+                </a:solidFill>
+              </a:defRPr>
+            </a:lvl6pPr>
+            <a:lvl7pPr marL="2743200" indent="0" algn="ctr">
+              <a:buNone/>
+              <a:defRPr>
+                <a:solidFill>
+                  <a:schemeClr val="tx1">
+                    <a:tint val="75000"/>
+                  </a:schemeClr>
+                </a:solidFill>
+              </a:defRPr>
+            </a:lvl7pPr>
+            <a:lvl8pPr marL="3200400" indent="0" algn="ctr">
+              <a:buNone/>
+              <a:defRPr>
+                <a:solidFill>
+                  <a:schemeClr val="tx1">
+                    <a:tint val="75000"/>
+                  </a:schemeClr>
+                </a:solidFill>
+              </a:defRPr>
+            </a:lvl8pPr>
+            <a:lvl9pPr marL="3657600" indent="0" algn="ctr">
+              <a:buNone/>
+              <a:defRPr>
+                <a:solidFill>
+                  <a:schemeClr val="tx1">
+                    <a:tint val="75000"/>
+                  </a:schemeClr>
+                </a:solidFill>
+              </a:defRPr>
+            </a:lvl9pPr>
+          </a:lstStyle>
+          <a:p>
+            <a:r>
+              <a:rPr lang="zh-TW" altLang="en-US" smtClean="0"/>
+              <a:t>按一下以編輯母片副標題樣式</a:t>
+            </a:r>
+            <a:endParaRPr lang="zh-TW" altLang="en-US"/>
+          </a:p>
+        </p:txBody>
+      </p:sp>
+      <p:sp>
+        <p:nvSpPr>
+          <p:cNvPr id="4" name="日期版面配置區 3"/>
           <p:cNvSpPr>
             <a:spLocks noGrp="1"/>
           </p:cNvSpPr>
@@ -765,7 +849,8 @@
           <a:p>
             <a:fld id="{A602E18F-600C-499B-80FE-D6CBF6AADD53}" type="datetimeFigureOut">
               <a:rPr lang="vi-VN" smtClean="0"/>
-              <a:t>05/07/2020</a:t>
+              <a:pPr/>
+              <a:t>19/07/2020</a:t>
             </a:fld>
             <a:endParaRPr lang="vi-VN"/>
           </a:p>
@@ -773,7 +858,7 @@
       </p:sp>
       <p:sp>
         <p:nvSpPr>
-          <p:cNvPr id="5" name="Footer Placeholder 4"/>
+          <p:cNvPr id="5" name="頁尾版面配置區 4"/>
           <p:cNvSpPr>
             <a:spLocks noGrp="1"/>
           </p:cNvSpPr>
@@ -792,7 +877,7 @@
       </p:sp>
       <p:sp>
         <p:nvSpPr>
-          <p:cNvPr id="6" name="Slide Number Placeholder 5"/>
+          <p:cNvPr id="6" name="投影片編號版面配置區 5"/>
           <p:cNvSpPr>
             <a:spLocks noGrp="1"/>
           </p:cNvSpPr>
@@ -807,6 +892,7 @@
           <a:p>
             <a:fld id="{939575B4-0998-448A-B51C-92C366CCCD37}" type="slidenum">
               <a:rPr lang="vi-VN" smtClean="0"/>
+              <a:pPr/>
               <a:t>‹#›</a:t>
             </a:fld>
             <a:endParaRPr lang="vi-VN"/>
@@ -814,11 +900,6 @@
         </p:txBody>
       </p:sp>
     </p:spTree>
-    <p:extLst>
-      <p:ext uri="{BB962C8B-B14F-4D97-AF65-F5344CB8AC3E}">
-        <p14:creationId xmlns:p14="http://schemas.microsoft.com/office/powerpoint/2010/main" val="812118582"/>
-      </p:ext>
-    </p:extLst>
   </p:cSld>
   <p:clrMapOvr>
     <a:masterClrMapping/>
@@ -826,9 +907,9 @@
 </p:sldLayout>
 </file>
 
-<file path=ppt/slideLayouts/slideLayout3.xml><?xml version="1.0" encoding="utf-8"?>
-<p:sldLayout xmlns:a="http://schemas.openxmlformats.org/drawingml/2006/main" xmlns:r="http://schemas.openxmlformats.org/officeDocument/2006/relationships" xmlns:p="http://schemas.openxmlformats.org/presentationml/2006/main" type="secHead" preserve="1">
-  <p:cSld name="Section Header">
+<file path=ppt/slideLayouts/slideLayout13.xml><?xml version="1.0" encoding="utf-8"?>
+<p:sldLayout xmlns:a="http://schemas.openxmlformats.org/drawingml/2006/main" xmlns:r="http://schemas.openxmlformats.org/officeDocument/2006/relationships" xmlns:p="http://schemas.openxmlformats.org/presentationml/2006/main" type="obj" preserve="1">
+  <p:cSld name="標題及物件">
     <p:spTree>
       <p:nvGrpSpPr>
         <p:cNvPr id="1" name=""/>
@@ -845,7 +926,7 @@
       </p:grpSpPr>
       <p:sp>
         <p:nvSpPr>
-          <p:cNvPr id="2" name="Title 1"/>
+          <p:cNvPr id="2" name="標題 1"/>
           <p:cNvSpPr>
             <a:spLocks noGrp="1"/>
           </p:cNvSpPr>
@@ -853,150 +934,74 @@
             <p:ph type="title"/>
           </p:nvPr>
         </p:nvSpPr>
-        <p:spPr>
-          <a:xfrm>
-            <a:off x="831850" y="1709738"/>
-            <a:ext cx="10515600" cy="2852737"/>
-          </a:xfrm>
-        </p:spPr>
-        <p:txBody>
-          <a:bodyPr anchor="b"/>
-          <a:lstStyle>
-            <a:lvl1pPr>
-              <a:defRPr sz="6000"/>
-            </a:lvl1pPr>
-          </a:lstStyle>
-          <a:p>
-            <a:r>
-              <a:rPr lang="en-US" smtClean="0"/>
-              <a:t>Click to edit Master title style</a:t>
-            </a:r>
-            <a:endParaRPr lang="vi-VN"/>
-          </a:p>
-        </p:txBody>
-      </p:sp>
-      <p:sp>
-        <p:nvSpPr>
-          <p:cNvPr id="3" name="Text Placeholder 2"/>
-          <p:cNvSpPr>
-            <a:spLocks noGrp="1"/>
-          </p:cNvSpPr>
-          <p:nvPr>
-            <p:ph type="body" idx="1"/>
-          </p:nvPr>
-        </p:nvSpPr>
-        <p:spPr>
-          <a:xfrm>
-            <a:off x="831850" y="4589463"/>
-            <a:ext cx="10515600" cy="1500187"/>
-          </a:xfrm>
-        </p:spPr>
-        <p:txBody>
-          <a:bodyPr/>
-          <a:lstStyle>
-            <a:lvl1pPr marL="0" indent="0">
-              <a:buNone/>
-              <a:defRPr sz="2400">
-                <a:solidFill>
-                  <a:schemeClr val="tx1">
-                    <a:tint val="75000"/>
-                  </a:schemeClr>
-                </a:solidFill>
-              </a:defRPr>
-            </a:lvl1pPr>
-            <a:lvl2pPr marL="457200" indent="0">
-              <a:buNone/>
-              <a:defRPr sz="2000">
-                <a:solidFill>
-                  <a:schemeClr val="tx1">
-                    <a:tint val="75000"/>
-                  </a:schemeClr>
-                </a:solidFill>
-              </a:defRPr>
-            </a:lvl2pPr>
-            <a:lvl3pPr marL="914400" indent="0">
-              <a:buNone/>
-              <a:defRPr sz="1800">
-                <a:solidFill>
-                  <a:schemeClr val="tx1">
-                    <a:tint val="75000"/>
-                  </a:schemeClr>
-                </a:solidFill>
-              </a:defRPr>
-            </a:lvl3pPr>
-            <a:lvl4pPr marL="1371600" indent="0">
-              <a:buNone/>
-              <a:defRPr sz="1600">
-                <a:solidFill>
-                  <a:schemeClr val="tx1">
-                    <a:tint val="75000"/>
-                  </a:schemeClr>
-                </a:solidFill>
-              </a:defRPr>
-            </a:lvl4pPr>
-            <a:lvl5pPr marL="1828800" indent="0">
-              <a:buNone/>
-              <a:defRPr sz="1600">
-                <a:solidFill>
-                  <a:schemeClr val="tx1">
-                    <a:tint val="75000"/>
-                  </a:schemeClr>
-                </a:solidFill>
-              </a:defRPr>
-            </a:lvl5pPr>
-            <a:lvl6pPr marL="2286000" indent="0">
-              <a:buNone/>
-              <a:defRPr sz="1600">
-                <a:solidFill>
-                  <a:schemeClr val="tx1">
-                    <a:tint val="75000"/>
-                  </a:schemeClr>
-                </a:solidFill>
-              </a:defRPr>
-            </a:lvl6pPr>
-            <a:lvl7pPr marL="2743200" indent="0">
-              <a:buNone/>
-              <a:defRPr sz="1600">
-                <a:solidFill>
-                  <a:schemeClr val="tx1">
-                    <a:tint val="75000"/>
-                  </a:schemeClr>
-                </a:solidFill>
-              </a:defRPr>
-            </a:lvl7pPr>
-            <a:lvl8pPr marL="3200400" indent="0">
-              <a:buNone/>
-              <a:defRPr sz="1600">
-                <a:solidFill>
-                  <a:schemeClr val="tx1">
-                    <a:tint val="75000"/>
-                  </a:schemeClr>
-                </a:solidFill>
-              </a:defRPr>
-            </a:lvl8pPr>
-            <a:lvl9pPr marL="3657600" indent="0">
-              <a:buNone/>
-              <a:defRPr sz="1600">
-                <a:solidFill>
-                  <a:schemeClr val="tx1">
-                    <a:tint val="75000"/>
-                  </a:schemeClr>
-                </a:solidFill>
-              </a:defRPr>
-            </a:lvl9pPr>
-          </a:lstStyle>
+        <p:spPr/>
+        <p:txBody>
+          <a:bodyPr/>
+          <a:lstStyle/>
+          <a:p>
+            <a:r>
+              <a:rPr lang="zh-TW" altLang="en-US" smtClean="0"/>
+              <a:t>按一下以編輯母片標題樣式</a:t>
+            </a:r>
+            <a:endParaRPr lang="zh-TW" altLang="en-US"/>
+          </a:p>
+        </p:txBody>
+      </p:sp>
+      <p:sp>
+        <p:nvSpPr>
+          <p:cNvPr id="3" name="內容版面配置區 2"/>
+          <p:cNvSpPr>
+            <a:spLocks noGrp="1"/>
+          </p:cNvSpPr>
+          <p:nvPr>
+            <p:ph idx="1"/>
+          </p:nvPr>
+        </p:nvSpPr>
+        <p:spPr/>
+        <p:txBody>
+          <a:bodyPr/>
+          <a:lstStyle/>
           <a:p>
             <a:pPr lvl="0"/>
             <a:r>
-              <a:rPr lang="en-US" smtClean="0"/>
-              <a:t>Edit Master text styles</a:t>
-            </a:r>
-          </a:p>
-        </p:txBody>
-      </p:sp>
-      <p:sp>
-        <p:nvSpPr>
-          <p:cNvPr id="4" name="Date Placeholder 3"/>
+              <a:rPr lang="zh-TW" altLang="en-US" smtClean="0"/>
+              <a:t>按一下以編輯母片文字樣式</a:t>
+            </a:r>
+          </a:p>
+          <a:p>
+            <a:pPr lvl="1"/>
+            <a:r>
+              <a:rPr lang="zh-TW" altLang="en-US" smtClean="0"/>
+              <a:t>第二層</a:t>
+            </a:r>
+          </a:p>
+          <a:p>
+            <a:pPr lvl="2"/>
+            <a:r>
+              <a:rPr lang="zh-TW" altLang="en-US" smtClean="0"/>
+              <a:t>第三層</a:t>
+            </a:r>
+          </a:p>
+          <a:p>
+            <a:pPr lvl="3"/>
+            <a:r>
+              <a:rPr lang="zh-TW" altLang="en-US" smtClean="0"/>
+              <a:t>第四層</a:t>
+            </a:r>
+          </a:p>
+          <a:p>
+            <a:pPr lvl="4"/>
+            <a:r>
+              <a:rPr lang="zh-TW" altLang="en-US" smtClean="0"/>
+              <a:t>第五層</a:t>
+            </a:r>
+            <a:endParaRPr lang="zh-TW" altLang="en-US"/>
+          </a:p>
+        </p:txBody>
+      </p:sp>
+      <p:sp>
+        <p:nvSpPr>
+          <p:cNvPr id="4" name="日期版面配置區 3"/>
           <p:cNvSpPr>
             <a:spLocks noGrp="1"/>
           </p:cNvSpPr>
@@ -1011,7 +1016,8 @@
           <a:p>
             <a:fld id="{A602E18F-600C-499B-80FE-D6CBF6AADD53}" type="datetimeFigureOut">
               <a:rPr lang="vi-VN" smtClean="0"/>
-              <a:t>05/07/2020</a:t>
+              <a:pPr/>
+              <a:t>19/07/2020</a:t>
             </a:fld>
             <a:endParaRPr lang="vi-VN"/>
           </a:p>
@@ -1019,7 +1025,7 @@
       </p:sp>
       <p:sp>
         <p:nvSpPr>
-          <p:cNvPr id="5" name="Footer Placeholder 4"/>
+          <p:cNvPr id="5" name="頁尾版面配置區 4"/>
           <p:cNvSpPr>
             <a:spLocks noGrp="1"/>
           </p:cNvSpPr>
@@ -1038,7 +1044,7 @@
       </p:sp>
       <p:sp>
         <p:nvSpPr>
-          <p:cNvPr id="6" name="Slide Number Placeholder 5"/>
+          <p:cNvPr id="6" name="投影片編號版面配置區 5"/>
           <p:cNvSpPr>
             <a:spLocks noGrp="1"/>
           </p:cNvSpPr>
@@ -1053,6 +1059,7 @@
           <a:p>
             <a:fld id="{939575B4-0998-448A-B51C-92C366CCCD37}" type="slidenum">
               <a:rPr lang="vi-VN" smtClean="0"/>
+              <a:pPr/>
               <a:t>‹#›</a:t>
             </a:fld>
             <a:endParaRPr lang="vi-VN"/>
@@ -1060,11 +1067,6 @@
         </p:txBody>
       </p:sp>
     </p:spTree>
-    <p:extLst>
-      <p:ext uri="{BB962C8B-B14F-4D97-AF65-F5344CB8AC3E}">
-        <p14:creationId xmlns:p14="http://schemas.microsoft.com/office/powerpoint/2010/main" val="2639443751"/>
-      </p:ext>
-    </p:extLst>
   </p:cSld>
   <p:clrMapOvr>
     <a:masterClrMapping/>
@@ -1072,9 +1074,9 @@
 </p:sldLayout>
 </file>
 
-<file path=ppt/slideLayouts/slideLayout4.xml><?xml version="1.0" encoding="utf-8"?>
-<p:sldLayout xmlns:a="http://schemas.openxmlformats.org/drawingml/2006/main" xmlns:r="http://schemas.openxmlformats.org/officeDocument/2006/relationships" xmlns:p="http://schemas.openxmlformats.org/presentationml/2006/main" type="twoObj" preserve="1">
-  <p:cSld name="Two Content">
+<file path=ppt/slideLayouts/slideLayout14.xml><?xml version="1.0" encoding="utf-8"?>
+<p:sldLayout xmlns:a="http://schemas.openxmlformats.org/drawingml/2006/main" xmlns:r="http://schemas.openxmlformats.org/officeDocument/2006/relationships" xmlns:p="http://schemas.openxmlformats.org/presentationml/2006/main" type="secHead" preserve="1">
+  <p:cSld name="區段標題">
     <p:spTree>
       <p:nvGrpSpPr>
         <p:cNvPr id="1" name=""/>
@@ -1091,144 +1093,158 @@
       </p:grpSpPr>
       <p:sp>
         <p:nvSpPr>
-          <p:cNvPr id="2" name="Title 1"/>
+          <p:cNvPr id="2" name="標題 1"/>
           <p:cNvSpPr>
             <a:spLocks noGrp="1"/>
           </p:cNvSpPr>
           <p:nvPr>
             <p:ph type="title"/>
-          </p:nvPr>
-        </p:nvSpPr>
-        <p:spPr/>
-        <p:txBody>
-          <a:bodyPr/>
-          <a:lstStyle/>
-          <a:p>
-            <a:r>
-              <a:rPr lang="en-US" smtClean="0"/>
-              <a:t>Click to edit Master title style</a:t>
-            </a:r>
-            <a:endParaRPr lang="vi-VN"/>
-          </a:p>
-        </p:txBody>
-      </p:sp>
-      <p:sp>
-        <p:nvSpPr>
-          <p:cNvPr id="3" name="Content Placeholder 2"/>
-          <p:cNvSpPr>
-            <a:spLocks noGrp="1"/>
-          </p:cNvSpPr>
-          <p:nvPr>
-            <p:ph sz="half" idx="1"/>
           </p:nvPr>
         </p:nvSpPr>
         <p:spPr>
           <a:xfrm>
-            <a:off x="838200" y="1825625"/>
-            <a:ext cx="5181600" cy="4351338"/>
+            <a:off x="963084" y="4406901"/>
+            <a:ext cx="10363200" cy="1362075"/>
           </a:xfrm>
         </p:spPr>
         <p:txBody>
-          <a:bodyPr/>
-          <a:lstStyle/>
-          <a:p>
-            <a:pPr lvl="0"/>
-            <a:r>
-              <a:rPr lang="en-US" smtClean="0"/>
-              <a:t>Edit Master text styles</a:t>
-            </a:r>
-          </a:p>
-          <a:p>
-            <a:pPr lvl="1"/>
-            <a:r>
-              <a:rPr lang="en-US" smtClean="0"/>
-              <a:t>Second level</a:t>
-            </a:r>
-          </a:p>
-          <a:p>
-            <a:pPr lvl="2"/>
-            <a:r>
-              <a:rPr lang="en-US" smtClean="0"/>
-              <a:t>Third level</a:t>
-            </a:r>
-          </a:p>
-          <a:p>
-            <a:pPr lvl="3"/>
-            <a:r>
-              <a:rPr lang="en-US" smtClean="0"/>
-              <a:t>Fourth level</a:t>
-            </a:r>
-          </a:p>
-          <a:p>
-            <a:pPr lvl="4"/>
-            <a:r>
-              <a:rPr lang="en-US" smtClean="0"/>
-              <a:t>Fifth level</a:t>
-            </a:r>
-            <a:endParaRPr lang="vi-VN"/>
-          </a:p>
-        </p:txBody>
-      </p:sp>
-      <p:sp>
-        <p:nvSpPr>
-          <p:cNvPr id="4" name="Content Placeholder 3"/>
-          <p:cNvSpPr>
-            <a:spLocks noGrp="1"/>
-          </p:cNvSpPr>
-          <p:nvPr>
-            <p:ph sz="half" idx="2"/>
+          <a:bodyPr anchor="t"/>
+          <a:lstStyle>
+            <a:lvl1pPr algn="l">
+              <a:defRPr sz="4000" b="1" cap="all"/>
+            </a:lvl1pPr>
+          </a:lstStyle>
+          <a:p>
+            <a:r>
+              <a:rPr lang="zh-TW" altLang="en-US" smtClean="0"/>
+              <a:t>按一下以編輯母片標題樣式</a:t>
+            </a:r>
+            <a:endParaRPr lang="zh-TW" altLang="en-US"/>
+          </a:p>
+        </p:txBody>
+      </p:sp>
+      <p:sp>
+        <p:nvSpPr>
+          <p:cNvPr id="3" name="文字版面配置區 2"/>
+          <p:cNvSpPr>
+            <a:spLocks noGrp="1"/>
+          </p:cNvSpPr>
+          <p:nvPr>
+            <p:ph type="body" idx="1"/>
           </p:nvPr>
         </p:nvSpPr>
         <p:spPr>
           <a:xfrm>
-            <a:off x="6172200" y="1825625"/>
-            <a:ext cx="5181600" cy="4351338"/>
+            <a:off x="963084" y="2906713"/>
+            <a:ext cx="10363200" cy="1500187"/>
           </a:xfrm>
         </p:spPr>
         <p:txBody>
-          <a:bodyPr/>
-          <a:lstStyle/>
+          <a:bodyPr anchor="b"/>
+          <a:lstStyle>
+            <a:lvl1pPr marL="0" indent="0">
+              <a:buNone/>
+              <a:defRPr sz="2000">
+                <a:solidFill>
+                  <a:schemeClr val="tx1">
+                    <a:tint val="75000"/>
+                  </a:schemeClr>
+                </a:solidFill>
+              </a:defRPr>
+            </a:lvl1pPr>
+            <a:lvl2pPr marL="457200" indent="0">
+              <a:buNone/>
+              <a:defRPr sz="1800">
+                <a:solidFill>
+                  <a:schemeClr val="tx1">
+                    <a:tint val="75000"/>
+                  </a:schemeClr>
+                </a:solidFill>
+              </a:defRPr>
+            </a:lvl2pPr>
+            <a:lvl3pPr marL="914400" indent="0">
+              <a:buNone/>
+              <a:defRPr sz="1600">
+                <a:solidFill>
+                  <a:schemeClr val="tx1">
+                    <a:tint val="75000"/>
+                  </a:schemeClr>
+                </a:solidFill>
+              </a:defRPr>
+            </a:lvl3pPr>
+            <a:lvl4pPr marL="1371600" indent="0">
+              <a:buNone/>
+              <a:defRPr sz="1400">
+                <a:solidFill>
+                  <a:schemeClr val="tx1">
+                    <a:tint val="75000"/>
+                  </a:schemeClr>
+                </a:solidFill>
+              </a:defRPr>
+            </a:lvl4pPr>
+            <a:lvl5pPr marL="1828800" indent="0">
+              <a:buNone/>
+              <a:defRPr sz="1400">
+                <a:solidFill>
+                  <a:schemeClr val="tx1">
+                    <a:tint val="75000"/>
+                  </a:schemeClr>
+                </a:solidFill>
+              </a:defRPr>
+            </a:lvl5pPr>
+            <a:lvl6pPr marL="2286000" indent="0">
+              <a:buNone/>
+              <a:defRPr sz="1400">
+                <a:solidFill>
+                  <a:schemeClr val="tx1">
+                    <a:tint val="75000"/>
+                  </a:schemeClr>
+                </a:solidFill>
+              </a:defRPr>
+            </a:lvl6pPr>
+            <a:lvl7pPr marL="2743200" indent="0">
+              <a:buNone/>
+              <a:defRPr sz="1400">
+                <a:solidFill>
+                  <a:schemeClr val="tx1">
+                    <a:tint val="75000"/>
+                  </a:schemeClr>
+                </a:solidFill>
+              </a:defRPr>
+            </a:lvl7pPr>
+            <a:lvl8pPr marL="3200400" indent="0">
+              <a:buNone/>
+              <a:defRPr sz="1400">
+                <a:solidFill>
+                  <a:schemeClr val="tx1">
+                    <a:tint val="75000"/>
+                  </a:schemeClr>
+                </a:solidFill>
+              </a:defRPr>
+            </a:lvl8pPr>
+            <a:lvl9pPr marL="3657600" indent="0">
+              <a:buNone/>
+              <a:defRPr sz="1400">
+                <a:solidFill>
+                  <a:schemeClr val="tx1">
+                    <a:tint val="75000"/>
+                  </a:schemeClr>
+                </a:solidFill>
+              </a:defRPr>
+            </a:lvl9pPr>
+          </a:lstStyle>
           <a:p>
             <a:pPr lvl="0"/>
             <a:r>
-              <a:rPr lang="en-US" smtClean="0"/>
-              <a:t>Edit Master text styles</a:t>
-            </a:r>
-          </a:p>
-          <a:p>
-            <a:pPr lvl="1"/>
-            <a:r>
-              <a:rPr lang="en-US" smtClean="0"/>
-              <a:t>Second level</a:t>
-            </a:r>
-          </a:p>
-          <a:p>
-            <a:pPr lvl="2"/>
-            <a:r>
-              <a:rPr lang="en-US" smtClean="0"/>
-              <a:t>Third level</a:t>
-            </a:r>
-          </a:p>
-          <a:p>
-            <a:pPr lvl="3"/>
-            <a:r>
-              <a:rPr lang="en-US" smtClean="0"/>
-              <a:t>Fourth level</a:t>
-            </a:r>
-          </a:p>
-          <a:p>
-            <a:pPr lvl="4"/>
-            <a:r>
-              <a:rPr lang="en-US" smtClean="0"/>
-              <a:t>Fifth level</a:t>
-            </a:r>
-            <a:endParaRPr lang="vi-VN"/>
-          </a:p>
-        </p:txBody>
-      </p:sp>
-      <p:sp>
-        <p:nvSpPr>
-          <p:cNvPr id="5" name="Date Placeholder 4"/>
+              <a:rPr lang="zh-TW" altLang="en-US" smtClean="0"/>
+              <a:t>按一下以編輯母片文字樣式</a:t>
+            </a:r>
+          </a:p>
+        </p:txBody>
+      </p:sp>
+      <p:sp>
+        <p:nvSpPr>
+          <p:cNvPr id="4" name="日期版面配置區 3"/>
           <p:cNvSpPr>
             <a:spLocks noGrp="1"/>
           </p:cNvSpPr>
@@ -1243,7 +1259,8 @@
           <a:p>
             <a:fld id="{A602E18F-600C-499B-80FE-D6CBF6AADD53}" type="datetimeFigureOut">
               <a:rPr lang="vi-VN" smtClean="0"/>
-              <a:t>05/07/2020</a:t>
+              <a:pPr/>
+              <a:t>19/07/2020</a:t>
             </a:fld>
             <a:endParaRPr lang="vi-VN"/>
           </a:p>
@@ -1251,7 +1268,7 @@
       </p:sp>
       <p:sp>
         <p:nvSpPr>
-          <p:cNvPr id="6" name="Footer Placeholder 5"/>
+          <p:cNvPr id="5" name="頁尾版面配置區 4"/>
           <p:cNvSpPr>
             <a:spLocks noGrp="1"/>
           </p:cNvSpPr>
@@ -1270,7 +1287,7 @@
       </p:sp>
       <p:sp>
         <p:nvSpPr>
-          <p:cNvPr id="7" name="Slide Number Placeholder 6"/>
+          <p:cNvPr id="6" name="投影片編號版面配置區 5"/>
           <p:cNvSpPr>
             <a:spLocks noGrp="1"/>
           </p:cNvSpPr>
@@ -1285,6 +1302,7 @@
           <a:p>
             <a:fld id="{939575B4-0998-448A-B51C-92C366CCCD37}" type="slidenum">
               <a:rPr lang="vi-VN" smtClean="0"/>
+              <a:pPr/>
               <a:t>‹#›</a:t>
             </a:fld>
             <a:endParaRPr lang="vi-VN"/>
@@ -1292,11 +1310,6 @@
         </p:txBody>
       </p:sp>
     </p:spTree>
-    <p:extLst>
-      <p:ext uri="{BB962C8B-B14F-4D97-AF65-F5344CB8AC3E}">
-        <p14:creationId xmlns:p14="http://schemas.microsoft.com/office/powerpoint/2010/main" val="45847336"/>
-      </p:ext>
-    </p:extLst>
   </p:cSld>
   <p:clrMapOvr>
     <a:masterClrMapping/>
@@ -1304,9 +1317,9 @@
 </p:sldLayout>
 </file>
 
-<file path=ppt/slideLayouts/slideLayout5.xml><?xml version="1.0" encoding="utf-8"?>
-<p:sldLayout xmlns:a="http://schemas.openxmlformats.org/drawingml/2006/main" xmlns:r="http://schemas.openxmlformats.org/officeDocument/2006/relationships" xmlns:p="http://schemas.openxmlformats.org/presentationml/2006/main" type="twoTxTwoObj" preserve="1">
-  <p:cSld name="Comparison">
+<file path=ppt/slideLayouts/slideLayout15.xml><?xml version="1.0" encoding="utf-8"?>
+<p:sldLayout xmlns:a="http://schemas.openxmlformats.org/drawingml/2006/main" xmlns:r="http://schemas.openxmlformats.org/officeDocument/2006/relationships" xmlns:p="http://schemas.openxmlformats.org/presentationml/2006/main" type="twoObj" preserve="1">
+  <p:cSld name="兩項物件">
     <p:spTree>
       <p:nvGrpSpPr>
         <p:cNvPr id="1" name=""/>
@@ -1323,279 +1336,200 @@
       </p:grpSpPr>
       <p:sp>
         <p:nvSpPr>
-          <p:cNvPr id="2" name="Title 1"/>
+          <p:cNvPr id="2" name="標題 1"/>
           <p:cNvSpPr>
             <a:spLocks noGrp="1"/>
           </p:cNvSpPr>
           <p:nvPr>
             <p:ph type="title"/>
+          </p:nvPr>
+        </p:nvSpPr>
+        <p:spPr/>
+        <p:txBody>
+          <a:bodyPr/>
+          <a:lstStyle/>
+          <a:p>
+            <a:r>
+              <a:rPr lang="zh-TW" altLang="en-US" smtClean="0"/>
+              <a:t>按一下以編輯母片標題樣式</a:t>
+            </a:r>
+            <a:endParaRPr lang="zh-TW" altLang="en-US"/>
+          </a:p>
+        </p:txBody>
+      </p:sp>
+      <p:sp>
+        <p:nvSpPr>
+          <p:cNvPr id="3" name="內容版面配置區 2"/>
+          <p:cNvSpPr>
+            <a:spLocks noGrp="1"/>
+          </p:cNvSpPr>
+          <p:nvPr>
+            <p:ph sz="half" idx="1"/>
           </p:nvPr>
         </p:nvSpPr>
         <p:spPr>
           <a:xfrm>
-            <a:off x="839788" y="365125"/>
-            <a:ext cx="10515600" cy="1325563"/>
+            <a:off x="609600" y="1600201"/>
+            <a:ext cx="5384800" cy="4525963"/>
           </a:xfrm>
         </p:spPr>
         <p:txBody>
           <a:bodyPr/>
-          <a:lstStyle/>
-          <a:p>
-            <a:r>
-              <a:rPr lang="en-US" smtClean="0"/>
-              <a:t>Click to edit Master title style</a:t>
-            </a:r>
-            <a:endParaRPr lang="vi-VN"/>
-          </a:p>
-        </p:txBody>
-      </p:sp>
-      <p:sp>
-        <p:nvSpPr>
-          <p:cNvPr id="3" name="Text Placeholder 2"/>
-          <p:cNvSpPr>
-            <a:spLocks noGrp="1"/>
-          </p:cNvSpPr>
-          <p:nvPr>
-            <p:ph type="body" idx="1"/>
+          <a:lstStyle>
+            <a:lvl1pPr>
+              <a:defRPr sz="2800"/>
+            </a:lvl1pPr>
+            <a:lvl2pPr>
+              <a:defRPr sz="2400"/>
+            </a:lvl2pPr>
+            <a:lvl3pPr>
+              <a:defRPr sz="2000"/>
+            </a:lvl3pPr>
+            <a:lvl4pPr>
+              <a:defRPr sz="1800"/>
+            </a:lvl4pPr>
+            <a:lvl5pPr>
+              <a:defRPr sz="1800"/>
+            </a:lvl5pPr>
+            <a:lvl6pPr>
+              <a:defRPr sz="1800"/>
+            </a:lvl6pPr>
+            <a:lvl7pPr>
+              <a:defRPr sz="1800"/>
+            </a:lvl7pPr>
+            <a:lvl8pPr>
+              <a:defRPr sz="1800"/>
+            </a:lvl8pPr>
+            <a:lvl9pPr>
+              <a:defRPr sz="1800"/>
+            </a:lvl9pPr>
+          </a:lstStyle>
+          <a:p>
+            <a:pPr lvl="0"/>
+            <a:r>
+              <a:rPr lang="zh-TW" altLang="en-US" smtClean="0"/>
+              <a:t>按一下以編輯母片文字樣式</a:t>
+            </a:r>
+          </a:p>
+          <a:p>
+            <a:pPr lvl="1"/>
+            <a:r>
+              <a:rPr lang="zh-TW" altLang="en-US" smtClean="0"/>
+              <a:t>第二層</a:t>
+            </a:r>
+          </a:p>
+          <a:p>
+            <a:pPr lvl="2"/>
+            <a:r>
+              <a:rPr lang="zh-TW" altLang="en-US" smtClean="0"/>
+              <a:t>第三層</a:t>
+            </a:r>
+          </a:p>
+          <a:p>
+            <a:pPr lvl="3"/>
+            <a:r>
+              <a:rPr lang="zh-TW" altLang="en-US" smtClean="0"/>
+              <a:t>第四層</a:t>
+            </a:r>
+          </a:p>
+          <a:p>
+            <a:pPr lvl="4"/>
+            <a:r>
+              <a:rPr lang="zh-TW" altLang="en-US" smtClean="0"/>
+              <a:t>第五層</a:t>
+            </a:r>
+            <a:endParaRPr lang="zh-TW" altLang="en-US"/>
+          </a:p>
+        </p:txBody>
+      </p:sp>
+      <p:sp>
+        <p:nvSpPr>
+          <p:cNvPr id="4" name="內容版面配置區 3"/>
+          <p:cNvSpPr>
+            <a:spLocks noGrp="1"/>
+          </p:cNvSpPr>
+          <p:nvPr>
+            <p:ph sz="half" idx="2"/>
           </p:nvPr>
         </p:nvSpPr>
         <p:spPr>
           <a:xfrm>
-            <a:off x="839788" y="1681163"/>
-            <a:ext cx="5157787" cy="823912"/>
+            <a:off x="6197600" y="1600201"/>
+            <a:ext cx="5384800" cy="4525963"/>
           </a:xfrm>
         </p:spPr>
         <p:txBody>
-          <a:bodyPr anchor="b"/>
+          <a:bodyPr/>
           <a:lstStyle>
-            <a:lvl1pPr marL="0" indent="0">
-              <a:buNone/>
-              <a:defRPr sz="2400" b="1"/>
+            <a:lvl1pPr>
+              <a:defRPr sz="2800"/>
             </a:lvl1pPr>
-            <a:lvl2pPr marL="457200" indent="0">
-              <a:buNone/>
-              <a:defRPr sz="2000" b="1"/>
+            <a:lvl2pPr>
+              <a:defRPr sz="2400"/>
             </a:lvl2pPr>
-            <a:lvl3pPr marL="914400" indent="0">
-              <a:buNone/>
-              <a:defRPr sz="1800" b="1"/>
+            <a:lvl3pPr>
+              <a:defRPr sz="2000"/>
             </a:lvl3pPr>
-            <a:lvl4pPr marL="1371600" indent="0">
-              <a:buNone/>
-              <a:defRPr sz="1600" b="1"/>
+            <a:lvl4pPr>
+              <a:defRPr sz="1800"/>
             </a:lvl4pPr>
-            <a:lvl5pPr marL="1828800" indent="0">
-              <a:buNone/>
-              <a:defRPr sz="1600" b="1"/>
+            <a:lvl5pPr>
+              <a:defRPr sz="1800"/>
             </a:lvl5pPr>
-            <a:lvl6pPr marL="2286000" indent="0">
-              <a:buNone/>
-              <a:defRPr sz="1600" b="1"/>
+            <a:lvl6pPr>
+              <a:defRPr sz="1800"/>
             </a:lvl6pPr>
-            <a:lvl7pPr marL="2743200" indent="0">
-              <a:buNone/>
-              <a:defRPr sz="1600" b="1"/>
+            <a:lvl7pPr>
+              <a:defRPr sz="1800"/>
             </a:lvl7pPr>
-            <a:lvl8pPr marL="3200400" indent="0">
-              <a:buNone/>
-              <a:defRPr sz="1600" b="1"/>
+            <a:lvl8pPr>
+              <a:defRPr sz="1800"/>
             </a:lvl8pPr>
-            <a:lvl9pPr marL="3657600" indent="0">
-              <a:buNone/>
-              <a:defRPr sz="1600" b="1"/>
+            <a:lvl9pPr>
+              <a:defRPr sz="1800"/>
             </a:lvl9pPr>
           </a:lstStyle>
           <a:p>
             <a:pPr lvl="0"/>
             <a:r>
-              <a:rPr lang="en-US" smtClean="0"/>
-              <a:t>Edit Master text styles</a:t>
-            </a:r>
-          </a:p>
-        </p:txBody>
-      </p:sp>
-      <p:sp>
-        <p:nvSpPr>
-          <p:cNvPr id="4" name="Content Placeholder 3"/>
-          <p:cNvSpPr>
-            <a:spLocks noGrp="1"/>
-          </p:cNvSpPr>
-          <p:nvPr>
-            <p:ph sz="half" idx="2"/>
-          </p:nvPr>
-        </p:nvSpPr>
-        <p:spPr>
-          <a:xfrm>
-            <a:off x="839788" y="2505075"/>
-            <a:ext cx="5157787" cy="3684588"/>
-          </a:xfrm>
-        </p:spPr>
-        <p:txBody>
-          <a:bodyPr/>
-          <a:lstStyle/>
-          <a:p>
-            <a:pPr lvl="0"/>
-            <a:r>
-              <a:rPr lang="en-US" smtClean="0"/>
-              <a:t>Edit Master text styles</a:t>
+              <a:rPr lang="zh-TW" altLang="en-US" smtClean="0"/>
+              <a:t>按一下以編輯母片文字樣式</a:t>
             </a:r>
           </a:p>
           <a:p>
             <a:pPr lvl="1"/>
             <a:r>
-              <a:rPr lang="en-US" smtClean="0"/>
-              <a:t>Second level</a:t>
+              <a:rPr lang="zh-TW" altLang="en-US" smtClean="0"/>
+              <a:t>第二層</a:t>
             </a:r>
           </a:p>
           <a:p>
             <a:pPr lvl="2"/>
             <a:r>
-              <a:rPr lang="en-US" smtClean="0"/>
-              <a:t>Third level</a:t>
+              <a:rPr lang="zh-TW" altLang="en-US" smtClean="0"/>
+              <a:t>第三層</a:t>
             </a:r>
           </a:p>
           <a:p>
             <a:pPr lvl="3"/>
             <a:r>
-              <a:rPr lang="en-US" smtClean="0"/>
-              <a:t>Fourth level</a:t>
+              <a:rPr lang="zh-TW" altLang="en-US" smtClean="0"/>
+              <a:t>第四層</a:t>
             </a:r>
           </a:p>
           <a:p>
             <a:pPr lvl="4"/>
             <a:r>
-              <a:rPr lang="en-US" smtClean="0"/>
-              <a:t>Fifth level</a:t>
-            </a:r>
-            <a:endParaRPr lang="vi-VN"/>
-          </a:p>
-        </p:txBody>
-      </p:sp>
-      <p:sp>
-        <p:nvSpPr>
-          <p:cNvPr id="5" name="Text Placeholder 4"/>
-          <p:cNvSpPr>
-            <a:spLocks noGrp="1"/>
-          </p:cNvSpPr>
-          <p:nvPr>
-            <p:ph type="body" sz="quarter" idx="3"/>
-          </p:nvPr>
-        </p:nvSpPr>
-        <p:spPr>
-          <a:xfrm>
-            <a:off x="6172200" y="1681163"/>
-            <a:ext cx="5183188" cy="823912"/>
-          </a:xfrm>
-        </p:spPr>
-        <p:txBody>
-          <a:bodyPr anchor="b"/>
-          <a:lstStyle>
-            <a:lvl1pPr marL="0" indent="0">
-              <a:buNone/>
-              <a:defRPr sz="2400" b="1"/>
-            </a:lvl1pPr>
-            <a:lvl2pPr marL="457200" indent="0">
-              <a:buNone/>
-              <a:defRPr sz="2000" b="1"/>
-            </a:lvl2pPr>
-            <a:lvl3pPr marL="914400" indent="0">
-              <a:buNone/>
-              <a:defRPr sz="1800" b="1"/>
-            </a:lvl3pPr>
-            <a:lvl4pPr marL="1371600" indent="0">
-              <a:buNone/>
-              <a:defRPr sz="1600" b="1"/>
-            </a:lvl4pPr>
-            <a:lvl5pPr marL="1828800" indent="0">
-              <a:buNone/>
-              <a:defRPr sz="1600" b="1"/>
-            </a:lvl5pPr>
-            <a:lvl6pPr marL="2286000" indent="0">
-              <a:buNone/>
-              <a:defRPr sz="1600" b="1"/>
-            </a:lvl6pPr>
-            <a:lvl7pPr marL="2743200" indent="0">
-              <a:buNone/>
-              <a:defRPr sz="1600" b="1"/>
-            </a:lvl7pPr>
-            <a:lvl8pPr marL="3200400" indent="0">
-              <a:buNone/>
-              <a:defRPr sz="1600" b="1"/>
-            </a:lvl8pPr>
-            <a:lvl9pPr marL="3657600" indent="0">
-              <a:buNone/>
-              <a:defRPr sz="1600" b="1"/>
-            </a:lvl9pPr>
-          </a:lstStyle>
-          <a:p>
-            <a:pPr lvl="0"/>
-            <a:r>
-              <a:rPr lang="en-US" smtClean="0"/>
-              <a:t>Edit Master text styles</a:t>
-            </a:r>
-          </a:p>
-        </p:txBody>
-      </p:sp>
-      <p:sp>
-        <p:nvSpPr>
-          <p:cNvPr id="6" name="Content Placeholder 5"/>
-          <p:cNvSpPr>
-            <a:spLocks noGrp="1"/>
-          </p:cNvSpPr>
-          <p:nvPr>
-            <p:ph sz="quarter" idx="4"/>
-          </p:nvPr>
-        </p:nvSpPr>
-        <p:spPr>
-          <a:xfrm>
-            <a:off x="6172200" y="2505075"/>
-            <a:ext cx="5183188" cy="3684588"/>
-          </a:xfrm>
-        </p:spPr>
-        <p:txBody>
-          <a:bodyPr/>
-          <a:lstStyle/>
-          <a:p>
-            <a:pPr lvl="0"/>
-            <a:r>
-              <a:rPr lang="en-US" smtClean="0"/>
-              <a:t>Edit Master text styles</a:t>
-            </a:r>
-          </a:p>
-          <a:p>
-            <a:pPr lvl="1"/>
-            <a:r>
-              <a:rPr lang="en-US" smtClean="0"/>
-              <a:t>Second level</a:t>
-            </a:r>
-          </a:p>
-          <a:p>
-            <a:pPr lvl="2"/>
-            <a:r>
-              <a:rPr lang="en-US" smtClean="0"/>
-              <a:t>Third level</a:t>
-            </a:r>
-          </a:p>
-          <a:p>
-            <a:pPr lvl="3"/>
-            <a:r>
-              <a:rPr lang="en-US" smtClean="0"/>
-              <a:t>Fourth level</a:t>
-            </a:r>
-          </a:p>
-          <a:p>
-            <a:pPr lvl="4"/>
-            <a:r>
-              <a:rPr lang="en-US" smtClean="0"/>
-              <a:t>Fifth level</a:t>
-            </a:r>
-            <a:endParaRPr lang="vi-VN"/>
-          </a:p>
-        </p:txBody>
-      </p:sp>
-      <p:sp>
-        <p:nvSpPr>
-          <p:cNvPr id="7" name="Date Placeholder 6"/>
+              <a:rPr lang="zh-TW" altLang="en-US" smtClean="0"/>
+              <a:t>第五層</a:t>
+            </a:r>
+            <a:endParaRPr lang="zh-TW" altLang="en-US"/>
+          </a:p>
+        </p:txBody>
+      </p:sp>
+      <p:sp>
+        <p:nvSpPr>
+          <p:cNvPr id="5" name="日期版面配置區 4"/>
           <p:cNvSpPr>
             <a:spLocks noGrp="1"/>
           </p:cNvSpPr>
@@ -1610,7 +1544,8 @@
           <a:p>
             <a:fld id="{A602E18F-600C-499B-80FE-D6CBF6AADD53}" type="datetimeFigureOut">
               <a:rPr lang="vi-VN" smtClean="0"/>
-              <a:t>05/07/2020</a:t>
+              <a:pPr/>
+              <a:t>19/07/2020</a:t>
             </a:fld>
             <a:endParaRPr lang="vi-VN"/>
           </a:p>
@@ -1618,7 +1553,7 @@
       </p:sp>
       <p:sp>
         <p:nvSpPr>
-          <p:cNvPr id="8" name="Footer Placeholder 7"/>
+          <p:cNvPr id="6" name="頁尾版面配置區 5"/>
           <p:cNvSpPr>
             <a:spLocks noGrp="1"/>
           </p:cNvSpPr>
@@ -1637,7 +1572,7 @@
       </p:sp>
       <p:sp>
         <p:nvSpPr>
-          <p:cNvPr id="9" name="Slide Number Placeholder 8"/>
+          <p:cNvPr id="7" name="投影片編號版面配置區 6"/>
           <p:cNvSpPr>
             <a:spLocks noGrp="1"/>
           </p:cNvSpPr>
@@ -1652,6 +1587,7 @@
           <a:p>
             <a:fld id="{939575B4-0998-448A-B51C-92C366CCCD37}" type="slidenum">
               <a:rPr lang="vi-VN" smtClean="0"/>
+              <a:pPr/>
               <a:t>‹#›</a:t>
             </a:fld>
             <a:endParaRPr lang="vi-VN"/>
@@ -1659,11 +1595,6 @@
         </p:txBody>
       </p:sp>
     </p:spTree>
-    <p:extLst>
-      <p:ext uri="{BB962C8B-B14F-4D97-AF65-F5344CB8AC3E}">
-        <p14:creationId xmlns:p14="http://schemas.microsoft.com/office/powerpoint/2010/main" val="3609817088"/>
-      </p:ext>
-    </p:extLst>
   </p:cSld>
   <p:clrMapOvr>
     <a:masterClrMapping/>
@@ -1671,9 +1602,9 @@
 </p:sldLayout>
 </file>
 
-<file path=ppt/slideLayouts/slideLayout6.xml><?xml version="1.0" encoding="utf-8"?>
-<p:sldLayout xmlns:a="http://schemas.openxmlformats.org/drawingml/2006/main" xmlns:r="http://schemas.openxmlformats.org/officeDocument/2006/relationships" xmlns:p="http://schemas.openxmlformats.org/presentationml/2006/main" type="titleOnly" preserve="1">
-  <p:cSld name="Title Only">
+<file path=ppt/slideLayouts/slideLayout16.xml><?xml version="1.0" encoding="utf-8"?>
+<p:sldLayout xmlns:a="http://schemas.openxmlformats.org/drawingml/2006/main" xmlns:r="http://schemas.openxmlformats.org/officeDocument/2006/relationships" xmlns:p="http://schemas.openxmlformats.org/presentationml/2006/main" type="twoTxTwoObj" preserve="1">
+  <p:cSld name="比對">
     <p:spTree>
       <p:nvGrpSpPr>
         <p:cNvPr id="1" name=""/>
@@ -1690,7 +1621,7 @@
       </p:grpSpPr>
       <p:sp>
         <p:nvSpPr>
-          <p:cNvPr id="2" name="Title 1"/>
+          <p:cNvPr id="2" name="標題 1"/>
           <p:cNvSpPr>
             <a:spLocks noGrp="1"/>
           </p:cNvSpPr>
@@ -1701,19 +1632,323 @@
         <p:spPr/>
         <p:txBody>
           <a:bodyPr/>
-          <a:lstStyle/>
-          <a:p>
-            <a:r>
-              <a:rPr lang="en-US" smtClean="0"/>
-              <a:t>Click to edit Master title style</a:t>
-            </a:r>
-            <a:endParaRPr lang="vi-VN"/>
-          </a:p>
-        </p:txBody>
-      </p:sp>
-      <p:sp>
-        <p:nvSpPr>
-          <p:cNvPr id="3" name="Date Placeholder 2"/>
+          <a:lstStyle>
+            <a:lvl1pPr>
+              <a:defRPr/>
+            </a:lvl1pPr>
+          </a:lstStyle>
+          <a:p>
+            <a:r>
+              <a:rPr lang="zh-TW" altLang="en-US" smtClean="0"/>
+              <a:t>按一下以編輯母片標題樣式</a:t>
+            </a:r>
+            <a:endParaRPr lang="zh-TW" altLang="en-US"/>
+          </a:p>
+        </p:txBody>
+      </p:sp>
+      <p:sp>
+        <p:nvSpPr>
+          <p:cNvPr id="3" name="文字版面配置區 2"/>
+          <p:cNvSpPr>
+            <a:spLocks noGrp="1"/>
+          </p:cNvSpPr>
+          <p:nvPr>
+            <p:ph type="body" idx="1"/>
+          </p:nvPr>
+        </p:nvSpPr>
+        <p:spPr>
+          <a:xfrm>
+            <a:off x="609600" y="1535113"/>
+            <a:ext cx="5386917" cy="639762"/>
+          </a:xfrm>
+        </p:spPr>
+        <p:txBody>
+          <a:bodyPr anchor="b"/>
+          <a:lstStyle>
+            <a:lvl1pPr marL="0" indent="0">
+              <a:buNone/>
+              <a:defRPr sz="2400" b="1"/>
+            </a:lvl1pPr>
+            <a:lvl2pPr marL="457200" indent="0">
+              <a:buNone/>
+              <a:defRPr sz="2000" b="1"/>
+            </a:lvl2pPr>
+            <a:lvl3pPr marL="914400" indent="0">
+              <a:buNone/>
+              <a:defRPr sz="1800" b="1"/>
+            </a:lvl3pPr>
+            <a:lvl4pPr marL="1371600" indent="0">
+              <a:buNone/>
+              <a:defRPr sz="1600" b="1"/>
+            </a:lvl4pPr>
+            <a:lvl5pPr marL="1828800" indent="0">
+              <a:buNone/>
+              <a:defRPr sz="1600" b="1"/>
+            </a:lvl5pPr>
+            <a:lvl6pPr marL="2286000" indent="0">
+              <a:buNone/>
+              <a:defRPr sz="1600" b="1"/>
+            </a:lvl6pPr>
+            <a:lvl7pPr marL="2743200" indent="0">
+              <a:buNone/>
+              <a:defRPr sz="1600" b="1"/>
+            </a:lvl7pPr>
+            <a:lvl8pPr marL="3200400" indent="0">
+              <a:buNone/>
+              <a:defRPr sz="1600" b="1"/>
+            </a:lvl8pPr>
+            <a:lvl9pPr marL="3657600" indent="0">
+              <a:buNone/>
+              <a:defRPr sz="1600" b="1"/>
+            </a:lvl9pPr>
+          </a:lstStyle>
+          <a:p>
+            <a:pPr lvl="0"/>
+            <a:r>
+              <a:rPr lang="zh-TW" altLang="en-US" smtClean="0"/>
+              <a:t>按一下以編輯母片文字樣式</a:t>
+            </a:r>
+          </a:p>
+        </p:txBody>
+      </p:sp>
+      <p:sp>
+        <p:nvSpPr>
+          <p:cNvPr id="4" name="內容版面配置區 3"/>
+          <p:cNvSpPr>
+            <a:spLocks noGrp="1"/>
+          </p:cNvSpPr>
+          <p:nvPr>
+            <p:ph sz="half" idx="2"/>
+          </p:nvPr>
+        </p:nvSpPr>
+        <p:spPr>
+          <a:xfrm>
+            <a:off x="609600" y="2174875"/>
+            <a:ext cx="5386917" cy="3951288"/>
+          </a:xfrm>
+        </p:spPr>
+        <p:txBody>
+          <a:bodyPr/>
+          <a:lstStyle>
+            <a:lvl1pPr>
+              <a:defRPr sz="2400"/>
+            </a:lvl1pPr>
+            <a:lvl2pPr>
+              <a:defRPr sz="2000"/>
+            </a:lvl2pPr>
+            <a:lvl3pPr>
+              <a:defRPr sz="1800"/>
+            </a:lvl3pPr>
+            <a:lvl4pPr>
+              <a:defRPr sz="1600"/>
+            </a:lvl4pPr>
+            <a:lvl5pPr>
+              <a:defRPr sz="1600"/>
+            </a:lvl5pPr>
+            <a:lvl6pPr>
+              <a:defRPr sz="1600"/>
+            </a:lvl6pPr>
+            <a:lvl7pPr>
+              <a:defRPr sz="1600"/>
+            </a:lvl7pPr>
+            <a:lvl8pPr>
+              <a:defRPr sz="1600"/>
+            </a:lvl8pPr>
+            <a:lvl9pPr>
+              <a:defRPr sz="1600"/>
+            </a:lvl9pPr>
+          </a:lstStyle>
+          <a:p>
+            <a:pPr lvl="0"/>
+            <a:r>
+              <a:rPr lang="zh-TW" altLang="en-US" smtClean="0"/>
+              <a:t>按一下以編輯母片文字樣式</a:t>
+            </a:r>
+          </a:p>
+          <a:p>
+            <a:pPr lvl="1"/>
+            <a:r>
+              <a:rPr lang="zh-TW" altLang="en-US" smtClean="0"/>
+              <a:t>第二層</a:t>
+            </a:r>
+          </a:p>
+          <a:p>
+            <a:pPr lvl="2"/>
+            <a:r>
+              <a:rPr lang="zh-TW" altLang="en-US" smtClean="0"/>
+              <a:t>第三層</a:t>
+            </a:r>
+          </a:p>
+          <a:p>
+            <a:pPr lvl="3"/>
+            <a:r>
+              <a:rPr lang="zh-TW" altLang="en-US" smtClean="0"/>
+              <a:t>第四層</a:t>
+            </a:r>
+          </a:p>
+          <a:p>
+            <a:pPr lvl="4"/>
+            <a:r>
+              <a:rPr lang="zh-TW" altLang="en-US" smtClean="0"/>
+              <a:t>第五層</a:t>
+            </a:r>
+            <a:endParaRPr lang="zh-TW" altLang="en-US"/>
+          </a:p>
+        </p:txBody>
+      </p:sp>
+      <p:sp>
+        <p:nvSpPr>
+          <p:cNvPr id="5" name="文字版面配置區 4"/>
+          <p:cNvSpPr>
+            <a:spLocks noGrp="1"/>
+          </p:cNvSpPr>
+          <p:nvPr>
+            <p:ph type="body" sz="quarter" idx="3"/>
+          </p:nvPr>
+        </p:nvSpPr>
+        <p:spPr>
+          <a:xfrm>
+            <a:off x="6193368" y="1535113"/>
+            <a:ext cx="5389033" cy="639762"/>
+          </a:xfrm>
+        </p:spPr>
+        <p:txBody>
+          <a:bodyPr anchor="b"/>
+          <a:lstStyle>
+            <a:lvl1pPr marL="0" indent="0">
+              <a:buNone/>
+              <a:defRPr sz="2400" b="1"/>
+            </a:lvl1pPr>
+            <a:lvl2pPr marL="457200" indent="0">
+              <a:buNone/>
+              <a:defRPr sz="2000" b="1"/>
+            </a:lvl2pPr>
+            <a:lvl3pPr marL="914400" indent="0">
+              <a:buNone/>
+              <a:defRPr sz="1800" b="1"/>
+            </a:lvl3pPr>
+            <a:lvl4pPr marL="1371600" indent="0">
+              <a:buNone/>
+              <a:defRPr sz="1600" b="1"/>
+            </a:lvl4pPr>
+            <a:lvl5pPr marL="1828800" indent="0">
+              <a:buNone/>
+              <a:defRPr sz="1600" b="1"/>
+            </a:lvl5pPr>
+            <a:lvl6pPr marL="2286000" indent="0">
+              <a:buNone/>
+              <a:defRPr sz="1600" b="1"/>
+            </a:lvl6pPr>
+            <a:lvl7pPr marL="2743200" indent="0">
+              <a:buNone/>
+              <a:defRPr sz="1600" b="1"/>
+            </a:lvl7pPr>
+            <a:lvl8pPr marL="3200400" indent="0">
+              <a:buNone/>
+              <a:defRPr sz="1600" b="1"/>
+            </a:lvl8pPr>
+            <a:lvl9pPr marL="3657600" indent="0">
+              <a:buNone/>
+              <a:defRPr sz="1600" b="1"/>
+            </a:lvl9pPr>
+          </a:lstStyle>
+          <a:p>
+            <a:pPr lvl="0"/>
+            <a:r>
+              <a:rPr lang="zh-TW" altLang="en-US" smtClean="0"/>
+              <a:t>按一下以編輯母片文字樣式</a:t>
+            </a:r>
+          </a:p>
+        </p:txBody>
+      </p:sp>
+      <p:sp>
+        <p:nvSpPr>
+          <p:cNvPr id="6" name="內容版面配置區 5"/>
+          <p:cNvSpPr>
+            <a:spLocks noGrp="1"/>
+          </p:cNvSpPr>
+          <p:nvPr>
+            <p:ph sz="quarter" idx="4"/>
+          </p:nvPr>
+        </p:nvSpPr>
+        <p:spPr>
+          <a:xfrm>
+            <a:off x="6193368" y="2174875"/>
+            <a:ext cx="5389033" cy="3951288"/>
+          </a:xfrm>
+        </p:spPr>
+        <p:txBody>
+          <a:bodyPr/>
+          <a:lstStyle>
+            <a:lvl1pPr>
+              <a:defRPr sz="2400"/>
+            </a:lvl1pPr>
+            <a:lvl2pPr>
+              <a:defRPr sz="2000"/>
+            </a:lvl2pPr>
+            <a:lvl3pPr>
+              <a:defRPr sz="1800"/>
+            </a:lvl3pPr>
+            <a:lvl4pPr>
+              <a:defRPr sz="1600"/>
+            </a:lvl4pPr>
+            <a:lvl5pPr>
+              <a:defRPr sz="1600"/>
+            </a:lvl5pPr>
+            <a:lvl6pPr>
+              <a:defRPr sz="1600"/>
+            </a:lvl6pPr>
+            <a:lvl7pPr>
+              <a:defRPr sz="1600"/>
+            </a:lvl7pPr>
+            <a:lvl8pPr>
+              <a:defRPr sz="1600"/>
+            </a:lvl8pPr>
+            <a:lvl9pPr>
+              <a:defRPr sz="1600"/>
+            </a:lvl9pPr>
+          </a:lstStyle>
+          <a:p>
+            <a:pPr lvl="0"/>
+            <a:r>
+              <a:rPr lang="zh-TW" altLang="en-US" smtClean="0"/>
+              <a:t>按一下以編輯母片文字樣式</a:t>
+            </a:r>
+          </a:p>
+          <a:p>
+            <a:pPr lvl="1"/>
+            <a:r>
+              <a:rPr lang="zh-TW" altLang="en-US" smtClean="0"/>
+              <a:t>第二層</a:t>
+            </a:r>
+          </a:p>
+          <a:p>
+            <a:pPr lvl="2"/>
+            <a:r>
+              <a:rPr lang="zh-TW" altLang="en-US" smtClean="0"/>
+              <a:t>第三層</a:t>
+            </a:r>
+          </a:p>
+          <a:p>
+            <a:pPr lvl="3"/>
+            <a:r>
+              <a:rPr lang="zh-TW" altLang="en-US" smtClean="0"/>
+              <a:t>第四層</a:t>
+            </a:r>
+          </a:p>
+          <a:p>
+            <a:pPr lvl="4"/>
+            <a:r>
+              <a:rPr lang="zh-TW" altLang="en-US" smtClean="0"/>
+              <a:t>第五層</a:t>
+            </a:r>
+            <a:endParaRPr lang="zh-TW" altLang="en-US"/>
+          </a:p>
+        </p:txBody>
+      </p:sp>
+      <p:sp>
+        <p:nvSpPr>
+          <p:cNvPr id="7" name="日期版面配置區 6"/>
           <p:cNvSpPr>
             <a:spLocks noGrp="1"/>
           </p:cNvSpPr>
@@ -1728,7 +1963,8 @@
           <a:p>
             <a:fld id="{A602E18F-600C-499B-80FE-D6CBF6AADD53}" type="datetimeFigureOut">
               <a:rPr lang="vi-VN" smtClean="0"/>
-              <a:t>05/07/2020</a:t>
+              <a:pPr/>
+              <a:t>19/07/2020</a:t>
             </a:fld>
             <a:endParaRPr lang="vi-VN"/>
           </a:p>
@@ -1736,7 +1972,7 @@
       </p:sp>
       <p:sp>
         <p:nvSpPr>
-          <p:cNvPr id="4" name="Footer Placeholder 3"/>
+          <p:cNvPr id="8" name="頁尾版面配置區 7"/>
           <p:cNvSpPr>
             <a:spLocks noGrp="1"/>
           </p:cNvSpPr>
@@ -1755,7 +1991,7 @@
       </p:sp>
       <p:sp>
         <p:nvSpPr>
-          <p:cNvPr id="5" name="Slide Number Placeholder 4"/>
+          <p:cNvPr id="9" name="投影片編號版面配置區 8"/>
           <p:cNvSpPr>
             <a:spLocks noGrp="1"/>
           </p:cNvSpPr>
@@ -1770,6 +2006,7 @@
           <a:p>
             <a:fld id="{939575B4-0998-448A-B51C-92C366CCCD37}" type="slidenum">
               <a:rPr lang="vi-VN" smtClean="0"/>
+              <a:pPr/>
               <a:t>‹#›</a:t>
             </a:fld>
             <a:endParaRPr lang="vi-VN"/>
@@ -1777,11 +2014,6 @@
         </p:txBody>
       </p:sp>
     </p:spTree>
-    <p:extLst>
-      <p:ext uri="{BB962C8B-B14F-4D97-AF65-F5344CB8AC3E}">
-        <p14:creationId xmlns:p14="http://schemas.microsoft.com/office/powerpoint/2010/main" val="929128220"/>
-      </p:ext>
-    </p:extLst>
   </p:cSld>
   <p:clrMapOvr>
     <a:masterClrMapping/>
@@ -1789,9 +2021,9 @@
 </p:sldLayout>
 </file>
 
-<file path=ppt/slideLayouts/slideLayout7.xml><?xml version="1.0" encoding="utf-8"?>
-<p:sldLayout xmlns:a="http://schemas.openxmlformats.org/drawingml/2006/main" xmlns:r="http://schemas.openxmlformats.org/officeDocument/2006/relationships" xmlns:p="http://schemas.openxmlformats.org/presentationml/2006/main" type="blank" preserve="1">
-  <p:cSld name="Blank">
+<file path=ppt/slideLayouts/slideLayout17.xml><?xml version="1.0" encoding="utf-8"?>
+<p:sldLayout xmlns:a="http://schemas.openxmlformats.org/drawingml/2006/main" xmlns:r="http://schemas.openxmlformats.org/officeDocument/2006/relationships" xmlns:p="http://schemas.openxmlformats.org/presentationml/2006/main" type="titleOnly" preserve="1">
+  <p:cSld name="只有標題">
     <p:spTree>
       <p:nvGrpSpPr>
         <p:cNvPr id="1" name=""/>
@@ -1808,7 +2040,30 @@
       </p:grpSpPr>
       <p:sp>
         <p:nvSpPr>
-          <p:cNvPr id="2" name="Date Placeholder 1"/>
+          <p:cNvPr id="2" name="標題 1"/>
+          <p:cNvSpPr>
+            <a:spLocks noGrp="1"/>
+          </p:cNvSpPr>
+          <p:nvPr>
+            <p:ph type="title"/>
+          </p:nvPr>
+        </p:nvSpPr>
+        <p:spPr/>
+        <p:txBody>
+          <a:bodyPr/>
+          <a:lstStyle/>
+          <a:p>
+            <a:r>
+              <a:rPr lang="zh-TW" altLang="en-US" smtClean="0"/>
+              <a:t>按一下以編輯母片標題樣式</a:t>
+            </a:r>
+            <a:endParaRPr lang="zh-TW" altLang="en-US"/>
+          </a:p>
+        </p:txBody>
+      </p:sp>
+      <p:sp>
+        <p:nvSpPr>
+          <p:cNvPr id="3" name="日期版面配置區 2"/>
           <p:cNvSpPr>
             <a:spLocks noGrp="1"/>
           </p:cNvSpPr>
@@ -1823,7 +2078,8 @@
           <a:p>
             <a:fld id="{A602E18F-600C-499B-80FE-D6CBF6AADD53}" type="datetimeFigureOut">
               <a:rPr lang="vi-VN" smtClean="0"/>
-              <a:t>05/07/2020</a:t>
+              <a:pPr/>
+              <a:t>19/07/2020</a:t>
             </a:fld>
             <a:endParaRPr lang="vi-VN"/>
           </a:p>
@@ -1831,7 +2087,7 @@
       </p:sp>
       <p:sp>
         <p:nvSpPr>
-          <p:cNvPr id="3" name="Footer Placeholder 2"/>
+          <p:cNvPr id="4" name="頁尾版面配置區 3"/>
           <p:cNvSpPr>
             <a:spLocks noGrp="1"/>
           </p:cNvSpPr>
@@ -1850,7 +2106,7 @@
       </p:sp>
       <p:sp>
         <p:nvSpPr>
-          <p:cNvPr id="4" name="Slide Number Placeholder 3"/>
+          <p:cNvPr id="5" name="投影片編號版面配置區 4"/>
           <p:cNvSpPr>
             <a:spLocks noGrp="1"/>
           </p:cNvSpPr>
@@ -1865,6 +2121,7 @@
           <a:p>
             <a:fld id="{939575B4-0998-448A-B51C-92C366CCCD37}" type="slidenum">
               <a:rPr lang="vi-VN" smtClean="0"/>
+              <a:pPr/>
               <a:t>‹#›</a:t>
             </a:fld>
             <a:endParaRPr lang="vi-VN"/>
@@ -1872,11 +2129,6 @@
         </p:txBody>
       </p:sp>
     </p:spTree>
-    <p:extLst>
-      <p:ext uri="{BB962C8B-B14F-4D97-AF65-F5344CB8AC3E}">
-        <p14:creationId xmlns:p14="http://schemas.microsoft.com/office/powerpoint/2010/main" val="1795223997"/>
-      </p:ext>
-    </p:extLst>
   </p:cSld>
   <p:clrMapOvr>
     <a:masterClrMapping/>
@@ -1884,9 +2136,9 @@
 </p:sldLayout>
 </file>
 
-<file path=ppt/slideLayouts/slideLayout8.xml><?xml version="1.0" encoding="utf-8"?>
-<p:sldLayout xmlns:a="http://schemas.openxmlformats.org/drawingml/2006/main" xmlns:r="http://schemas.openxmlformats.org/officeDocument/2006/relationships" xmlns:p="http://schemas.openxmlformats.org/presentationml/2006/main" type="objTx" preserve="1">
-  <p:cSld name="Content with Caption">
+<file path=ppt/slideLayouts/slideLayout18.xml><?xml version="1.0" encoding="utf-8"?>
+<p:sldLayout xmlns:a="http://schemas.openxmlformats.org/drawingml/2006/main" xmlns:r="http://schemas.openxmlformats.org/officeDocument/2006/relationships" xmlns:p="http://schemas.openxmlformats.org/presentationml/2006/main" type="blank" preserve="1">
+  <p:cSld name="空白">
     <p:spTree>
       <p:nvGrpSpPr>
         <p:cNvPr id="1" name=""/>
@@ -1903,7 +2155,99 @@
       </p:grpSpPr>
       <p:sp>
         <p:nvSpPr>
-          <p:cNvPr id="2" name="Title 1"/>
+          <p:cNvPr id="2" name="日期版面配置區 1"/>
+          <p:cNvSpPr>
+            <a:spLocks noGrp="1"/>
+          </p:cNvSpPr>
+          <p:nvPr>
+            <p:ph type="dt" sz="half" idx="10"/>
+          </p:nvPr>
+        </p:nvSpPr>
+        <p:spPr/>
+        <p:txBody>
+          <a:bodyPr/>
+          <a:lstStyle/>
+          <a:p>
+            <a:fld id="{A602E18F-600C-499B-80FE-D6CBF6AADD53}" type="datetimeFigureOut">
+              <a:rPr lang="vi-VN" smtClean="0"/>
+              <a:pPr/>
+              <a:t>19/07/2020</a:t>
+            </a:fld>
+            <a:endParaRPr lang="vi-VN"/>
+          </a:p>
+        </p:txBody>
+      </p:sp>
+      <p:sp>
+        <p:nvSpPr>
+          <p:cNvPr id="3" name="頁尾版面配置區 2"/>
+          <p:cNvSpPr>
+            <a:spLocks noGrp="1"/>
+          </p:cNvSpPr>
+          <p:nvPr>
+            <p:ph type="ftr" sz="quarter" idx="11"/>
+          </p:nvPr>
+        </p:nvSpPr>
+        <p:spPr/>
+        <p:txBody>
+          <a:bodyPr/>
+          <a:lstStyle/>
+          <a:p>
+            <a:endParaRPr lang="vi-VN"/>
+          </a:p>
+        </p:txBody>
+      </p:sp>
+      <p:sp>
+        <p:nvSpPr>
+          <p:cNvPr id="4" name="投影片編號版面配置區 3"/>
+          <p:cNvSpPr>
+            <a:spLocks noGrp="1"/>
+          </p:cNvSpPr>
+          <p:nvPr>
+            <p:ph type="sldNum" sz="quarter" idx="12"/>
+          </p:nvPr>
+        </p:nvSpPr>
+        <p:spPr/>
+        <p:txBody>
+          <a:bodyPr/>
+          <a:lstStyle/>
+          <a:p>
+            <a:fld id="{939575B4-0998-448A-B51C-92C366CCCD37}" type="slidenum">
+              <a:rPr lang="vi-VN" smtClean="0"/>
+              <a:pPr/>
+              <a:t>‹#›</a:t>
+            </a:fld>
+            <a:endParaRPr lang="vi-VN"/>
+          </a:p>
+        </p:txBody>
+      </p:sp>
+    </p:spTree>
+  </p:cSld>
+  <p:clrMapOvr>
+    <a:masterClrMapping/>
+  </p:clrMapOvr>
+</p:sldLayout>
+</file>
+
+<file path=ppt/slideLayouts/slideLayout19.xml><?xml version="1.0" encoding="utf-8"?>
+<p:sldLayout xmlns:a="http://schemas.openxmlformats.org/drawingml/2006/main" xmlns:r="http://schemas.openxmlformats.org/officeDocument/2006/relationships" xmlns:p="http://schemas.openxmlformats.org/presentationml/2006/main" type="objTx" preserve="1">
+  <p:cSld name="含標題的內容">
+    <p:spTree>
+      <p:nvGrpSpPr>
+        <p:cNvPr id="1" name=""/>
+        <p:cNvGrpSpPr/>
+        <p:nvPr/>
+      </p:nvGrpSpPr>
+      <p:grpSpPr>
+        <a:xfrm>
+          <a:off x="0" y="0"/>
+          <a:ext cx="0" cy="0"/>
+          <a:chOff x="0" y="0"/>
+          <a:chExt cx="0" cy="0"/>
+        </a:xfrm>
+      </p:grpSpPr>
+      <p:sp>
+        <p:nvSpPr>
+          <p:cNvPr id="2" name="標題 1"/>
           <p:cNvSpPr>
             <a:spLocks noGrp="1"/>
           </p:cNvSpPr>
@@ -1913,29 +2257,29 @@
         </p:nvSpPr>
         <p:spPr>
           <a:xfrm>
-            <a:off x="839788" y="457200"/>
-            <a:ext cx="3932237" cy="1600200"/>
+            <a:off x="609601" y="273050"/>
+            <a:ext cx="4011084" cy="1162050"/>
           </a:xfrm>
         </p:spPr>
         <p:txBody>
           <a:bodyPr anchor="b"/>
           <a:lstStyle>
-            <a:lvl1pPr>
-              <a:defRPr sz="3200"/>
+            <a:lvl1pPr algn="l">
+              <a:defRPr sz="2000" b="1"/>
             </a:lvl1pPr>
           </a:lstStyle>
           <a:p>
             <a:r>
-              <a:rPr lang="en-US" smtClean="0"/>
-              <a:t>Click to edit Master title style</a:t>
-            </a:r>
-            <a:endParaRPr lang="vi-VN"/>
-          </a:p>
-        </p:txBody>
-      </p:sp>
-      <p:sp>
-        <p:nvSpPr>
-          <p:cNvPr id="3" name="Content Placeholder 2"/>
+              <a:rPr lang="zh-TW" altLang="en-US" smtClean="0"/>
+              <a:t>按一下以編輯母片標題樣式</a:t>
+            </a:r>
+            <a:endParaRPr lang="zh-TW" altLang="en-US"/>
+          </a:p>
+        </p:txBody>
+      </p:sp>
+      <p:sp>
+        <p:nvSpPr>
+          <p:cNvPr id="3" name="內容版面配置區 2"/>
           <p:cNvSpPr>
             <a:spLocks noGrp="1"/>
           </p:cNvSpPr>
@@ -1945,8 +2289,8 @@
         </p:nvSpPr>
         <p:spPr>
           <a:xfrm>
-            <a:off x="5183188" y="987425"/>
-            <a:ext cx="6172200" cy="4873625"/>
+            <a:off x="4766733" y="273051"/>
+            <a:ext cx="6815667" cy="5853113"/>
           </a:xfrm>
         </p:spPr>
         <p:txBody>
@@ -1983,6 +2327,2118 @@
           <a:p>
             <a:pPr lvl="0"/>
             <a:r>
+              <a:rPr lang="zh-TW" altLang="en-US" smtClean="0"/>
+              <a:t>按一下以編輯母片文字樣式</a:t>
+            </a:r>
+          </a:p>
+          <a:p>
+            <a:pPr lvl="1"/>
+            <a:r>
+              <a:rPr lang="zh-TW" altLang="en-US" smtClean="0"/>
+              <a:t>第二層</a:t>
+            </a:r>
+          </a:p>
+          <a:p>
+            <a:pPr lvl="2"/>
+            <a:r>
+              <a:rPr lang="zh-TW" altLang="en-US" smtClean="0"/>
+              <a:t>第三層</a:t>
+            </a:r>
+          </a:p>
+          <a:p>
+            <a:pPr lvl="3"/>
+            <a:r>
+              <a:rPr lang="zh-TW" altLang="en-US" smtClean="0"/>
+              <a:t>第四層</a:t>
+            </a:r>
+          </a:p>
+          <a:p>
+            <a:pPr lvl="4"/>
+            <a:r>
+              <a:rPr lang="zh-TW" altLang="en-US" smtClean="0"/>
+              <a:t>第五層</a:t>
+            </a:r>
+            <a:endParaRPr lang="zh-TW" altLang="en-US"/>
+          </a:p>
+        </p:txBody>
+      </p:sp>
+      <p:sp>
+        <p:nvSpPr>
+          <p:cNvPr id="4" name="文字版面配置區 3"/>
+          <p:cNvSpPr>
+            <a:spLocks noGrp="1"/>
+          </p:cNvSpPr>
+          <p:nvPr>
+            <p:ph type="body" sz="half" idx="2"/>
+          </p:nvPr>
+        </p:nvSpPr>
+        <p:spPr>
+          <a:xfrm>
+            <a:off x="609601" y="1435101"/>
+            <a:ext cx="4011084" cy="4691063"/>
+          </a:xfrm>
+        </p:spPr>
+        <p:txBody>
+          <a:bodyPr/>
+          <a:lstStyle>
+            <a:lvl1pPr marL="0" indent="0">
+              <a:buNone/>
+              <a:defRPr sz="1400"/>
+            </a:lvl1pPr>
+            <a:lvl2pPr marL="457200" indent="0">
+              <a:buNone/>
+              <a:defRPr sz="1200"/>
+            </a:lvl2pPr>
+            <a:lvl3pPr marL="914400" indent="0">
+              <a:buNone/>
+              <a:defRPr sz="1000"/>
+            </a:lvl3pPr>
+            <a:lvl4pPr marL="1371600" indent="0">
+              <a:buNone/>
+              <a:defRPr sz="900"/>
+            </a:lvl4pPr>
+            <a:lvl5pPr marL="1828800" indent="0">
+              <a:buNone/>
+              <a:defRPr sz="900"/>
+            </a:lvl5pPr>
+            <a:lvl6pPr marL="2286000" indent="0">
+              <a:buNone/>
+              <a:defRPr sz="900"/>
+            </a:lvl6pPr>
+            <a:lvl7pPr marL="2743200" indent="0">
+              <a:buNone/>
+              <a:defRPr sz="900"/>
+            </a:lvl7pPr>
+            <a:lvl8pPr marL="3200400" indent="0">
+              <a:buNone/>
+              <a:defRPr sz="900"/>
+            </a:lvl8pPr>
+            <a:lvl9pPr marL="3657600" indent="0">
+              <a:buNone/>
+              <a:defRPr sz="900"/>
+            </a:lvl9pPr>
+          </a:lstStyle>
+          <a:p>
+            <a:pPr lvl="0"/>
+            <a:r>
+              <a:rPr lang="zh-TW" altLang="en-US" smtClean="0"/>
+              <a:t>按一下以編輯母片文字樣式</a:t>
+            </a:r>
+          </a:p>
+        </p:txBody>
+      </p:sp>
+      <p:sp>
+        <p:nvSpPr>
+          <p:cNvPr id="5" name="日期版面配置區 4"/>
+          <p:cNvSpPr>
+            <a:spLocks noGrp="1"/>
+          </p:cNvSpPr>
+          <p:nvPr>
+            <p:ph type="dt" sz="half" idx="10"/>
+          </p:nvPr>
+        </p:nvSpPr>
+        <p:spPr/>
+        <p:txBody>
+          <a:bodyPr/>
+          <a:lstStyle/>
+          <a:p>
+            <a:fld id="{A602E18F-600C-499B-80FE-D6CBF6AADD53}" type="datetimeFigureOut">
+              <a:rPr lang="vi-VN" smtClean="0"/>
+              <a:pPr/>
+              <a:t>19/07/2020</a:t>
+            </a:fld>
+            <a:endParaRPr lang="vi-VN"/>
+          </a:p>
+        </p:txBody>
+      </p:sp>
+      <p:sp>
+        <p:nvSpPr>
+          <p:cNvPr id="6" name="頁尾版面配置區 5"/>
+          <p:cNvSpPr>
+            <a:spLocks noGrp="1"/>
+          </p:cNvSpPr>
+          <p:nvPr>
+            <p:ph type="ftr" sz="quarter" idx="11"/>
+          </p:nvPr>
+        </p:nvSpPr>
+        <p:spPr/>
+        <p:txBody>
+          <a:bodyPr/>
+          <a:lstStyle/>
+          <a:p>
+            <a:endParaRPr lang="vi-VN"/>
+          </a:p>
+        </p:txBody>
+      </p:sp>
+      <p:sp>
+        <p:nvSpPr>
+          <p:cNvPr id="7" name="投影片編號版面配置區 6"/>
+          <p:cNvSpPr>
+            <a:spLocks noGrp="1"/>
+          </p:cNvSpPr>
+          <p:nvPr>
+            <p:ph type="sldNum" sz="quarter" idx="12"/>
+          </p:nvPr>
+        </p:nvSpPr>
+        <p:spPr/>
+        <p:txBody>
+          <a:bodyPr/>
+          <a:lstStyle/>
+          <a:p>
+            <a:fld id="{939575B4-0998-448A-B51C-92C366CCCD37}" type="slidenum">
+              <a:rPr lang="vi-VN" smtClean="0"/>
+              <a:pPr/>
+              <a:t>‹#›</a:t>
+            </a:fld>
+            <a:endParaRPr lang="vi-VN"/>
+          </a:p>
+        </p:txBody>
+      </p:sp>
+    </p:spTree>
+  </p:cSld>
+  <p:clrMapOvr>
+    <a:masterClrMapping/>
+  </p:clrMapOvr>
+</p:sldLayout>
+</file>
+
+<file path=ppt/slideLayouts/slideLayout2.xml><?xml version="1.0" encoding="utf-8"?>
+<p:sldLayout xmlns:a="http://schemas.openxmlformats.org/drawingml/2006/main" xmlns:r="http://schemas.openxmlformats.org/officeDocument/2006/relationships" xmlns:p="http://schemas.openxmlformats.org/presentationml/2006/main" type="obj" preserve="1">
+  <p:cSld name="Title and Content">
+    <p:spTree>
+      <p:nvGrpSpPr>
+        <p:cNvPr id="1" name=""/>
+        <p:cNvGrpSpPr/>
+        <p:nvPr/>
+      </p:nvGrpSpPr>
+      <p:grpSpPr>
+        <a:xfrm>
+          <a:off x="0" y="0"/>
+          <a:ext cx="0" cy="0"/>
+          <a:chOff x="0" y="0"/>
+          <a:chExt cx="0" cy="0"/>
+        </a:xfrm>
+      </p:grpSpPr>
+      <p:sp>
+        <p:nvSpPr>
+          <p:cNvPr id="2" name="Title 1"/>
+          <p:cNvSpPr>
+            <a:spLocks noGrp="1"/>
+          </p:cNvSpPr>
+          <p:nvPr>
+            <p:ph type="title"/>
+          </p:nvPr>
+        </p:nvSpPr>
+        <p:spPr/>
+        <p:txBody>
+          <a:bodyPr/>
+          <a:lstStyle/>
+          <a:p>
+            <a:r>
+              <a:rPr lang="en-US" smtClean="0"/>
+              <a:t>Click to edit Master title style</a:t>
+            </a:r>
+            <a:endParaRPr lang="vi-VN"/>
+          </a:p>
+        </p:txBody>
+      </p:sp>
+      <p:sp>
+        <p:nvSpPr>
+          <p:cNvPr id="3" name="Content Placeholder 2"/>
+          <p:cNvSpPr>
+            <a:spLocks noGrp="1"/>
+          </p:cNvSpPr>
+          <p:nvPr>
+            <p:ph idx="1"/>
+          </p:nvPr>
+        </p:nvSpPr>
+        <p:spPr/>
+        <p:txBody>
+          <a:bodyPr/>
+          <a:lstStyle/>
+          <a:p>
+            <a:pPr lvl="0"/>
+            <a:r>
+              <a:rPr lang="en-US" smtClean="0"/>
+              <a:t>Edit Master text styles</a:t>
+            </a:r>
+          </a:p>
+          <a:p>
+            <a:pPr lvl="1"/>
+            <a:r>
+              <a:rPr lang="en-US" smtClean="0"/>
+              <a:t>Second level</a:t>
+            </a:r>
+          </a:p>
+          <a:p>
+            <a:pPr lvl="2"/>
+            <a:r>
+              <a:rPr lang="en-US" smtClean="0"/>
+              <a:t>Third level</a:t>
+            </a:r>
+          </a:p>
+          <a:p>
+            <a:pPr lvl="3"/>
+            <a:r>
+              <a:rPr lang="en-US" smtClean="0"/>
+              <a:t>Fourth level</a:t>
+            </a:r>
+          </a:p>
+          <a:p>
+            <a:pPr lvl="4"/>
+            <a:r>
+              <a:rPr lang="en-US" smtClean="0"/>
+              <a:t>Fifth level</a:t>
+            </a:r>
+            <a:endParaRPr lang="vi-VN"/>
+          </a:p>
+        </p:txBody>
+      </p:sp>
+      <p:sp>
+        <p:nvSpPr>
+          <p:cNvPr id="4" name="Date Placeholder 3"/>
+          <p:cNvSpPr>
+            <a:spLocks noGrp="1"/>
+          </p:cNvSpPr>
+          <p:nvPr>
+            <p:ph type="dt" sz="half" idx="10"/>
+          </p:nvPr>
+        </p:nvSpPr>
+        <p:spPr/>
+        <p:txBody>
+          <a:bodyPr/>
+          <a:lstStyle/>
+          <a:p>
+            <a:fld id="{A602E18F-600C-499B-80FE-D6CBF6AADD53}" type="datetimeFigureOut">
+              <a:rPr lang="vi-VN" smtClean="0"/>
+              <a:pPr/>
+              <a:t>19/07/2020</a:t>
+            </a:fld>
+            <a:endParaRPr lang="vi-VN"/>
+          </a:p>
+        </p:txBody>
+      </p:sp>
+      <p:sp>
+        <p:nvSpPr>
+          <p:cNvPr id="5" name="Footer Placeholder 4"/>
+          <p:cNvSpPr>
+            <a:spLocks noGrp="1"/>
+          </p:cNvSpPr>
+          <p:nvPr>
+            <p:ph type="ftr" sz="quarter" idx="11"/>
+          </p:nvPr>
+        </p:nvSpPr>
+        <p:spPr/>
+        <p:txBody>
+          <a:bodyPr/>
+          <a:lstStyle/>
+          <a:p>
+            <a:endParaRPr lang="vi-VN"/>
+          </a:p>
+        </p:txBody>
+      </p:sp>
+      <p:sp>
+        <p:nvSpPr>
+          <p:cNvPr id="6" name="Slide Number Placeholder 5"/>
+          <p:cNvSpPr>
+            <a:spLocks noGrp="1"/>
+          </p:cNvSpPr>
+          <p:nvPr>
+            <p:ph type="sldNum" sz="quarter" idx="12"/>
+          </p:nvPr>
+        </p:nvSpPr>
+        <p:spPr/>
+        <p:txBody>
+          <a:bodyPr/>
+          <a:lstStyle/>
+          <a:p>
+            <a:fld id="{939575B4-0998-448A-B51C-92C366CCCD37}" type="slidenum">
+              <a:rPr lang="vi-VN" smtClean="0"/>
+              <a:pPr/>
+              <a:t>‹#›</a:t>
+            </a:fld>
+            <a:endParaRPr lang="vi-VN"/>
+          </a:p>
+        </p:txBody>
+      </p:sp>
+    </p:spTree>
+    <p:extLst>
+      <p:ext uri="{BB962C8B-B14F-4D97-AF65-F5344CB8AC3E}">
+        <p14:creationId xmlns:p14="http://schemas.microsoft.com/office/powerpoint/2010/main" xmlns="" val="812118582"/>
+      </p:ext>
+    </p:extLst>
+  </p:cSld>
+  <p:clrMapOvr>
+    <a:masterClrMapping/>
+  </p:clrMapOvr>
+</p:sldLayout>
+</file>
+
+<file path=ppt/slideLayouts/slideLayout20.xml><?xml version="1.0" encoding="utf-8"?>
+<p:sldLayout xmlns:a="http://schemas.openxmlformats.org/drawingml/2006/main" xmlns:r="http://schemas.openxmlformats.org/officeDocument/2006/relationships" xmlns:p="http://schemas.openxmlformats.org/presentationml/2006/main" type="picTx" preserve="1">
+  <p:cSld name="含標題的圖片">
+    <p:spTree>
+      <p:nvGrpSpPr>
+        <p:cNvPr id="1" name=""/>
+        <p:cNvGrpSpPr/>
+        <p:nvPr/>
+      </p:nvGrpSpPr>
+      <p:grpSpPr>
+        <a:xfrm>
+          <a:off x="0" y="0"/>
+          <a:ext cx="0" cy="0"/>
+          <a:chOff x="0" y="0"/>
+          <a:chExt cx="0" cy="0"/>
+        </a:xfrm>
+      </p:grpSpPr>
+      <p:sp>
+        <p:nvSpPr>
+          <p:cNvPr id="2" name="標題 1"/>
+          <p:cNvSpPr>
+            <a:spLocks noGrp="1"/>
+          </p:cNvSpPr>
+          <p:nvPr>
+            <p:ph type="title"/>
+          </p:nvPr>
+        </p:nvSpPr>
+        <p:spPr>
+          <a:xfrm>
+            <a:off x="2389717" y="4800600"/>
+            <a:ext cx="7315200" cy="566738"/>
+          </a:xfrm>
+        </p:spPr>
+        <p:txBody>
+          <a:bodyPr anchor="b"/>
+          <a:lstStyle>
+            <a:lvl1pPr algn="l">
+              <a:defRPr sz="2000" b="1"/>
+            </a:lvl1pPr>
+          </a:lstStyle>
+          <a:p>
+            <a:r>
+              <a:rPr lang="zh-TW" altLang="en-US" smtClean="0"/>
+              <a:t>按一下以編輯母片標題樣式</a:t>
+            </a:r>
+            <a:endParaRPr lang="zh-TW" altLang="en-US"/>
+          </a:p>
+        </p:txBody>
+      </p:sp>
+      <p:sp>
+        <p:nvSpPr>
+          <p:cNvPr id="3" name="圖片版面配置區 2"/>
+          <p:cNvSpPr>
+            <a:spLocks noGrp="1"/>
+          </p:cNvSpPr>
+          <p:nvPr>
+            <p:ph type="pic" idx="1"/>
+          </p:nvPr>
+        </p:nvSpPr>
+        <p:spPr>
+          <a:xfrm>
+            <a:off x="2389717" y="612775"/>
+            <a:ext cx="7315200" cy="4114800"/>
+          </a:xfrm>
+        </p:spPr>
+        <p:txBody>
+          <a:bodyPr/>
+          <a:lstStyle>
+            <a:lvl1pPr marL="0" indent="0">
+              <a:buNone/>
+              <a:defRPr sz="3200"/>
+            </a:lvl1pPr>
+            <a:lvl2pPr marL="457200" indent="0">
+              <a:buNone/>
+              <a:defRPr sz="2800"/>
+            </a:lvl2pPr>
+            <a:lvl3pPr marL="914400" indent="0">
+              <a:buNone/>
+              <a:defRPr sz="2400"/>
+            </a:lvl3pPr>
+            <a:lvl4pPr marL="1371600" indent="0">
+              <a:buNone/>
+              <a:defRPr sz="2000"/>
+            </a:lvl4pPr>
+            <a:lvl5pPr marL="1828800" indent="0">
+              <a:buNone/>
+              <a:defRPr sz="2000"/>
+            </a:lvl5pPr>
+            <a:lvl6pPr marL="2286000" indent="0">
+              <a:buNone/>
+              <a:defRPr sz="2000"/>
+            </a:lvl6pPr>
+            <a:lvl7pPr marL="2743200" indent="0">
+              <a:buNone/>
+              <a:defRPr sz="2000"/>
+            </a:lvl7pPr>
+            <a:lvl8pPr marL="3200400" indent="0">
+              <a:buNone/>
+              <a:defRPr sz="2000"/>
+            </a:lvl8pPr>
+            <a:lvl9pPr marL="3657600" indent="0">
+              <a:buNone/>
+              <a:defRPr sz="2000"/>
+            </a:lvl9pPr>
+          </a:lstStyle>
+          <a:p>
+            <a:r>
+              <a:rPr lang="zh-TW" altLang="en-US" smtClean="0"/>
+              <a:t>按一下圖示以新增圖片</a:t>
+            </a:r>
+            <a:endParaRPr lang="zh-TW" altLang="en-US"/>
+          </a:p>
+        </p:txBody>
+      </p:sp>
+      <p:sp>
+        <p:nvSpPr>
+          <p:cNvPr id="4" name="文字版面配置區 3"/>
+          <p:cNvSpPr>
+            <a:spLocks noGrp="1"/>
+          </p:cNvSpPr>
+          <p:nvPr>
+            <p:ph type="body" sz="half" idx="2"/>
+          </p:nvPr>
+        </p:nvSpPr>
+        <p:spPr>
+          <a:xfrm>
+            <a:off x="2389717" y="5367338"/>
+            <a:ext cx="7315200" cy="804862"/>
+          </a:xfrm>
+        </p:spPr>
+        <p:txBody>
+          <a:bodyPr/>
+          <a:lstStyle>
+            <a:lvl1pPr marL="0" indent="0">
+              <a:buNone/>
+              <a:defRPr sz="1400"/>
+            </a:lvl1pPr>
+            <a:lvl2pPr marL="457200" indent="0">
+              <a:buNone/>
+              <a:defRPr sz="1200"/>
+            </a:lvl2pPr>
+            <a:lvl3pPr marL="914400" indent="0">
+              <a:buNone/>
+              <a:defRPr sz="1000"/>
+            </a:lvl3pPr>
+            <a:lvl4pPr marL="1371600" indent="0">
+              <a:buNone/>
+              <a:defRPr sz="900"/>
+            </a:lvl4pPr>
+            <a:lvl5pPr marL="1828800" indent="0">
+              <a:buNone/>
+              <a:defRPr sz="900"/>
+            </a:lvl5pPr>
+            <a:lvl6pPr marL="2286000" indent="0">
+              <a:buNone/>
+              <a:defRPr sz="900"/>
+            </a:lvl6pPr>
+            <a:lvl7pPr marL="2743200" indent="0">
+              <a:buNone/>
+              <a:defRPr sz="900"/>
+            </a:lvl7pPr>
+            <a:lvl8pPr marL="3200400" indent="0">
+              <a:buNone/>
+              <a:defRPr sz="900"/>
+            </a:lvl8pPr>
+            <a:lvl9pPr marL="3657600" indent="0">
+              <a:buNone/>
+              <a:defRPr sz="900"/>
+            </a:lvl9pPr>
+          </a:lstStyle>
+          <a:p>
+            <a:pPr lvl="0"/>
+            <a:r>
+              <a:rPr lang="zh-TW" altLang="en-US" smtClean="0"/>
+              <a:t>按一下以編輯母片文字樣式</a:t>
+            </a:r>
+          </a:p>
+        </p:txBody>
+      </p:sp>
+      <p:sp>
+        <p:nvSpPr>
+          <p:cNvPr id="5" name="日期版面配置區 4"/>
+          <p:cNvSpPr>
+            <a:spLocks noGrp="1"/>
+          </p:cNvSpPr>
+          <p:nvPr>
+            <p:ph type="dt" sz="half" idx="10"/>
+          </p:nvPr>
+        </p:nvSpPr>
+        <p:spPr/>
+        <p:txBody>
+          <a:bodyPr/>
+          <a:lstStyle/>
+          <a:p>
+            <a:fld id="{A602E18F-600C-499B-80FE-D6CBF6AADD53}" type="datetimeFigureOut">
+              <a:rPr lang="vi-VN" smtClean="0"/>
+              <a:pPr/>
+              <a:t>19/07/2020</a:t>
+            </a:fld>
+            <a:endParaRPr lang="vi-VN"/>
+          </a:p>
+        </p:txBody>
+      </p:sp>
+      <p:sp>
+        <p:nvSpPr>
+          <p:cNvPr id="6" name="頁尾版面配置區 5"/>
+          <p:cNvSpPr>
+            <a:spLocks noGrp="1"/>
+          </p:cNvSpPr>
+          <p:nvPr>
+            <p:ph type="ftr" sz="quarter" idx="11"/>
+          </p:nvPr>
+        </p:nvSpPr>
+        <p:spPr/>
+        <p:txBody>
+          <a:bodyPr/>
+          <a:lstStyle/>
+          <a:p>
+            <a:endParaRPr lang="vi-VN"/>
+          </a:p>
+        </p:txBody>
+      </p:sp>
+      <p:sp>
+        <p:nvSpPr>
+          <p:cNvPr id="7" name="投影片編號版面配置區 6"/>
+          <p:cNvSpPr>
+            <a:spLocks noGrp="1"/>
+          </p:cNvSpPr>
+          <p:nvPr>
+            <p:ph type="sldNum" sz="quarter" idx="12"/>
+          </p:nvPr>
+        </p:nvSpPr>
+        <p:spPr/>
+        <p:txBody>
+          <a:bodyPr/>
+          <a:lstStyle/>
+          <a:p>
+            <a:fld id="{939575B4-0998-448A-B51C-92C366CCCD37}" type="slidenum">
+              <a:rPr lang="vi-VN" smtClean="0"/>
+              <a:pPr/>
+              <a:t>‹#›</a:t>
+            </a:fld>
+            <a:endParaRPr lang="vi-VN"/>
+          </a:p>
+        </p:txBody>
+      </p:sp>
+    </p:spTree>
+  </p:cSld>
+  <p:clrMapOvr>
+    <a:masterClrMapping/>
+  </p:clrMapOvr>
+</p:sldLayout>
+</file>
+
+<file path=ppt/slideLayouts/slideLayout21.xml><?xml version="1.0" encoding="utf-8"?>
+<p:sldLayout xmlns:a="http://schemas.openxmlformats.org/drawingml/2006/main" xmlns:r="http://schemas.openxmlformats.org/officeDocument/2006/relationships" xmlns:p="http://schemas.openxmlformats.org/presentationml/2006/main" type="vertTx" preserve="1">
+  <p:cSld name="標題及直排文字">
+    <p:spTree>
+      <p:nvGrpSpPr>
+        <p:cNvPr id="1" name=""/>
+        <p:cNvGrpSpPr/>
+        <p:nvPr/>
+      </p:nvGrpSpPr>
+      <p:grpSpPr>
+        <a:xfrm>
+          <a:off x="0" y="0"/>
+          <a:ext cx="0" cy="0"/>
+          <a:chOff x="0" y="0"/>
+          <a:chExt cx="0" cy="0"/>
+        </a:xfrm>
+      </p:grpSpPr>
+      <p:sp>
+        <p:nvSpPr>
+          <p:cNvPr id="2" name="標題 1"/>
+          <p:cNvSpPr>
+            <a:spLocks noGrp="1"/>
+          </p:cNvSpPr>
+          <p:nvPr>
+            <p:ph type="title"/>
+          </p:nvPr>
+        </p:nvSpPr>
+        <p:spPr/>
+        <p:txBody>
+          <a:bodyPr/>
+          <a:lstStyle/>
+          <a:p>
+            <a:r>
+              <a:rPr lang="zh-TW" altLang="en-US" smtClean="0"/>
+              <a:t>按一下以編輯母片標題樣式</a:t>
+            </a:r>
+            <a:endParaRPr lang="zh-TW" altLang="en-US"/>
+          </a:p>
+        </p:txBody>
+      </p:sp>
+      <p:sp>
+        <p:nvSpPr>
+          <p:cNvPr id="3" name="直排文字版面配置區 2"/>
+          <p:cNvSpPr>
+            <a:spLocks noGrp="1"/>
+          </p:cNvSpPr>
+          <p:nvPr>
+            <p:ph type="body" orient="vert" idx="1"/>
+          </p:nvPr>
+        </p:nvSpPr>
+        <p:spPr/>
+        <p:txBody>
+          <a:bodyPr vert="eaVert"/>
+          <a:lstStyle/>
+          <a:p>
+            <a:pPr lvl="0"/>
+            <a:r>
+              <a:rPr lang="zh-TW" altLang="en-US" smtClean="0"/>
+              <a:t>按一下以編輯母片文字樣式</a:t>
+            </a:r>
+          </a:p>
+          <a:p>
+            <a:pPr lvl="1"/>
+            <a:r>
+              <a:rPr lang="zh-TW" altLang="en-US" smtClean="0"/>
+              <a:t>第二層</a:t>
+            </a:r>
+          </a:p>
+          <a:p>
+            <a:pPr lvl="2"/>
+            <a:r>
+              <a:rPr lang="zh-TW" altLang="en-US" smtClean="0"/>
+              <a:t>第三層</a:t>
+            </a:r>
+          </a:p>
+          <a:p>
+            <a:pPr lvl="3"/>
+            <a:r>
+              <a:rPr lang="zh-TW" altLang="en-US" smtClean="0"/>
+              <a:t>第四層</a:t>
+            </a:r>
+          </a:p>
+          <a:p>
+            <a:pPr lvl="4"/>
+            <a:r>
+              <a:rPr lang="zh-TW" altLang="en-US" smtClean="0"/>
+              <a:t>第五層</a:t>
+            </a:r>
+            <a:endParaRPr lang="zh-TW" altLang="en-US"/>
+          </a:p>
+        </p:txBody>
+      </p:sp>
+      <p:sp>
+        <p:nvSpPr>
+          <p:cNvPr id="4" name="日期版面配置區 3"/>
+          <p:cNvSpPr>
+            <a:spLocks noGrp="1"/>
+          </p:cNvSpPr>
+          <p:nvPr>
+            <p:ph type="dt" sz="half" idx="10"/>
+          </p:nvPr>
+        </p:nvSpPr>
+        <p:spPr/>
+        <p:txBody>
+          <a:bodyPr/>
+          <a:lstStyle/>
+          <a:p>
+            <a:fld id="{A602E18F-600C-499B-80FE-D6CBF6AADD53}" type="datetimeFigureOut">
+              <a:rPr lang="vi-VN" smtClean="0"/>
+              <a:pPr/>
+              <a:t>19/07/2020</a:t>
+            </a:fld>
+            <a:endParaRPr lang="vi-VN"/>
+          </a:p>
+        </p:txBody>
+      </p:sp>
+      <p:sp>
+        <p:nvSpPr>
+          <p:cNvPr id="5" name="頁尾版面配置區 4"/>
+          <p:cNvSpPr>
+            <a:spLocks noGrp="1"/>
+          </p:cNvSpPr>
+          <p:nvPr>
+            <p:ph type="ftr" sz="quarter" idx="11"/>
+          </p:nvPr>
+        </p:nvSpPr>
+        <p:spPr/>
+        <p:txBody>
+          <a:bodyPr/>
+          <a:lstStyle/>
+          <a:p>
+            <a:endParaRPr lang="vi-VN"/>
+          </a:p>
+        </p:txBody>
+      </p:sp>
+      <p:sp>
+        <p:nvSpPr>
+          <p:cNvPr id="6" name="投影片編號版面配置區 5"/>
+          <p:cNvSpPr>
+            <a:spLocks noGrp="1"/>
+          </p:cNvSpPr>
+          <p:nvPr>
+            <p:ph type="sldNum" sz="quarter" idx="12"/>
+          </p:nvPr>
+        </p:nvSpPr>
+        <p:spPr/>
+        <p:txBody>
+          <a:bodyPr/>
+          <a:lstStyle/>
+          <a:p>
+            <a:fld id="{939575B4-0998-448A-B51C-92C366CCCD37}" type="slidenum">
+              <a:rPr lang="vi-VN" smtClean="0"/>
+              <a:pPr/>
+              <a:t>‹#›</a:t>
+            </a:fld>
+            <a:endParaRPr lang="vi-VN"/>
+          </a:p>
+        </p:txBody>
+      </p:sp>
+    </p:spTree>
+  </p:cSld>
+  <p:clrMapOvr>
+    <a:masterClrMapping/>
+  </p:clrMapOvr>
+</p:sldLayout>
+</file>
+
+<file path=ppt/slideLayouts/slideLayout22.xml><?xml version="1.0" encoding="utf-8"?>
+<p:sldLayout xmlns:a="http://schemas.openxmlformats.org/drawingml/2006/main" xmlns:r="http://schemas.openxmlformats.org/officeDocument/2006/relationships" xmlns:p="http://schemas.openxmlformats.org/presentationml/2006/main" type="vertTitleAndTx" preserve="1">
+  <p:cSld name="直排標題及文字">
+    <p:spTree>
+      <p:nvGrpSpPr>
+        <p:cNvPr id="1" name=""/>
+        <p:cNvGrpSpPr/>
+        <p:nvPr/>
+      </p:nvGrpSpPr>
+      <p:grpSpPr>
+        <a:xfrm>
+          <a:off x="0" y="0"/>
+          <a:ext cx="0" cy="0"/>
+          <a:chOff x="0" y="0"/>
+          <a:chExt cx="0" cy="0"/>
+        </a:xfrm>
+      </p:grpSpPr>
+      <p:sp>
+        <p:nvSpPr>
+          <p:cNvPr id="2" name="直排標題 1"/>
+          <p:cNvSpPr>
+            <a:spLocks noGrp="1"/>
+          </p:cNvSpPr>
+          <p:nvPr>
+            <p:ph type="title" orient="vert"/>
+          </p:nvPr>
+        </p:nvSpPr>
+        <p:spPr>
+          <a:xfrm>
+            <a:off x="8839200" y="274639"/>
+            <a:ext cx="2743200" cy="5851525"/>
+          </a:xfrm>
+        </p:spPr>
+        <p:txBody>
+          <a:bodyPr vert="eaVert"/>
+          <a:lstStyle/>
+          <a:p>
+            <a:r>
+              <a:rPr lang="zh-TW" altLang="en-US" smtClean="0"/>
+              <a:t>按一下以編輯母片標題樣式</a:t>
+            </a:r>
+            <a:endParaRPr lang="zh-TW" altLang="en-US"/>
+          </a:p>
+        </p:txBody>
+      </p:sp>
+      <p:sp>
+        <p:nvSpPr>
+          <p:cNvPr id="3" name="直排文字版面配置區 2"/>
+          <p:cNvSpPr>
+            <a:spLocks noGrp="1"/>
+          </p:cNvSpPr>
+          <p:nvPr>
+            <p:ph type="body" orient="vert" idx="1"/>
+          </p:nvPr>
+        </p:nvSpPr>
+        <p:spPr>
+          <a:xfrm>
+            <a:off x="609600" y="274639"/>
+            <a:ext cx="8026400" cy="5851525"/>
+          </a:xfrm>
+        </p:spPr>
+        <p:txBody>
+          <a:bodyPr vert="eaVert"/>
+          <a:lstStyle/>
+          <a:p>
+            <a:pPr lvl="0"/>
+            <a:r>
+              <a:rPr lang="zh-TW" altLang="en-US" smtClean="0"/>
+              <a:t>按一下以編輯母片文字樣式</a:t>
+            </a:r>
+          </a:p>
+          <a:p>
+            <a:pPr lvl="1"/>
+            <a:r>
+              <a:rPr lang="zh-TW" altLang="en-US" smtClean="0"/>
+              <a:t>第二層</a:t>
+            </a:r>
+          </a:p>
+          <a:p>
+            <a:pPr lvl="2"/>
+            <a:r>
+              <a:rPr lang="zh-TW" altLang="en-US" smtClean="0"/>
+              <a:t>第三層</a:t>
+            </a:r>
+          </a:p>
+          <a:p>
+            <a:pPr lvl="3"/>
+            <a:r>
+              <a:rPr lang="zh-TW" altLang="en-US" smtClean="0"/>
+              <a:t>第四層</a:t>
+            </a:r>
+          </a:p>
+          <a:p>
+            <a:pPr lvl="4"/>
+            <a:r>
+              <a:rPr lang="zh-TW" altLang="en-US" smtClean="0"/>
+              <a:t>第五層</a:t>
+            </a:r>
+            <a:endParaRPr lang="zh-TW" altLang="en-US"/>
+          </a:p>
+        </p:txBody>
+      </p:sp>
+      <p:sp>
+        <p:nvSpPr>
+          <p:cNvPr id="4" name="日期版面配置區 3"/>
+          <p:cNvSpPr>
+            <a:spLocks noGrp="1"/>
+          </p:cNvSpPr>
+          <p:nvPr>
+            <p:ph type="dt" sz="half" idx="10"/>
+          </p:nvPr>
+        </p:nvSpPr>
+        <p:spPr/>
+        <p:txBody>
+          <a:bodyPr/>
+          <a:lstStyle/>
+          <a:p>
+            <a:fld id="{A602E18F-600C-499B-80FE-D6CBF6AADD53}" type="datetimeFigureOut">
+              <a:rPr lang="vi-VN" smtClean="0"/>
+              <a:pPr/>
+              <a:t>19/07/2020</a:t>
+            </a:fld>
+            <a:endParaRPr lang="vi-VN"/>
+          </a:p>
+        </p:txBody>
+      </p:sp>
+      <p:sp>
+        <p:nvSpPr>
+          <p:cNvPr id="5" name="頁尾版面配置區 4"/>
+          <p:cNvSpPr>
+            <a:spLocks noGrp="1"/>
+          </p:cNvSpPr>
+          <p:nvPr>
+            <p:ph type="ftr" sz="quarter" idx="11"/>
+          </p:nvPr>
+        </p:nvSpPr>
+        <p:spPr/>
+        <p:txBody>
+          <a:bodyPr/>
+          <a:lstStyle/>
+          <a:p>
+            <a:endParaRPr lang="vi-VN"/>
+          </a:p>
+        </p:txBody>
+      </p:sp>
+      <p:sp>
+        <p:nvSpPr>
+          <p:cNvPr id="6" name="投影片編號版面配置區 5"/>
+          <p:cNvSpPr>
+            <a:spLocks noGrp="1"/>
+          </p:cNvSpPr>
+          <p:nvPr>
+            <p:ph type="sldNum" sz="quarter" idx="12"/>
+          </p:nvPr>
+        </p:nvSpPr>
+        <p:spPr/>
+        <p:txBody>
+          <a:bodyPr/>
+          <a:lstStyle/>
+          <a:p>
+            <a:fld id="{939575B4-0998-448A-B51C-92C366CCCD37}" type="slidenum">
+              <a:rPr lang="vi-VN" smtClean="0"/>
+              <a:pPr/>
+              <a:t>‹#›</a:t>
+            </a:fld>
+            <a:endParaRPr lang="vi-VN"/>
+          </a:p>
+        </p:txBody>
+      </p:sp>
+    </p:spTree>
+  </p:cSld>
+  <p:clrMapOvr>
+    <a:masterClrMapping/>
+  </p:clrMapOvr>
+</p:sldLayout>
+</file>
+
+<file path=ppt/slideLayouts/slideLayout3.xml><?xml version="1.0" encoding="utf-8"?>
+<p:sldLayout xmlns:a="http://schemas.openxmlformats.org/drawingml/2006/main" xmlns:r="http://schemas.openxmlformats.org/officeDocument/2006/relationships" xmlns:p="http://schemas.openxmlformats.org/presentationml/2006/main" type="secHead" preserve="1">
+  <p:cSld name="Section Header">
+    <p:spTree>
+      <p:nvGrpSpPr>
+        <p:cNvPr id="1" name=""/>
+        <p:cNvGrpSpPr/>
+        <p:nvPr/>
+      </p:nvGrpSpPr>
+      <p:grpSpPr>
+        <a:xfrm>
+          <a:off x="0" y="0"/>
+          <a:ext cx="0" cy="0"/>
+          <a:chOff x="0" y="0"/>
+          <a:chExt cx="0" cy="0"/>
+        </a:xfrm>
+      </p:grpSpPr>
+      <p:sp>
+        <p:nvSpPr>
+          <p:cNvPr id="2" name="Title 1"/>
+          <p:cNvSpPr>
+            <a:spLocks noGrp="1"/>
+          </p:cNvSpPr>
+          <p:nvPr>
+            <p:ph type="title"/>
+          </p:nvPr>
+        </p:nvSpPr>
+        <p:spPr>
+          <a:xfrm>
+            <a:off x="831850" y="1709738"/>
+            <a:ext cx="10515600" cy="2852737"/>
+          </a:xfrm>
+        </p:spPr>
+        <p:txBody>
+          <a:bodyPr anchor="b"/>
+          <a:lstStyle>
+            <a:lvl1pPr>
+              <a:defRPr sz="6000"/>
+            </a:lvl1pPr>
+          </a:lstStyle>
+          <a:p>
+            <a:r>
+              <a:rPr lang="en-US" smtClean="0"/>
+              <a:t>Click to edit Master title style</a:t>
+            </a:r>
+            <a:endParaRPr lang="vi-VN"/>
+          </a:p>
+        </p:txBody>
+      </p:sp>
+      <p:sp>
+        <p:nvSpPr>
+          <p:cNvPr id="3" name="Text Placeholder 2"/>
+          <p:cNvSpPr>
+            <a:spLocks noGrp="1"/>
+          </p:cNvSpPr>
+          <p:nvPr>
+            <p:ph type="body" idx="1"/>
+          </p:nvPr>
+        </p:nvSpPr>
+        <p:spPr>
+          <a:xfrm>
+            <a:off x="831850" y="4589463"/>
+            <a:ext cx="10515600" cy="1500187"/>
+          </a:xfrm>
+        </p:spPr>
+        <p:txBody>
+          <a:bodyPr/>
+          <a:lstStyle>
+            <a:lvl1pPr marL="0" indent="0">
+              <a:buNone/>
+              <a:defRPr sz="2400">
+                <a:solidFill>
+                  <a:schemeClr val="tx1">
+                    <a:tint val="75000"/>
+                  </a:schemeClr>
+                </a:solidFill>
+              </a:defRPr>
+            </a:lvl1pPr>
+            <a:lvl2pPr marL="457200" indent="0">
+              <a:buNone/>
+              <a:defRPr sz="2000">
+                <a:solidFill>
+                  <a:schemeClr val="tx1">
+                    <a:tint val="75000"/>
+                  </a:schemeClr>
+                </a:solidFill>
+              </a:defRPr>
+            </a:lvl2pPr>
+            <a:lvl3pPr marL="914400" indent="0">
+              <a:buNone/>
+              <a:defRPr sz="1800">
+                <a:solidFill>
+                  <a:schemeClr val="tx1">
+                    <a:tint val="75000"/>
+                  </a:schemeClr>
+                </a:solidFill>
+              </a:defRPr>
+            </a:lvl3pPr>
+            <a:lvl4pPr marL="1371600" indent="0">
+              <a:buNone/>
+              <a:defRPr sz="1600">
+                <a:solidFill>
+                  <a:schemeClr val="tx1">
+                    <a:tint val="75000"/>
+                  </a:schemeClr>
+                </a:solidFill>
+              </a:defRPr>
+            </a:lvl4pPr>
+            <a:lvl5pPr marL="1828800" indent="0">
+              <a:buNone/>
+              <a:defRPr sz="1600">
+                <a:solidFill>
+                  <a:schemeClr val="tx1">
+                    <a:tint val="75000"/>
+                  </a:schemeClr>
+                </a:solidFill>
+              </a:defRPr>
+            </a:lvl5pPr>
+            <a:lvl6pPr marL="2286000" indent="0">
+              <a:buNone/>
+              <a:defRPr sz="1600">
+                <a:solidFill>
+                  <a:schemeClr val="tx1">
+                    <a:tint val="75000"/>
+                  </a:schemeClr>
+                </a:solidFill>
+              </a:defRPr>
+            </a:lvl6pPr>
+            <a:lvl7pPr marL="2743200" indent="0">
+              <a:buNone/>
+              <a:defRPr sz="1600">
+                <a:solidFill>
+                  <a:schemeClr val="tx1">
+                    <a:tint val="75000"/>
+                  </a:schemeClr>
+                </a:solidFill>
+              </a:defRPr>
+            </a:lvl7pPr>
+            <a:lvl8pPr marL="3200400" indent="0">
+              <a:buNone/>
+              <a:defRPr sz="1600">
+                <a:solidFill>
+                  <a:schemeClr val="tx1">
+                    <a:tint val="75000"/>
+                  </a:schemeClr>
+                </a:solidFill>
+              </a:defRPr>
+            </a:lvl8pPr>
+            <a:lvl9pPr marL="3657600" indent="0">
+              <a:buNone/>
+              <a:defRPr sz="1600">
+                <a:solidFill>
+                  <a:schemeClr val="tx1">
+                    <a:tint val="75000"/>
+                  </a:schemeClr>
+                </a:solidFill>
+              </a:defRPr>
+            </a:lvl9pPr>
+          </a:lstStyle>
+          <a:p>
+            <a:pPr lvl="0"/>
+            <a:r>
+              <a:rPr lang="en-US" smtClean="0"/>
+              <a:t>Edit Master text styles</a:t>
+            </a:r>
+          </a:p>
+        </p:txBody>
+      </p:sp>
+      <p:sp>
+        <p:nvSpPr>
+          <p:cNvPr id="4" name="Date Placeholder 3"/>
+          <p:cNvSpPr>
+            <a:spLocks noGrp="1"/>
+          </p:cNvSpPr>
+          <p:nvPr>
+            <p:ph type="dt" sz="half" idx="10"/>
+          </p:nvPr>
+        </p:nvSpPr>
+        <p:spPr/>
+        <p:txBody>
+          <a:bodyPr/>
+          <a:lstStyle/>
+          <a:p>
+            <a:fld id="{A602E18F-600C-499B-80FE-D6CBF6AADD53}" type="datetimeFigureOut">
+              <a:rPr lang="vi-VN" smtClean="0"/>
+              <a:pPr/>
+              <a:t>19/07/2020</a:t>
+            </a:fld>
+            <a:endParaRPr lang="vi-VN"/>
+          </a:p>
+        </p:txBody>
+      </p:sp>
+      <p:sp>
+        <p:nvSpPr>
+          <p:cNvPr id="5" name="Footer Placeholder 4"/>
+          <p:cNvSpPr>
+            <a:spLocks noGrp="1"/>
+          </p:cNvSpPr>
+          <p:nvPr>
+            <p:ph type="ftr" sz="quarter" idx="11"/>
+          </p:nvPr>
+        </p:nvSpPr>
+        <p:spPr/>
+        <p:txBody>
+          <a:bodyPr/>
+          <a:lstStyle/>
+          <a:p>
+            <a:endParaRPr lang="vi-VN"/>
+          </a:p>
+        </p:txBody>
+      </p:sp>
+      <p:sp>
+        <p:nvSpPr>
+          <p:cNvPr id="6" name="Slide Number Placeholder 5"/>
+          <p:cNvSpPr>
+            <a:spLocks noGrp="1"/>
+          </p:cNvSpPr>
+          <p:nvPr>
+            <p:ph type="sldNum" sz="quarter" idx="12"/>
+          </p:nvPr>
+        </p:nvSpPr>
+        <p:spPr/>
+        <p:txBody>
+          <a:bodyPr/>
+          <a:lstStyle/>
+          <a:p>
+            <a:fld id="{939575B4-0998-448A-B51C-92C366CCCD37}" type="slidenum">
+              <a:rPr lang="vi-VN" smtClean="0"/>
+              <a:pPr/>
+              <a:t>‹#›</a:t>
+            </a:fld>
+            <a:endParaRPr lang="vi-VN"/>
+          </a:p>
+        </p:txBody>
+      </p:sp>
+    </p:spTree>
+    <p:extLst>
+      <p:ext uri="{BB962C8B-B14F-4D97-AF65-F5344CB8AC3E}">
+        <p14:creationId xmlns:p14="http://schemas.microsoft.com/office/powerpoint/2010/main" xmlns="" val="2639443751"/>
+      </p:ext>
+    </p:extLst>
+  </p:cSld>
+  <p:clrMapOvr>
+    <a:masterClrMapping/>
+  </p:clrMapOvr>
+</p:sldLayout>
+</file>
+
+<file path=ppt/slideLayouts/slideLayout4.xml><?xml version="1.0" encoding="utf-8"?>
+<p:sldLayout xmlns:a="http://schemas.openxmlformats.org/drawingml/2006/main" xmlns:r="http://schemas.openxmlformats.org/officeDocument/2006/relationships" xmlns:p="http://schemas.openxmlformats.org/presentationml/2006/main" type="twoObj" preserve="1">
+  <p:cSld name="Two Content">
+    <p:spTree>
+      <p:nvGrpSpPr>
+        <p:cNvPr id="1" name=""/>
+        <p:cNvGrpSpPr/>
+        <p:nvPr/>
+      </p:nvGrpSpPr>
+      <p:grpSpPr>
+        <a:xfrm>
+          <a:off x="0" y="0"/>
+          <a:ext cx="0" cy="0"/>
+          <a:chOff x="0" y="0"/>
+          <a:chExt cx="0" cy="0"/>
+        </a:xfrm>
+      </p:grpSpPr>
+      <p:sp>
+        <p:nvSpPr>
+          <p:cNvPr id="2" name="Title 1"/>
+          <p:cNvSpPr>
+            <a:spLocks noGrp="1"/>
+          </p:cNvSpPr>
+          <p:nvPr>
+            <p:ph type="title"/>
+          </p:nvPr>
+        </p:nvSpPr>
+        <p:spPr/>
+        <p:txBody>
+          <a:bodyPr/>
+          <a:lstStyle/>
+          <a:p>
+            <a:r>
+              <a:rPr lang="en-US" smtClean="0"/>
+              <a:t>Click to edit Master title style</a:t>
+            </a:r>
+            <a:endParaRPr lang="vi-VN"/>
+          </a:p>
+        </p:txBody>
+      </p:sp>
+      <p:sp>
+        <p:nvSpPr>
+          <p:cNvPr id="3" name="Content Placeholder 2"/>
+          <p:cNvSpPr>
+            <a:spLocks noGrp="1"/>
+          </p:cNvSpPr>
+          <p:nvPr>
+            <p:ph sz="half" idx="1"/>
+          </p:nvPr>
+        </p:nvSpPr>
+        <p:spPr>
+          <a:xfrm>
+            <a:off x="838200" y="1825625"/>
+            <a:ext cx="5181600" cy="4351338"/>
+          </a:xfrm>
+        </p:spPr>
+        <p:txBody>
+          <a:bodyPr/>
+          <a:lstStyle/>
+          <a:p>
+            <a:pPr lvl="0"/>
+            <a:r>
+              <a:rPr lang="en-US" smtClean="0"/>
+              <a:t>Edit Master text styles</a:t>
+            </a:r>
+          </a:p>
+          <a:p>
+            <a:pPr lvl="1"/>
+            <a:r>
+              <a:rPr lang="en-US" smtClean="0"/>
+              <a:t>Second level</a:t>
+            </a:r>
+          </a:p>
+          <a:p>
+            <a:pPr lvl="2"/>
+            <a:r>
+              <a:rPr lang="en-US" smtClean="0"/>
+              <a:t>Third level</a:t>
+            </a:r>
+          </a:p>
+          <a:p>
+            <a:pPr lvl="3"/>
+            <a:r>
+              <a:rPr lang="en-US" smtClean="0"/>
+              <a:t>Fourth level</a:t>
+            </a:r>
+          </a:p>
+          <a:p>
+            <a:pPr lvl="4"/>
+            <a:r>
+              <a:rPr lang="en-US" smtClean="0"/>
+              <a:t>Fifth level</a:t>
+            </a:r>
+            <a:endParaRPr lang="vi-VN"/>
+          </a:p>
+        </p:txBody>
+      </p:sp>
+      <p:sp>
+        <p:nvSpPr>
+          <p:cNvPr id="4" name="Content Placeholder 3"/>
+          <p:cNvSpPr>
+            <a:spLocks noGrp="1"/>
+          </p:cNvSpPr>
+          <p:nvPr>
+            <p:ph sz="half" idx="2"/>
+          </p:nvPr>
+        </p:nvSpPr>
+        <p:spPr>
+          <a:xfrm>
+            <a:off x="6172200" y="1825625"/>
+            <a:ext cx="5181600" cy="4351338"/>
+          </a:xfrm>
+        </p:spPr>
+        <p:txBody>
+          <a:bodyPr/>
+          <a:lstStyle/>
+          <a:p>
+            <a:pPr lvl="0"/>
+            <a:r>
+              <a:rPr lang="en-US" smtClean="0"/>
+              <a:t>Edit Master text styles</a:t>
+            </a:r>
+          </a:p>
+          <a:p>
+            <a:pPr lvl="1"/>
+            <a:r>
+              <a:rPr lang="en-US" smtClean="0"/>
+              <a:t>Second level</a:t>
+            </a:r>
+          </a:p>
+          <a:p>
+            <a:pPr lvl="2"/>
+            <a:r>
+              <a:rPr lang="en-US" smtClean="0"/>
+              <a:t>Third level</a:t>
+            </a:r>
+          </a:p>
+          <a:p>
+            <a:pPr lvl="3"/>
+            <a:r>
+              <a:rPr lang="en-US" smtClean="0"/>
+              <a:t>Fourth level</a:t>
+            </a:r>
+          </a:p>
+          <a:p>
+            <a:pPr lvl="4"/>
+            <a:r>
+              <a:rPr lang="en-US" smtClean="0"/>
+              <a:t>Fifth level</a:t>
+            </a:r>
+            <a:endParaRPr lang="vi-VN"/>
+          </a:p>
+        </p:txBody>
+      </p:sp>
+      <p:sp>
+        <p:nvSpPr>
+          <p:cNvPr id="5" name="Date Placeholder 4"/>
+          <p:cNvSpPr>
+            <a:spLocks noGrp="1"/>
+          </p:cNvSpPr>
+          <p:nvPr>
+            <p:ph type="dt" sz="half" idx="10"/>
+          </p:nvPr>
+        </p:nvSpPr>
+        <p:spPr/>
+        <p:txBody>
+          <a:bodyPr/>
+          <a:lstStyle/>
+          <a:p>
+            <a:fld id="{A602E18F-600C-499B-80FE-D6CBF6AADD53}" type="datetimeFigureOut">
+              <a:rPr lang="vi-VN" smtClean="0"/>
+              <a:pPr/>
+              <a:t>19/07/2020</a:t>
+            </a:fld>
+            <a:endParaRPr lang="vi-VN"/>
+          </a:p>
+        </p:txBody>
+      </p:sp>
+      <p:sp>
+        <p:nvSpPr>
+          <p:cNvPr id="6" name="Footer Placeholder 5"/>
+          <p:cNvSpPr>
+            <a:spLocks noGrp="1"/>
+          </p:cNvSpPr>
+          <p:nvPr>
+            <p:ph type="ftr" sz="quarter" idx="11"/>
+          </p:nvPr>
+        </p:nvSpPr>
+        <p:spPr/>
+        <p:txBody>
+          <a:bodyPr/>
+          <a:lstStyle/>
+          <a:p>
+            <a:endParaRPr lang="vi-VN"/>
+          </a:p>
+        </p:txBody>
+      </p:sp>
+      <p:sp>
+        <p:nvSpPr>
+          <p:cNvPr id="7" name="Slide Number Placeholder 6"/>
+          <p:cNvSpPr>
+            <a:spLocks noGrp="1"/>
+          </p:cNvSpPr>
+          <p:nvPr>
+            <p:ph type="sldNum" sz="quarter" idx="12"/>
+          </p:nvPr>
+        </p:nvSpPr>
+        <p:spPr/>
+        <p:txBody>
+          <a:bodyPr/>
+          <a:lstStyle/>
+          <a:p>
+            <a:fld id="{939575B4-0998-448A-B51C-92C366CCCD37}" type="slidenum">
+              <a:rPr lang="vi-VN" smtClean="0"/>
+              <a:pPr/>
+              <a:t>‹#›</a:t>
+            </a:fld>
+            <a:endParaRPr lang="vi-VN"/>
+          </a:p>
+        </p:txBody>
+      </p:sp>
+    </p:spTree>
+    <p:extLst>
+      <p:ext uri="{BB962C8B-B14F-4D97-AF65-F5344CB8AC3E}">
+        <p14:creationId xmlns:p14="http://schemas.microsoft.com/office/powerpoint/2010/main" xmlns="" val="45847336"/>
+      </p:ext>
+    </p:extLst>
+  </p:cSld>
+  <p:clrMapOvr>
+    <a:masterClrMapping/>
+  </p:clrMapOvr>
+</p:sldLayout>
+</file>
+
+<file path=ppt/slideLayouts/slideLayout5.xml><?xml version="1.0" encoding="utf-8"?>
+<p:sldLayout xmlns:a="http://schemas.openxmlformats.org/drawingml/2006/main" xmlns:r="http://schemas.openxmlformats.org/officeDocument/2006/relationships" xmlns:p="http://schemas.openxmlformats.org/presentationml/2006/main" type="twoTxTwoObj" preserve="1">
+  <p:cSld name="Comparison">
+    <p:spTree>
+      <p:nvGrpSpPr>
+        <p:cNvPr id="1" name=""/>
+        <p:cNvGrpSpPr/>
+        <p:nvPr/>
+      </p:nvGrpSpPr>
+      <p:grpSpPr>
+        <a:xfrm>
+          <a:off x="0" y="0"/>
+          <a:ext cx="0" cy="0"/>
+          <a:chOff x="0" y="0"/>
+          <a:chExt cx="0" cy="0"/>
+        </a:xfrm>
+      </p:grpSpPr>
+      <p:sp>
+        <p:nvSpPr>
+          <p:cNvPr id="2" name="Title 1"/>
+          <p:cNvSpPr>
+            <a:spLocks noGrp="1"/>
+          </p:cNvSpPr>
+          <p:nvPr>
+            <p:ph type="title"/>
+          </p:nvPr>
+        </p:nvSpPr>
+        <p:spPr>
+          <a:xfrm>
+            <a:off x="839788" y="365125"/>
+            <a:ext cx="10515600" cy="1325563"/>
+          </a:xfrm>
+        </p:spPr>
+        <p:txBody>
+          <a:bodyPr/>
+          <a:lstStyle/>
+          <a:p>
+            <a:r>
+              <a:rPr lang="en-US" smtClean="0"/>
+              <a:t>Click to edit Master title style</a:t>
+            </a:r>
+            <a:endParaRPr lang="vi-VN"/>
+          </a:p>
+        </p:txBody>
+      </p:sp>
+      <p:sp>
+        <p:nvSpPr>
+          <p:cNvPr id="3" name="Text Placeholder 2"/>
+          <p:cNvSpPr>
+            <a:spLocks noGrp="1"/>
+          </p:cNvSpPr>
+          <p:nvPr>
+            <p:ph type="body" idx="1"/>
+          </p:nvPr>
+        </p:nvSpPr>
+        <p:spPr>
+          <a:xfrm>
+            <a:off x="839788" y="1681163"/>
+            <a:ext cx="5157787" cy="823912"/>
+          </a:xfrm>
+        </p:spPr>
+        <p:txBody>
+          <a:bodyPr anchor="b"/>
+          <a:lstStyle>
+            <a:lvl1pPr marL="0" indent="0">
+              <a:buNone/>
+              <a:defRPr sz="2400" b="1"/>
+            </a:lvl1pPr>
+            <a:lvl2pPr marL="457200" indent="0">
+              <a:buNone/>
+              <a:defRPr sz="2000" b="1"/>
+            </a:lvl2pPr>
+            <a:lvl3pPr marL="914400" indent="0">
+              <a:buNone/>
+              <a:defRPr sz="1800" b="1"/>
+            </a:lvl3pPr>
+            <a:lvl4pPr marL="1371600" indent="0">
+              <a:buNone/>
+              <a:defRPr sz="1600" b="1"/>
+            </a:lvl4pPr>
+            <a:lvl5pPr marL="1828800" indent="0">
+              <a:buNone/>
+              <a:defRPr sz="1600" b="1"/>
+            </a:lvl5pPr>
+            <a:lvl6pPr marL="2286000" indent="0">
+              <a:buNone/>
+              <a:defRPr sz="1600" b="1"/>
+            </a:lvl6pPr>
+            <a:lvl7pPr marL="2743200" indent="0">
+              <a:buNone/>
+              <a:defRPr sz="1600" b="1"/>
+            </a:lvl7pPr>
+            <a:lvl8pPr marL="3200400" indent="0">
+              <a:buNone/>
+              <a:defRPr sz="1600" b="1"/>
+            </a:lvl8pPr>
+            <a:lvl9pPr marL="3657600" indent="0">
+              <a:buNone/>
+              <a:defRPr sz="1600" b="1"/>
+            </a:lvl9pPr>
+          </a:lstStyle>
+          <a:p>
+            <a:pPr lvl="0"/>
+            <a:r>
+              <a:rPr lang="en-US" smtClean="0"/>
+              <a:t>Edit Master text styles</a:t>
+            </a:r>
+          </a:p>
+        </p:txBody>
+      </p:sp>
+      <p:sp>
+        <p:nvSpPr>
+          <p:cNvPr id="4" name="Content Placeholder 3"/>
+          <p:cNvSpPr>
+            <a:spLocks noGrp="1"/>
+          </p:cNvSpPr>
+          <p:nvPr>
+            <p:ph sz="half" idx="2"/>
+          </p:nvPr>
+        </p:nvSpPr>
+        <p:spPr>
+          <a:xfrm>
+            <a:off x="839788" y="2505075"/>
+            <a:ext cx="5157787" cy="3684588"/>
+          </a:xfrm>
+        </p:spPr>
+        <p:txBody>
+          <a:bodyPr/>
+          <a:lstStyle/>
+          <a:p>
+            <a:pPr lvl="0"/>
+            <a:r>
+              <a:rPr lang="en-US" smtClean="0"/>
+              <a:t>Edit Master text styles</a:t>
+            </a:r>
+          </a:p>
+          <a:p>
+            <a:pPr lvl="1"/>
+            <a:r>
+              <a:rPr lang="en-US" smtClean="0"/>
+              <a:t>Second level</a:t>
+            </a:r>
+          </a:p>
+          <a:p>
+            <a:pPr lvl="2"/>
+            <a:r>
+              <a:rPr lang="en-US" smtClean="0"/>
+              <a:t>Third level</a:t>
+            </a:r>
+          </a:p>
+          <a:p>
+            <a:pPr lvl="3"/>
+            <a:r>
+              <a:rPr lang="en-US" smtClean="0"/>
+              <a:t>Fourth level</a:t>
+            </a:r>
+          </a:p>
+          <a:p>
+            <a:pPr lvl="4"/>
+            <a:r>
+              <a:rPr lang="en-US" smtClean="0"/>
+              <a:t>Fifth level</a:t>
+            </a:r>
+            <a:endParaRPr lang="vi-VN"/>
+          </a:p>
+        </p:txBody>
+      </p:sp>
+      <p:sp>
+        <p:nvSpPr>
+          <p:cNvPr id="5" name="Text Placeholder 4"/>
+          <p:cNvSpPr>
+            <a:spLocks noGrp="1"/>
+          </p:cNvSpPr>
+          <p:nvPr>
+            <p:ph type="body" sz="quarter" idx="3"/>
+          </p:nvPr>
+        </p:nvSpPr>
+        <p:spPr>
+          <a:xfrm>
+            <a:off x="6172200" y="1681163"/>
+            <a:ext cx="5183188" cy="823912"/>
+          </a:xfrm>
+        </p:spPr>
+        <p:txBody>
+          <a:bodyPr anchor="b"/>
+          <a:lstStyle>
+            <a:lvl1pPr marL="0" indent="0">
+              <a:buNone/>
+              <a:defRPr sz="2400" b="1"/>
+            </a:lvl1pPr>
+            <a:lvl2pPr marL="457200" indent="0">
+              <a:buNone/>
+              <a:defRPr sz="2000" b="1"/>
+            </a:lvl2pPr>
+            <a:lvl3pPr marL="914400" indent="0">
+              <a:buNone/>
+              <a:defRPr sz="1800" b="1"/>
+            </a:lvl3pPr>
+            <a:lvl4pPr marL="1371600" indent="0">
+              <a:buNone/>
+              <a:defRPr sz="1600" b="1"/>
+            </a:lvl4pPr>
+            <a:lvl5pPr marL="1828800" indent="0">
+              <a:buNone/>
+              <a:defRPr sz="1600" b="1"/>
+            </a:lvl5pPr>
+            <a:lvl6pPr marL="2286000" indent="0">
+              <a:buNone/>
+              <a:defRPr sz="1600" b="1"/>
+            </a:lvl6pPr>
+            <a:lvl7pPr marL="2743200" indent="0">
+              <a:buNone/>
+              <a:defRPr sz="1600" b="1"/>
+            </a:lvl7pPr>
+            <a:lvl8pPr marL="3200400" indent="0">
+              <a:buNone/>
+              <a:defRPr sz="1600" b="1"/>
+            </a:lvl8pPr>
+            <a:lvl9pPr marL="3657600" indent="0">
+              <a:buNone/>
+              <a:defRPr sz="1600" b="1"/>
+            </a:lvl9pPr>
+          </a:lstStyle>
+          <a:p>
+            <a:pPr lvl="0"/>
+            <a:r>
+              <a:rPr lang="en-US" smtClean="0"/>
+              <a:t>Edit Master text styles</a:t>
+            </a:r>
+          </a:p>
+        </p:txBody>
+      </p:sp>
+      <p:sp>
+        <p:nvSpPr>
+          <p:cNvPr id="6" name="Content Placeholder 5"/>
+          <p:cNvSpPr>
+            <a:spLocks noGrp="1"/>
+          </p:cNvSpPr>
+          <p:nvPr>
+            <p:ph sz="quarter" idx="4"/>
+          </p:nvPr>
+        </p:nvSpPr>
+        <p:spPr>
+          <a:xfrm>
+            <a:off x="6172200" y="2505075"/>
+            <a:ext cx="5183188" cy="3684588"/>
+          </a:xfrm>
+        </p:spPr>
+        <p:txBody>
+          <a:bodyPr/>
+          <a:lstStyle/>
+          <a:p>
+            <a:pPr lvl="0"/>
+            <a:r>
+              <a:rPr lang="en-US" smtClean="0"/>
+              <a:t>Edit Master text styles</a:t>
+            </a:r>
+          </a:p>
+          <a:p>
+            <a:pPr lvl="1"/>
+            <a:r>
+              <a:rPr lang="en-US" smtClean="0"/>
+              <a:t>Second level</a:t>
+            </a:r>
+          </a:p>
+          <a:p>
+            <a:pPr lvl="2"/>
+            <a:r>
+              <a:rPr lang="en-US" smtClean="0"/>
+              <a:t>Third level</a:t>
+            </a:r>
+          </a:p>
+          <a:p>
+            <a:pPr lvl="3"/>
+            <a:r>
+              <a:rPr lang="en-US" smtClean="0"/>
+              <a:t>Fourth level</a:t>
+            </a:r>
+          </a:p>
+          <a:p>
+            <a:pPr lvl="4"/>
+            <a:r>
+              <a:rPr lang="en-US" smtClean="0"/>
+              <a:t>Fifth level</a:t>
+            </a:r>
+            <a:endParaRPr lang="vi-VN"/>
+          </a:p>
+        </p:txBody>
+      </p:sp>
+      <p:sp>
+        <p:nvSpPr>
+          <p:cNvPr id="7" name="Date Placeholder 6"/>
+          <p:cNvSpPr>
+            <a:spLocks noGrp="1"/>
+          </p:cNvSpPr>
+          <p:nvPr>
+            <p:ph type="dt" sz="half" idx="10"/>
+          </p:nvPr>
+        </p:nvSpPr>
+        <p:spPr/>
+        <p:txBody>
+          <a:bodyPr/>
+          <a:lstStyle/>
+          <a:p>
+            <a:fld id="{A602E18F-600C-499B-80FE-D6CBF6AADD53}" type="datetimeFigureOut">
+              <a:rPr lang="vi-VN" smtClean="0"/>
+              <a:pPr/>
+              <a:t>19/07/2020</a:t>
+            </a:fld>
+            <a:endParaRPr lang="vi-VN"/>
+          </a:p>
+        </p:txBody>
+      </p:sp>
+      <p:sp>
+        <p:nvSpPr>
+          <p:cNvPr id="8" name="Footer Placeholder 7"/>
+          <p:cNvSpPr>
+            <a:spLocks noGrp="1"/>
+          </p:cNvSpPr>
+          <p:nvPr>
+            <p:ph type="ftr" sz="quarter" idx="11"/>
+          </p:nvPr>
+        </p:nvSpPr>
+        <p:spPr/>
+        <p:txBody>
+          <a:bodyPr/>
+          <a:lstStyle/>
+          <a:p>
+            <a:endParaRPr lang="vi-VN"/>
+          </a:p>
+        </p:txBody>
+      </p:sp>
+      <p:sp>
+        <p:nvSpPr>
+          <p:cNvPr id="9" name="Slide Number Placeholder 8"/>
+          <p:cNvSpPr>
+            <a:spLocks noGrp="1"/>
+          </p:cNvSpPr>
+          <p:nvPr>
+            <p:ph type="sldNum" sz="quarter" idx="12"/>
+          </p:nvPr>
+        </p:nvSpPr>
+        <p:spPr/>
+        <p:txBody>
+          <a:bodyPr/>
+          <a:lstStyle/>
+          <a:p>
+            <a:fld id="{939575B4-0998-448A-B51C-92C366CCCD37}" type="slidenum">
+              <a:rPr lang="vi-VN" smtClean="0"/>
+              <a:pPr/>
+              <a:t>‹#›</a:t>
+            </a:fld>
+            <a:endParaRPr lang="vi-VN"/>
+          </a:p>
+        </p:txBody>
+      </p:sp>
+    </p:spTree>
+    <p:extLst>
+      <p:ext uri="{BB962C8B-B14F-4D97-AF65-F5344CB8AC3E}">
+        <p14:creationId xmlns:p14="http://schemas.microsoft.com/office/powerpoint/2010/main" xmlns="" val="3609817088"/>
+      </p:ext>
+    </p:extLst>
+  </p:cSld>
+  <p:clrMapOvr>
+    <a:masterClrMapping/>
+  </p:clrMapOvr>
+</p:sldLayout>
+</file>
+
+<file path=ppt/slideLayouts/slideLayout6.xml><?xml version="1.0" encoding="utf-8"?>
+<p:sldLayout xmlns:a="http://schemas.openxmlformats.org/drawingml/2006/main" xmlns:r="http://schemas.openxmlformats.org/officeDocument/2006/relationships" xmlns:p="http://schemas.openxmlformats.org/presentationml/2006/main" type="titleOnly" preserve="1">
+  <p:cSld name="Title Only">
+    <p:spTree>
+      <p:nvGrpSpPr>
+        <p:cNvPr id="1" name=""/>
+        <p:cNvGrpSpPr/>
+        <p:nvPr/>
+      </p:nvGrpSpPr>
+      <p:grpSpPr>
+        <a:xfrm>
+          <a:off x="0" y="0"/>
+          <a:ext cx="0" cy="0"/>
+          <a:chOff x="0" y="0"/>
+          <a:chExt cx="0" cy="0"/>
+        </a:xfrm>
+      </p:grpSpPr>
+      <p:sp>
+        <p:nvSpPr>
+          <p:cNvPr id="2" name="Title 1"/>
+          <p:cNvSpPr>
+            <a:spLocks noGrp="1"/>
+          </p:cNvSpPr>
+          <p:nvPr>
+            <p:ph type="title"/>
+          </p:nvPr>
+        </p:nvSpPr>
+        <p:spPr/>
+        <p:txBody>
+          <a:bodyPr/>
+          <a:lstStyle/>
+          <a:p>
+            <a:r>
+              <a:rPr lang="en-US" smtClean="0"/>
+              <a:t>Click to edit Master title style</a:t>
+            </a:r>
+            <a:endParaRPr lang="vi-VN"/>
+          </a:p>
+        </p:txBody>
+      </p:sp>
+      <p:sp>
+        <p:nvSpPr>
+          <p:cNvPr id="3" name="Date Placeholder 2"/>
+          <p:cNvSpPr>
+            <a:spLocks noGrp="1"/>
+          </p:cNvSpPr>
+          <p:nvPr>
+            <p:ph type="dt" sz="half" idx="10"/>
+          </p:nvPr>
+        </p:nvSpPr>
+        <p:spPr/>
+        <p:txBody>
+          <a:bodyPr/>
+          <a:lstStyle/>
+          <a:p>
+            <a:fld id="{A602E18F-600C-499B-80FE-D6CBF6AADD53}" type="datetimeFigureOut">
+              <a:rPr lang="vi-VN" smtClean="0"/>
+              <a:pPr/>
+              <a:t>19/07/2020</a:t>
+            </a:fld>
+            <a:endParaRPr lang="vi-VN"/>
+          </a:p>
+        </p:txBody>
+      </p:sp>
+      <p:sp>
+        <p:nvSpPr>
+          <p:cNvPr id="4" name="Footer Placeholder 3"/>
+          <p:cNvSpPr>
+            <a:spLocks noGrp="1"/>
+          </p:cNvSpPr>
+          <p:nvPr>
+            <p:ph type="ftr" sz="quarter" idx="11"/>
+          </p:nvPr>
+        </p:nvSpPr>
+        <p:spPr/>
+        <p:txBody>
+          <a:bodyPr/>
+          <a:lstStyle/>
+          <a:p>
+            <a:endParaRPr lang="vi-VN"/>
+          </a:p>
+        </p:txBody>
+      </p:sp>
+      <p:sp>
+        <p:nvSpPr>
+          <p:cNvPr id="5" name="Slide Number Placeholder 4"/>
+          <p:cNvSpPr>
+            <a:spLocks noGrp="1"/>
+          </p:cNvSpPr>
+          <p:nvPr>
+            <p:ph type="sldNum" sz="quarter" idx="12"/>
+          </p:nvPr>
+        </p:nvSpPr>
+        <p:spPr/>
+        <p:txBody>
+          <a:bodyPr/>
+          <a:lstStyle/>
+          <a:p>
+            <a:fld id="{939575B4-0998-448A-B51C-92C366CCCD37}" type="slidenum">
+              <a:rPr lang="vi-VN" smtClean="0"/>
+              <a:pPr/>
+              <a:t>‹#›</a:t>
+            </a:fld>
+            <a:endParaRPr lang="vi-VN"/>
+          </a:p>
+        </p:txBody>
+      </p:sp>
+    </p:spTree>
+    <p:extLst>
+      <p:ext uri="{BB962C8B-B14F-4D97-AF65-F5344CB8AC3E}">
+        <p14:creationId xmlns:p14="http://schemas.microsoft.com/office/powerpoint/2010/main" xmlns="" val="929128220"/>
+      </p:ext>
+    </p:extLst>
+  </p:cSld>
+  <p:clrMapOvr>
+    <a:masterClrMapping/>
+  </p:clrMapOvr>
+</p:sldLayout>
+</file>
+
+<file path=ppt/slideLayouts/slideLayout7.xml><?xml version="1.0" encoding="utf-8"?>
+<p:sldLayout xmlns:a="http://schemas.openxmlformats.org/drawingml/2006/main" xmlns:r="http://schemas.openxmlformats.org/officeDocument/2006/relationships" xmlns:p="http://schemas.openxmlformats.org/presentationml/2006/main" type="blank" preserve="1">
+  <p:cSld name="Blank">
+    <p:spTree>
+      <p:nvGrpSpPr>
+        <p:cNvPr id="1" name=""/>
+        <p:cNvGrpSpPr/>
+        <p:nvPr/>
+      </p:nvGrpSpPr>
+      <p:grpSpPr>
+        <a:xfrm>
+          <a:off x="0" y="0"/>
+          <a:ext cx="0" cy="0"/>
+          <a:chOff x="0" y="0"/>
+          <a:chExt cx="0" cy="0"/>
+        </a:xfrm>
+      </p:grpSpPr>
+      <p:sp>
+        <p:nvSpPr>
+          <p:cNvPr id="2" name="Date Placeholder 1"/>
+          <p:cNvSpPr>
+            <a:spLocks noGrp="1"/>
+          </p:cNvSpPr>
+          <p:nvPr>
+            <p:ph type="dt" sz="half" idx="10"/>
+          </p:nvPr>
+        </p:nvSpPr>
+        <p:spPr/>
+        <p:txBody>
+          <a:bodyPr/>
+          <a:lstStyle/>
+          <a:p>
+            <a:fld id="{A602E18F-600C-499B-80FE-D6CBF6AADD53}" type="datetimeFigureOut">
+              <a:rPr lang="vi-VN" smtClean="0"/>
+              <a:pPr/>
+              <a:t>19/07/2020</a:t>
+            </a:fld>
+            <a:endParaRPr lang="vi-VN"/>
+          </a:p>
+        </p:txBody>
+      </p:sp>
+      <p:sp>
+        <p:nvSpPr>
+          <p:cNvPr id="3" name="Footer Placeholder 2"/>
+          <p:cNvSpPr>
+            <a:spLocks noGrp="1"/>
+          </p:cNvSpPr>
+          <p:nvPr>
+            <p:ph type="ftr" sz="quarter" idx="11"/>
+          </p:nvPr>
+        </p:nvSpPr>
+        <p:spPr/>
+        <p:txBody>
+          <a:bodyPr/>
+          <a:lstStyle/>
+          <a:p>
+            <a:endParaRPr lang="vi-VN"/>
+          </a:p>
+        </p:txBody>
+      </p:sp>
+      <p:sp>
+        <p:nvSpPr>
+          <p:cNvPr id="4" name="Slide Number Placeholder 3"/>
+          <p:cNvSpPr>
+            <a:spLocks noGrp="1"/>
+          </p:cNvSpPr>
+          <p:nvPr>
+            <p:ph type="sldNum" sz="quarter" idx="12"/>
+          </p:nvPr>
+        </p:nvSpPr>
+        <p:spPr/>
+        <p:txBody>
+          <a:bodyPr/>
+          <a:lstStyle/>
+          <a:p>
+            <a:fld id="{939575B4-0998-448A-B51C-92C366CCCD37}" type="slidenum">
+              <a:rPr lang="vi-VN" smtClean="0"/>
+              <a:pPr/>
+              <a:t>‹#›</a:t>
+            </a:fld>
+            <a:endParaRPr lang="vi-VN"/>
+          </a:p>
+        </p:txBody>
+      </p:sp>
+    </p:spTree>
+    <p:extLst>
+      <p:ext uri="{BB962C8B-B14F-4D97-AF65-F5344CB8AC3E}">
+        <p14:creationId xmlns:p14="http://schemas.microsoft.com/office/powerpoint/2010/main" xmlns="" val="1795223997"/>
+      </p:ext>
+    </p:extLst>
+  </p:cSld>
+  <p:clrMapOvr>
+    <a:masterClrMapping/>
+  </p:clrMapOvr>
+</p:sldLayout>
+</file>
+
+<file path=ppt/slideLayouts/slideLayout8.xml><?xml version="1.0" encoding="utf-8"?>
+<p:sldLayout xmlns:a="http://schemas.openxmlformats.org/drawingml/2006/main" xmlns:r="http://schemas.openxmlformats.org/officeDocument/2006/relationships" xmlns:p="http://schemas.openxmlformats.org/presentationml/2006/main" type="objTx" preserve="1">
+  <p:cSld name="Content with Caption">
+    <p:spTree>
+      <p:nvGrpSpPr>
+        <p:cNvPr id="1" name=""/>
+        <p:cNvGrpSpPr/>
+        <p:nvPr/>
+      </p:nvGrpSpPr>
+      <p:grpSpPr>
+        <a:xfrm>
+          <a:off x="0" y="0"/>
+          <a:ext cx="0" cy="0"/>
+          <a:chOff x="0" y="0"/>
+          <a:chExt cx="0" cy="0"/>
+        </a:xfrm>
+      </p:grpSpPr>
+      <p:sp>
+        <p:nvSpPr>
+          <p:cNvPr id="2" name="Title 1"/>
+          <p:cNvSpPr>
+            <a:spLocks noGrp="1"/>
+          </p:cNvSpPr>
+          <p:nvPr>
+            <p:ph type="title"/>
+          </p:nvPr>
+        </p:nvSpPr>
+        <p:spPr>
+          <a:xfrm>
+            <a:off x="839788" y="457200"/>
+            <a:ext cx="3932237" cy="1600200"/>
+          </a:xfrm>
+        </p:spPr>
+        <p:txBody>
+          <a:bodyPr anchor="b"/>
+          <a:lstStyle>
+            <a:lvl1pPr>
+              <a:defRPr sz="3200"/>
+            </a:lvl1pPr>
+          </a:lstStyle>
+          <a:p>
+            <a:r>
+              <a:rPr lang="en-US" smtClean="0"/>
+              <a:t>Click to edit Master title style</a:t>
+            </a:r>
+            <a:endParaRPr lang="vi-VN"/>
+          </a:p>
+        </p:txBody>
+      </p:sp>
+      <p:sp>
+        <p:nvSpPr>
+          <p:cNvPr id="3" name="Content Placeholder 2"/>
+          <p:cNvSpPr>
+            <a:spLocks noGrp="1"/>
+          </p:cNvSpPr>
+          <p:nvPr>
+            <p:ph idx="1"/>
+          </p:nvPr>
+        </p:nvSpPr>
+        <p:spPr>
+          <a:xfrm>
+            <a:off x="5183188" y="987425"/>
+            <a:ext cx="6172200" cy="4873625"/>
+          </a:xfrm>
+        </p:spPr>
+        <p:txBody>
+          <a:bodyPr/>
+          <a:lstStyle>
+            <a:lvl1pPr>
+              <a:defRPr sz="3200"/>
+            </a:lvl1pPr>
+            <a:lvl2pPr>
+              <a:defRPr sz="2800"/>
+            </a:lvl2pPr>
+            <a:lvl3pPr>
+              <a:defRPr sz="2400"/>
+            </a:lvl3pPr>
+            <a:lvl4pPr>
+              <a:defRPr sz="2000"/>
+            </a:lvl4pPr>
+            <a:lvl5pPr>
+              <a:defRPr sz="2000"/>
+            </a:lvl5pPr>
+            <a:lvl6pPr>
+              <a:defRPr sz="2000"/>
+            </a:lvl6pPr>
+            <a:lvl7pPr>
+              <a:defRPr sz="2000"/>
+            </a:lvl7pPr>
+            <a:lvl8pPr>
+              <a:defRPr sz="2000"/>
+            </a:lvl8pPr>
+            <a:lvl9pPr>
+              <a:defRPr sz="2000"/>
+            </a:lvl9pPr>
+          </a:lstStyle>
+          <a:p>
+            <a:pPr lvl="0"/>
+            <a:r>
               <a:rPr lang="en-US" smtClean="0"/>
               <a:t>Edit Master text styles</a:t>
             </a:r>
@@ -2100,7 +4556,8 @@
           <a:p>
             <a:fld id="{A602E18F-600C-499B-80FE-D6CBF6AADD53}" type="datetimeFigureOut">
               <a:rPr lang="vi-VN" smtClean="0"/>
-              <a:t>05/07/2020</a:t>
+              <a:pPr/>
+              <a:t>19/07/2020</a:t>
             </a:fld>
             <a:endParaRPr lang="vi-VN"/>
           </a:p>
@@ -2142,6 +4599,7 @@
           <a:p>
             <a:fld id="{939575B4-0998-448A-B51C-92C366CCCD37}" type="slidenum">
               <a:rPr lang="vi-VN" smtClean="0"/>
+              <a:pPr/>
               <a:t>‹#›</a:t>
             </a:fld>
             <a:endParaRPr lang="vi-VN"/>
@@ -2151,7 +4609,7 @@
     </p:spTree>
     <p:extLst>
       <p:ext uri="{BB962C8B-B14F-4D97-AF65-F5344CB8AC3E}">
-        <p14:creationId xmlns:p14="http://schemas.microsoft.com/office/powerpoint/2010/main" val="3030942600"/>
+        <p14:creationId xmlns:p14="http://schemas.microsoft.com/office/powerpoint/2010/main" xmlns="" val="3030942600"/>
       </p:ext>
     </p:extLst>
   </p:cSld>
@@ -2353,7 +4811,8 @@
           <a:p>
             <a:fld id="{A602E18F-600C-499B-80FE-D6CBF6AADD53}" type="datetimeFigureOut">
               <a:rPr lang="vi-VN" smtClean="0"/>
-              <a:t>05/07/2020</a:t>
+              <a:pPr/>
+              <a:t>19/07/2020</a:t>
             </a:fld>
             <a:endParaRPr lang="vi-VN"/>
           </a:p>
@@ -2395,6 +4854,7 @@
           <a:p>
             <a:fld id="{939575B4-0998-448A-B51C-92C366CCCD37}" type="slidenum">
               <a:rPr lang="vi-VN" smtClean="0"/>
+              <a:pPr/>
               <a:t>‹#›</a:t>
             </a:fld>
             <a:endParaRPr lang="vi-VN"/>
@@ -2404,7 +4864,7 @@
     </p:spTree>
     <p:extLst>
       <p:ext uri="{BB962C8B-B14F-4D97-AF65-F5344CB8AC3E}">
-        <p14:creationId xmlns:p14="http://schemas.microsoft.com/office/powerpoint/2010/main" val="207923354"/>
+        <p14:creationId xmlns:p14="http://schemas.microsoft.com/office/powerpoint/2010/main" xmlns="" val="207923354"/>
       </p:ext>
     </p:extLst>
   </p:cSld>
@@ -2566,7 +5026,8 @@
           <a:p>
             <a:fld id="{A602E18F-600C-499B-80FE-D6CBF6AADD53}" type="datetimeFigureOut">
               <a:rPr lang="vi-VN" smtClean="0"/>
-              <a:t>05/07/2020</a:t>
+              <a:pPr/>
+              <a:t>19/07/2020</a:t>
             </a:fld>
             <a:endParaRPr lang="vi-VN"/>
           </a:p>
@@ -2644,6 +5105,7 @@
           <a:p>
             <a:fld id="{939575B4-0998-448A-B51C-92C366CCCD37}" type="slidenum">
               <a:rPr lang="vi-VN" smtClean="0"/>
+              <a:pPr/>
               <a:t>‹#›</a:t>
             </a:fld>
             <a:endParaRPr lang="vi-VN"/>
@@ -2653,7 +5115,7 @@
     </p:spTree>
     <p:extLst>
       <p:ext uri="{BB962C8B-B14F-4D97-AF65-F5344CB8AC3E}">
-        <p14:creationId xmlns:p14="http://schemas.microsoft.com/office/powerpoint/2010/main" val="2383325210"/>
+        <p14:creationId xmlns:p14="http://schemas.microsoft.com/office/powerpoint/2010/main" xmlns="" val="2383325210"/>
       </p:ext>
     </p:extLst>
   </p:cSld>
@@ -2954,6 +5416,518 @@
 </p:sldMaster>
 </file>
 
+<file path=ppt/slideMasters/slideMaster2.xml><?xml version="1.0" encoding="utf-8"?>
+<p:sldMaster xmlns:a="http://schemas.openxmlformats.org/drawingml/2006/main" xmlns:r="http://schemas.openxmlformats.org/officeDocument/2006/relationships" xmlns:p="http://schemas.openxmlformats.org/presentationml/2006/main">
+  <p:cSld>
+    <p:bg>
+      <p:bgPr>
+        <a:blipFill dpi="0" rotWithShape="1">
+          <a:blip r:embed="rId13"/>
+          <a:srcRect/>
+          <a:tile tx="0" ty="0" sx="100000" sy="100000" flip="none" algn="tl"/>
+        </a:blipFill>
+        <a:effectLst/>
+      </p:bgPr>
+    </p:bg>
+    <p:spTree>
+      <p:nvGrpSpPr>
+        <p:cNvPr id="1" name=""/>
+        <p:cNvGrpSpPr/>
+        <p:nvPr/>
+      </p:nvGrpSpPr>
+      <p:grpSpPr>
+        <a:xfrm>
+          <a:off x="0" y="0"/>
+          <a:ext cx="0" cy="0"/>
+          <a:chOff x="0" y="0"/>
+          <a:chExt cx="0" cy="0"/>
+        </a:xfrm>
+      </p:grpSpPr>
+      <p:sp>
+        <p:nvSpPr>
+          <p:cNvPr id="2" name="標題版面配置區 1"/>
+          <p:cNvSpPr>
+            <a:spLocks noGrp="1"/>
+          </p:cNvSpPr>
+          <p:nvPr>
+            <p:ph type="title"/>
+          </p:nvPr>
+        </p:nvSpPr>
+        <p:spPr>
+          <a:xfrm>
+            <a:off x="609600" y="274638"/>
+            <a:ext cx="10972800" cy="1143000"/>
+          </a:xfrm>
+          <a:prstGeom prst="rect">
+            <a:avLst/>
+          </a:prstGeom>
+        </p:spPr>
+        <p:txBody>
+          <a:bodyPr vert="horz" lIns="91440" tIns="45720" rIns="91440" bIns="45720" rtlCol="0" anchor="ctr">
+            <a:normAutofit/>
+          </a:bodyPr>
+          <a:lstStyle/>
+          <a:p>
+            <a:r>
+              <a:rPr lang="zh-TW" altLang="en-US" smtClean="0"/>
+              <a:t>按一下以編輯母片標題樣式</a:t>
+            </a:r>
+            <a:endParaRPr lang="zh-TW" altLang="en-US"/>
+          </a:p>
+        </p:txBody>
+      </p:sp>
+      <p:sp>
+        <p:nvSpPr>
+          <p:cNvPr id="3" name="文字版面配置區 2"/>
+          <p:cNvSpPr>
+            <a:spLocks noGrp="1"/>
+          </p:cNvSpPr>
+          <p:nvPr>
+            <p:ph type="body" idx="1"/>
+          </p:nvPr>
+        </p:nvSpPr>
+        <p:spPr>
+          <a:xfrm>
+            <a:off x="609600" y="1600201"/>
+            <a:ext cx="10972800" cy="4525963"/>
+          </a:xfrm>
+          <a:prstGeom prst="rect">
+            <a:avLst/>
+          </a:prstGeom>
+        </p:spPr>
+        <p:txBody>
+          <a:bodyPr vert="horz" lIns="91440" tIns="45720" rIns="91440" bIns="45720" rtlCol="0">
+            <a:normAutofit/>
+          </a:bodyPr>
+          <a:lstStyle/>
+          <a:p>
+            <a:pPr lvl="0"/>
+            <a:r>
+              <a:rPr lang="zh-TW" altLang="en-US" smtClean="0"/>
+              <a:t>按一下以編輯母片文字樣式</a:t>
+            </a:r>
+          </a:p>
+          <a:p>
+            <a:pPr lvl="1"/>
+            <a:r>
+              <a:rPr lang="zh-TW" altLang="en-US" smtClean="0"/>
+              <a:t>第二層</a:t>
+            </a:r>
+          </a:p>
+          <a:p>
+            <a:pPr lvl="2"/>
+            <a:r>
+              <a:rPr lang="zh-TW" altLang="en-US" smtClean="0"/>
+              <a:t>第三層</a:t>
+            </a:r>
+          </a:p>
+          <a:p>
+            <a:pPr lvl="3"/>
+            <a:r>
+              <a:rPr lang="zh-TW" altLang="en-US" smtClean="0"/>
+              <a:t>第四層</a:t>
+            </a:r>
+          </a:p>
+          <a:p>
+            <a:pPr lvl="4"/>
+            <a:r>
+              <a:rPr lang="zh-TW" altLang="en-US" smtClean="0"/>
+              <a:t>第五層</a:t>
+            </a:r>
+            <a:endParaRPr lang="zh-TW" altLang="en-US"/>
+          </a:p>
+        </p:txBody>
+      </p:sp>
+      <p:sp>
+        <p:nvSpPr>
+          <p:cNvPr id="4" name="日期版面配置區 3"/>
+          <p:cNvSpPr>
+            <a:spLocks noGrp="1"/>
+          </p:cNvSpPr>
+          <p:nvPr>
+            <p:ph type="dt" sz="half" idx="2"/>
+          </p:nvPr>
+        </p:nvSpPr>
+        <p:spPr>
+          <a:xfrm>
+            <a:off x="609600" y="6356351"/>
+            <a:ext cx="2844800" cy="365125"/>
+          </a:xfrm>
+          <a:prstGeom prst="rect">
+            <a:avLst/>
+          </a:prstGeom>
+        </p:spPr>
+        <p:txBody>
+          <a:bodyPr vert="horz" lIns="91440" tIns="45720" rIns="91440" bIns="45720" rtlCol="0" anchor="ctr"/>
+          <a:lstStyle>
+            <a:lvl1pPr algn="l">
+              <a:defRPr sz="1200">
+                <a:solidFill>
+                  <a:schemeClr val="tx1">
+                    <a:tint val="75000"/>
+                  </a:schemeClr>
+                </a:solidFill>
+              </a:defRPr>
+            </a:lvl1pPr>
+          </a:lstStyle>
+          <a:p>
+            <a:fld id="{A602E18F-600C-499B-80FE-D6CBF6AADD53}" type="datetimeFigureOut">
+              <a:rPr lang="vi-VN" smtClean="0"/>
+              <a:pPr/>
+              <a:t>19/07/2020</a:t>
+            </a:fld>
+            <a:endParaRPr lang="vi-VN"/>
+          </a:p>
+        </p:txBody>
+      </p:sp>
+      <p:sp>
+        <p:nvSpPr>
+          <p:cNvPr id="5" name="頁尾版面配置區 4"/>
+          <p:cNvSpPr>
+            <a:spLocks noGrp="1"/>
+          </p:cNvSpPr>
+          <p:nvPr>
+            <p:ph type="ftr" sz="quarter" idx="3"/>
+          </p:nvPr>
+        </p:nvSpPr>
+        <p:spPr>
+          <a:xfrm>
+            <a:off x="4165600" y="6356351"/>
+            <a:ext cx="3860800" cy="365125"/>
+          </a:xfrm>
+          <a:prstGeom prst="rect">
+            <a:avLst/>
+          </a:prstGeom>
+        </p:spPr>
+        <p:txBody>
+          <a:bodyPr vert="horz" lIns="91440" tIns="45720" rIns="91440" bIns="45720" rtlCol="0" anchor="ctr"/>
+          <a:lstStyle>
+            <a:lvl1pPr algn="ctr">
+              <a:defRPr sz="1200">
+                <a:solidFill>
+                  <a:schemeClr val="tx1">
+                    <a:tint val="75000"/>
+                  </a:schemeClr>
+                </a:solidFill>
+              </a:defRPr>
+            </a:lvl1pPr>
+          </a:lstStyle>
+          <a:p>
+            <a:endParaRPr lang="vi-VN"/>
+          </a:p>
+        </p:txBody>
+      </p:sp>
+      <p:sp>
+        <p:nvSpPr>
+          <p:cNvPr id="6" name="投影片編號版面配置區 5"/>
+          <p:cNvSpPr>
+            <a:spLocks noGrp="1"/>
+          </p:cNvSpPr>
+          <p:nvPr>
+            <p:ph type="sldNum" sz="quarter" idx="4"/>
+          </p:nvPr>
+        </p:nvSpPr>
+        <p:spPr>
+          <a:xfrm>
+            <a:off x="8737600" y="6356351"/>
+            <a:ext cx="2844800" cy="365125"/>
+          </a:xfrm>
+          <a:prstGeom prst="rect">
+            <a:avLst/>
+          </a:prstGeom>
+        </p:spPr>
+        <p:txBody>
+          <a:bodyPr vert="horz" lIns="91440" tIns="45720" rIns="91440" bIns="45720" rtlCol="0" anchor="ctr"/>
+          <a:lstStyle>
+            <a:lvl1pPr algn="r">
+              <a:defRPr sz="1200">
+                <a:solidFill>
+                  <a:schemeClr val="tx1">
+                    <a:tint val="75000"/>
+                  </a:schemeClr>
+                </a:solidFill>
+              </a:defRPr>
+            </a:lvl1pPr>
+          </a:lstStyle>
+          <a:p>
+            <a:fld id="{939575B4-0998-448A-B51C-92C366CCCD37}" type="slidenum">
+              <a:rPr lang="vi-VN" smtClean="0"/>
+              <a:pPr/>
+              <a:t>‹#›</a:t>
+            </a:fld>
+            <a:endParaRPr lang="vi-VN"/>
+          </a:p>
+        </p:txBody>
+      </p:sp>
+    </p:spTree>
+  </p:cSld>
+  <p:clrMap bg1="lt1" tx1="dk1" bg2="lt2" tx2="dk2" accent1="accent1" accent2="accent2" accent3="accent3" accent4="accent4" accent5="accent5" accent6="accent6" hlink="hlink" folHlink="folHlink"/>
+  <p:sldLayoutIdLst>
+    <p:sldLayoutId id="2147483661" r:id="rId1"/>
+    <p:sldLayoutId id="2147483662" r:id="rId2"/>
+    <p:sldLayoutId id="2147483663" r:id="rId3"/>
+    <p:sldLayoutId id="2147483664" r:id="rId4"/>
+    <p:sldLayoutId id="2147483665" r:id="rId5"/>
+    <p:sldLayoutId id="2147483666" r:id="rId6"/>
+    <p:sldLayoutId id="2147483667" r:id="rId7"/>
+    <p:sldLayoutId id="2147483668" r:id="rId8"/>
+    <p:sldLayoutId id="2147483669" r:id="rId9"/>
+    <p:sldLayoutId id="2147483670" r:id="rId10"/>
+    <p:sldLayoutId id="2147483671" r:id="rId11"/>
+  </p:sldLayoutIdLst>
+  <p:txStyles>
+    <p:titleStyle>
+      <a:lvl1pPr algn="ctr" defTabSz="914400" rtl="0" eaLnBrk="1" latinLnBrk="0" hangingPunct="1">
+        <a:spcBef>
+          <a:spcPct val="0"/>
+        </a:spcBef>
+        <a:buNone/>
+        <a:defRPr sz="4400" kern="1200">
+          <a:solidFill>
+            <a:schemeClr val="tx1"/>
+          </a:solidFill>
+          <a:latin typeface="+mj-lt"/>
+          <a:ea typeface="+mj-ea"/>
+          <a:cs typeface="+mj-cs"/>
+        </a:defRPr>
+      </a:lvl1pPr>
+    </p:titleStyle>
+    <p:bodyStyle>
+      <a:lvl1pPr marL="342900" indent="-342900" algn="l" defTabSz="914400" rtl="0" eaLnBrk="1" latinLnBrk="0" hangingPunct="1">
+        <a:spcBef>
+          <a:spcPct val="20000"/>
+        </a:spcBef>
+        <a:buFont typeface="Arial" pitchFamily="34" charset="0"/>
+        <a:buChar char="•"/>
+        <a:defRPr sz="3200" kern="1200">
+          <a:solidFill>
+            <a:schemeClr val="tx1"/>
+          </a:solidFill>
+          <a:latin typeface="+mn-lt"/>
+          <a:ea typeface="+mn-ea"/>
+          <a:cs typeface="+mn-cs"/>
+        </a:defRPr>
+      </a:lvl1pPr>
+      <a:lvl2pPr marL="742950" indent="-285750" algn="l" defTabSz="914400" rtl="0" eaLnBrk="1" latinLnBrk="0" hangingPunct="1">
+        <a:spcBef>
+          <a:spcPct val="20000"/>
+        </a:spcBef>
+        <a:buFont typeface="Arial" pitchFamily="34" charset="0"/>
+        <a:buChar char="–"/>
+        <a:defRPr sz="2800" kern="1200">
+          <a:solidFill>
+            <a:schemeClr val="tx1"/>
+          </a:solidFill>
+          <a:latin typeface="+mn-lt"/>
+          <a:ea typeface="+mn-ea"/>
+          <a:cs typeface="+mn-cs"/>
+        </a:defRPr>
+      </a:lvl2pPr>
+      <a:lvl3pPr marL="1143000" indent="-228600" algn="l" defTabSz="914400" rtl="0" eaLnBrk="1" latinLnBrk="0" hangingPunct="1">
+        <a:spcBef>
+          <a:spcPct val="20000"/>
+        </a:spcBef>
+        <a:buFont typeface="Arial" pitchFamily="34" charset="0"/>
+        <a:buChar char="•"/>
+        <a:defRPr sz="2400" kern="1200">
+          <a:solidFill>
+            <a:schemeClr val="tx1"/>
+          </a:solidFill>
+          <a:latin typeface="+mn-lt"/>
+          <a:ea typeface="+mn-ea"/>
+          <a:cs typeface="+mn-cs"/>
+        </a:defRPr>
+      </a:lvl3pPr>
+      <a:lvl4pPr marL="1600200" indent="-228600" algn="l" defTabSz="914400" rtl="0" eaLnBrk="1" latinLnBrk="0" hangingPunct="1">
+        <a:spcBef>
+          <a:spcPct val="20000"/>
+        </a:spcBef>
+        <a:buFont typeface="Arial" pitchFamily="34" charset="0"/>
+        <a:buChar char="–"/>
+        <a:defRPr sz="2000" kern="1200">
+          <a:solidFill>
+            <a:schemeClr val="tx1"/>
+          </a:solidFill>
+          <a:latin typeface="+mn-lt"/>
+          <a:ea typeface="+mn-ea"/>
+          <a:cs typeface="+mn-cs"/>
+        </a:defRPr>
+      </a:lvl4pPr>
+      <a:lvl5pPr marL="2057400" indent="-228600" algn="l" defTabSz="914400" rtl="0" eaLnBrk="1" latinLnBrk="0" hangingPunct="1">
+        <a:spcBef>
+          <a:spcPct val="20000"/>
+        </a:spcBef>
+        <a:buFont typeface="Arial" pitchFamily="34" charset="0"/>
+        <a:buChar char="»"/>
+        <a:defRPr sz="2000" kern="1200">
+          <a:solidFill>
+            <a:schemeClr val="tx1"/>
+          </a:solidFill>
+          <a:latin typeface="+mn-lt"/>
+          <a:ea typeface="+mn-ea"/>
+          <a:cs typeface="+mn-cs"/>
+        </a:defRPr>
+      </a:lvl5pPr>
+      <a:lvl6pPr marL="2514600" indent="-228600" algn="l" defTabSz="914400" rtl="0" eaLnBrk="1" latinLnBrk="0" hangingPunct="1">
+        <a:spcBef>
+          <a:spcPct val="20000"/>
+        </a:spcBef>
+        <a:buFont typeface="Arial" pitchFamily="34" charset="0"/>
+        <a:buChar char="•"/>
+        <a:defRPr sz="2000" kern="1200">
+          <a:solidFill>
+            <a:schemeClr val="tx1"/>
+          </a:solidFill>
+          <a:latin typeface="+mn-lt"/>
+          <a:ea typeface="+mn-ea"/>
+          <a:cs typeface="+mn-cs"/>
+        </a:defRPr>
+      </a:lvl6pPr>
+      <a:lvl7pPr marL="2971800" indent="-228600" algn="l" defTabSz="914400" rtl="0" eaLnBrk="1" latinLnBrk="0" hangingPunct="1">
+        <a:spcBef>
+          <a:spcPct val="20000"/>
+        </a:spcBef>
+        <a:buFont typeface="Arial" pitchFamily="34" charset="0"/>
+        <a:buChar char="•"/>
+        <a:defRPr sz="2000" kern="1200">
+          <a:solidFill>
+            <a:schemeClr val="tx1"/>
+          </a:solidFill>
+          <a:latin typeface="+mn-lt"/>
+          <a:ea typeface="+mn-ea"/>
+          <a:cs typeface="+mn-cs"/>
+        </a:defRPr>
+      </a:lvl7pPr>
+      <a:lvl8pPr marL="3429000" indent="-228600" algn="l" defTabSz="914400" rtl="0" eaLnBrk="1" latinLnBrk="0" hangingPunct="1">
+        <a:spcBef>
+          <a:spcPct val="20000"/>
+        </a:spcBef>
+        <a:buFont typeface="Arial" pitchFamily="34" charset="0"/>
+        <a:buChar char="•"/>
+        <a:defRPr sz="2000" kern="1200">
+          <a:solidFill>
+            <a:schemeClr val="tx1"/>
+          </a:solidFill>
+          <a:latin typeface="+mn-lt"/>
+          <a:ea typeface="+mn-ea"/>
+          <a:cs typeface="+mn-cs"/>
+        </a:defRPr>
+      </a:lvl8pPr>
+      <a:lvl9pPr marL="3886200" indent="-228600" algn="l" defTabSz="914400" rtl="0" eaLnBrk="1" latinLnBrk="0" hangingPunct="1">
+        <a:spcBef>
+          <a:spcPct val="20000"/>
+        </a:spcBef>
+        <a:buFont typeface="Arial" pitchFamily="34" charset="0"/>
+        <a:buChar char="•"/>
+        <a:defRPr sz="2000" kern="1200">
+          <a:solidFill>
+            <a:schemeClr val="tx1"/>
+          </a:solidFill>
+          <a:latin typeface="+mn-lt"/>
+          <a:ea typeface="+mn-ea"/>
+          <a:cs typeface="+mn-cs"/>
+        </a:defRPr>
+      </a:lvl9pPr>
+    </p:bodyStyle>
+    <p:otherStyle>
+      <a:defPPr>
+        <a:defRPr lang="zh-TW"/>
+      </a:defPPr>
+      <a:lvl1pPr marL="0" algn="l" defTabSz="914400" rtl="0" eaLnBrk="1" latinLnBrk="0" hangingPunct="1">
+        <a:defRPr sz="1800" kern="1200">
+          <a:solidFill>
+            <a:schemeClr val="tx1"/>
+          </a:solidFill>
+          <a:latin typeface="+mn-lt"/>
+          <a:ea typeface="+mn-ea"/>
+          <a:cs typeface="+mn-cs"/>
+        </a:defRPr>
+      </a:lvl1pPr>
+      <a:lvl2pPr marL="457200" algn="l" defTabSz="914400" rtl="0" eaLnBrk="1" latinLnBrk="0" hangingPunct="1">
+        <a:defRPr sz="1800" kern="1200">
+          <a:solidFill>
+            <a:schemeClr val="tx1"/>
+          </a:solidFill>
+          <a:latin typeface="+mn-lt"/>
+          <a:ea typeface="+mn-ea"/>
+          <a:cs typeface="+mn-cs"/>
+        </a:defRPr>
+      </a:lvl2pPr>
+      <a:lvl3pPr marL="914400" algn="l" defTabSz="914400" rtl="0" eaLnBrk="1" latinLnBrk="0" hangingPunct="1">
+        <a:defRPr sz="1800" kern="1200">
+          <a:solidFill>
+            <a:schemeClr val="tx1"/>
+          </a:solidFill>
+          <a:latin typeface="+mn-lt"/>
+          <a:ea typeface="+mn-ea"/>
+          <a:cs typeface="+mn-cs"/>
+        </a:defRPr>
+      </a:lvl3pPr>
+      <a:lvl4pPr marL="1371600" algn="l" defTabSz="914400" rtl="0" eaLnBrk="1" latinLnBrk="0" hangingPunct="1">
+        <a:defRPr sz="1800" kern="1200">
+          <a:solidFill>
+            <a:schemeClr val="tx1"/>
+          </a:solidFill>
+          <a:latin typeface="+mn-lt"/>
+          <a:ea typeface="+mn-ea"/>
+          <a:cs typeface="+mn-cs"/>
+        </a:defRPr>
+      </a:lvl4pPr>
+      <a:lvl5pPr marL="1828800" algn="l" defTabSz="914400" rtl="0" eaLnBrk="1" latinLnBrk="0" hangingPunct="1">
+        <a:defRPr sz="1800" kern="1200">
+          <a:solidFill>
+            <a:schemeClr val="tx1"/>
+          </a:solidFill>
+          <a:latin typeface="+mn-lt"/>
+          <a:ea typeface="+mn-ea"/>
+          <a:cs typeface="+mn-cs"/>
+        </a:defRPr>
+      </a:lvl5pPr>
+      <a:lvl6pPr marL="2286000" algn="l" defTabSz="914400" rtl="0" eaLnBrk="1" latinLnBrk="0" hangingPunct="1">
+        <a:defRPr sz="1800" kern="1200">
+          <a:solidFill>
+            <a:schemeClr val="tx1"/>
+          </a:solidFill>
+          <a:latin typeface="+mn-lt"/>
+          <a:ea typeface="+mn-ea"/>
+          <a:cs typeface="+mn-cs"/>
+        </a:defRPr>
+      </a:lvl6pPr>
+      <a:lvl7pPr marL="2743200" algn="l" defTabSz="914400" rtl="0" eaLnBrk="1" latinLnBrk="0" hangingPunct="1">
+        <a:defRPr sz="1800" kern="1200">
+          <a:solidFill>
+            <a:schemeClr val="tx1"/>
+          </a:solidFill>
+          <a:latin typeface="+mn-lt"/>
+          <a:ea typeface="+mn-ea"/>
+          <a:cs typeface="+mn-cs"/>
+        </a:defRPr>
+      </a:lvl7pPr>
+      <a:lvl8pPr marL="3200400" algn="l" defTabSz="914400" rtl="0" eaLnBrk="1" latinLnBrk="0" hangingPunct="1">
+        <a:defRPr sz="1800" kern="1200">
+          <a:solidFill>
+            <a:schemeClr val="tx1"/>
+          </a:solidFill>
+          <a:latin typeface="+mn-lt"/>
+          <a:ea typeface="+mn-ea"/>
+          <a:cs typeface="+mn-cs"/>
+        </a:defRPr>
+      </a:lvl8pPr>
+      <a:lvl9pPr marL="3657600" algn="l" defTabSz="914400" rtl="0" eaLnBrk="1" latinLnBrk="0" hangingPunct="1">
+        <a:defRPr sz="1800" kern="1200">
+          <a:solidFill>
+            <a:schemeClr val="tx1"/>
+          </a:solidFill>
+          <a:latin typeface="+mn-lt"/>
+          <a:ea typeface="+mn-ea"/>
+          <a:cs typeface="+mn-cs"/>
+        </a:defRPr>
+      </a:lvl9pPr>
+    </p:otherStyle>
+  </p:txStyles>
+</p:sldMaster>
+</file>
+
 <file path=ppt/slides/slide1.xml><?xml version="1.0" encoding="utf-8"?>
 <p:sld xmlns:a="http://schemas.openxmlformats.org/drawingml/2006/main" xmlns:r="http://schemas.openxmlformats.org/officeDocument/2006/relationships" xmlns:p="http://schemas.openxmlformats.org/presentationml/2006/main">
   <p:cSld>
@@ -2983,7 +5957,7 @@
           <a:blip r:embed="rId2">
             <a:extLst>
               <a:ext uri="{28A0092B-C50C-407E-A947-70E740481C1C}">
-                <a14:useLocalDpi xmlns:a14="http://schemas.microsoft.com/office/drawing/2010/main" val="0"/>
+                <a14:useLocalDpi xmlns:a14="http://schemas.microsoft.com/office/drawing/2010/main" xmlns="" val="0"/>
               </a:ext>
             </a:extLst>
           </a:blip>
@@ -3007,14 +5981,14 @@
           <a:effectLst/>
           <a:extLst>
             <a:ext uri="{909E8E84-426E-40DD-AFC4-6F175D3DCCD1}">
-              <a14:hiddenFill xmlns:a14="http://schemas.microsoft.com/office/drawing/2010/main">
+              <a14:hiddenFill xmlns:a14="http://schemas.microsoft.com/office/drawing/2010/main" xmlns="">
                 <a:solidFill>
                   <a:srgbClr val="FFFFFF"/>
                 </a:solidFill>
               </a14:hiddenFill>
             </a:ext>
             <a:ext uri="{91240B29-F687-4F45-9708-019B960494DF}">
-              <a14:hiddenLine xmlns:a14="http://schemas.microsoft.com/office/drawing/2010/main" w="12700">
+              <a14:hiddenLine xmlns:a14="http://schemas.microsoft.com/office/drawing/2010/main" xmlns="" w="12700">
                 <a:solidFill>
                   <a:srgbClr val="000000"/>
                 </a:solidFill>
@@ -3024,7 +5998,7 @@
               </a14:hiddenLine>
             </a:ext>
             <a:ext uri="{AF507438-7753-43E0-B8FC-AC1667EBCBE1}">
-              <a14:hiddenEffects xmlns:a14="http://schemas.microsoft.com/office/drawing/2010/main">
+              <a14:hiddenEffects xmlns:a14="http://schemas.microsoft.com/office/drawing/2010/main" xmlns="">
                 <a:effectLst>
                   <a:outerShdw dist="35921" dir="2700000" algn="ctr" rotWithShape="0">
                     <a:srgbClr val="808080"/>
@@ -3038,7 +6012,7 @@
     </p:spTree>
     <p:extLst>
       <p:ext uri="{BB962C8B-B14F-4D97-AF65-F5344CB8AC3E}">
-        <p14:creationId xmlns:p14="http://schemas.microsoft.com/office/powerpoint/2010/main" val="1218835715"/>
+        <p14:creationId xmlns:p14="http://schemas.microsoft.com/office/powerpoint/2010/main" xmlns="" val="1218835715"/>
       </p:ext>
     </p:extLst>
   </p:cSld>
@@ -3078,7 +6052,7 @@
           <a:blip r:embed="rId2">
             <a:extLst>
               <a:ext uri="{28A0092B-C50C-407E-A947-70E740481C1C}">
-                <a14:useLocalDpi xmlns:a14="http://schemas.microsoft.com/office/drawing/2010/main" val="0"/>
+                <a14:useLocalDpi xmlns:a14="http://schemas.microsoft.com/office/drawing/2010/main" xmlns="" val="0"/>
               </a:ext>
             </a:extLst>
           </a:blip>
@@ -3102,14 +6076,14 @@
           <a:effectLst/>
           <a:extLst>
             <a:ext uri="{909E8E84-426E-40DD-AFC4-6F175D3DCCD1}">
-              <a14:hiddenFill xmlns:a14="http://schemas.microsoft.com/office/drawing/2010/main">
+              <a14:hiddenFill xmlns:a14="http://schemas.microsoft.com/office/drawing/2010/main" xmlns="">
                 <a:solidFill>
                   <a:srgbClr val="FFFFFF"/>
                 </a:solidFill>
               </a14:hiddenFill>
             </a:ext>
             <a:ext uri="{91240B29-F687-4F45-9708-019B960494DF}">
-              <a14:hiddenLine xmlns:a14="http://schemas.microsoft.com/office/drawing/2010/main" w="12700">
+              <a14:hiddenLine xmlns:a14="http://schemas.microsoft.com/office/drawing/2010/main" xmlns="" w="12700">
                 <a:solidFill>
                   <a:srgbClr val="000000"/>
                 </a:solidFill>
@@ -3119,7 +6093,7 @@
               </a14:hiddenLine>
             </a:ext>
             <a:ext uri="{AF507438-7753-43E0-B8FC-AC1667EBCBE1}">
-              <a14:hiddenEffects xmlns:a14="http://schemas.microsoft.com/office/drawing/2010/main">
+              <a14:hiddenEffects xmlns:a14="http://schemas.microsoft.com/office/drawing/2010/main" xmlns="">
                 <a:effectLst>
                   <a:outerShdw dist="35921" dir="2700000" algn="ctr" rotWithShape="0">
                     <a:srgbClr val="808080"/>
@@ -3133,7 +6107,7 @@
     </p:spTree>
     <p:extLst>
       <p:ext uri="{BB962C8B-B14F-4D97-AF65-F5344CB8AC3E}">
-        <p14:creationId xmlns:p14="http://schemas.microsoft.com/office/powerpoint/2010/main" val="2809669178"/>
+        <p14:creationId xmlns:p14="http://schemas.microsoft.com/office/powerpoint/2010/main" xmlns="" val="2809669178"/>
       </p:ext>
     </p:extLst>
   </p:cSld>
@@ -3173,7 +6147,7 @@
           <a:blip r:embed="rId2">
             <a:extLst>
               <a:ext uri="{28A0092B-C50C-407E-A947-70E740481C1C}">
-                <a14:useLocalDpi xmlns:a14="http://schemas.microsoft.com/office/drawing/2010/main" val="0"/>
+                <a14:useLocalDpi xmlns:a14="http://schemas.microsoft.com/office/drawing/2010/main" xmlns="" val="0"/>
               </a:ext>
             </a:extLst>
           </a:blip>
@@ -3197,14 +6171,14 @@
           <a:effectLst/>
           <a:extLst>
             <a:ext uri="{909E8E84-426E-40DD-AFC4-6F175D3DCCD1}">
-              <a14:hiddenFill xmlns:a14="http://schemas.microsoft.com/office/drawing/2010/main">
+              <a14:hiddenFill xmlns:a14="http://schemas.microsoft.com/office/drawing/2010/main" xmlns="">
                 <a:solidFill>
                   <a:srgbClr val="FFFFFF"/>
                 </a:solidFill>
               </a14:hiddenFill>
             </a:ext>
             <a:ext uri="{91240B29-F687-4F45-9708-019B960494DF}">
-              <a14:hiddenLine xmlns:a14="http://schemas.microsoft.com/office/drawing/2010/main" w="12700">
+              <a14:hiddenLine xmlns:a14="http://schemas.microsoft.com/office/drawing/2010/main" xmlns="" w="12700">
                 <a:solidFill>
                   <a:srgbClr val="000000"/>
                 </a:solidFill>
@@ -3214,7 +6188,7 @@
               </a14:hiddenLine>
             </a:ext>
             <a:ext uri="{AF507438-7753-43E0-B8FC-AC1667EBCBE1}">
-              <a14:hiddenEffects xmlns:a14="http://schemas.microsoft.com/office/drawing/2010/main">
+              <a14:hiddenEffects xmlns:a14="http://schemas.microsoft.com/office/drawing/2010/main" xmlns="">
                 <a:effectLst>
                   <a:outerShdw dist="35921" dir="2700000" algn="ctr" rotWithShape="0">
                     <a:srgbClr val="808080"/>
@@ -3228,7 +6202,7 @@
     </p:spTree>
     <p:extLst>
       <p:ext uri="{BB962C8B-B14F-4D97-AF65-F5344CB8AC3E}">
-        <p14:creationId xmlns:p14="http://schemas.microsoft.com/office/powerpoint/2010/main" val="232626116"/>
+        <p14:creationId xmlns:p14="http://schemas.microsoft.com/office/powerpoint/2010/main" xmlns="" val="232626116"/>
       </p:ext>
     </p:extLst>
   </p:cSld>
@@ -3236,6 +6210,972 @@
     <a:masterClrMapping/>
   </p:clrMapOvr>
   <p:transition spd="med"/>
+</p:sld>
+</file>
+
+<file path=ppt/slides/slide4.xml><?xml version="1.0" encoding="utf-8"?>
+<p:sld xmlns:a="http://schemas.openxmlformats.org/drawingml/2006/main" xmlns:r="http://schemas.openxmlformats.org/officeDocument/2006/relationships" xmlns:p="http://schemas.openxmlformats.org/presentationml/2006/main">
+  <p:cSld>
+    <p:spTree>
+      <p:nvGrpSpPr>
+        <p:cNvPr id="1" name=""/>
+        <p:cNvGrpSpPr/>
+        <p:nvPr/>
+      </p:nvGrpSpPr>
+      <p:grpSpPr>
+        <a:xfrm>
+          <a:off x="0" y="0"/>
+          <a:ext cx="0" cy="0"/>
+          <a:chOff x="0" y="0"/>
+          <a:chExt cx="0" cy="0"/>
+        </a:xfrm>
+      </p:grpSpPr>
+      <p:pic>
+        <p:nvPicPr>
+          <p:cNvPr id="5122" name="Picture 1" descr="CPW05_editable_16x9.035.jpeg"/>
+          <p:cNvPicPr>
+            <a:picLocks noChangeAspect="1"/>
+          </p:cNvPicPr>
+          <p:nvPr/>
+        </p:nvPicPr>
+        <p:blipFill>
+          <a:blip r:embed="rId2">
+            <a:extLst>
+              <a:ext uri="{28A0092B-C50C-407E-A947-70E740481C1C}">
+                <a14:useLocalDpi xmlns:a14="http://schemas.microsoft.com/office/drawing/2010/main" xmlns="" val="0"/>
+              </a:ext>
+            </a:extLst>
+          </a:blip>
+          <a:srcRect/>
+          <a:stretch>
+            <a:fillRect/>
+          </a:stretch>
+        </p:blipFill>
+        <p:spPr bwMode="auto">
+          <a:xfrm>
+            <a:off x="0" y="0"/>
+            <a:ext cx="12192000" cy="6858000"/>
+          </a:xfrm>
+          <a:prstGeom prst="rect">
+            <a:avLst/>
+          </a:prstGeom>
+          <a:noFill/>
+          <a:ln>
+            <a:noFill/>
+          </a:ln>
+          <a:effectLst/>
+          <a:extLst>
+            <a:ext uri="{909E8E84-426E-40DD-AFC4-6F175D3DCCD1}">
+              <a14:hiddenFill xmlns:a14="http://schemas.microsoft.com/office/drawing/2010/main" xmlns="">
+                <a:solidFill>
+                  <a:srgbClr val="FFFFFF"/>
+                </a:solidFill>
+              </a14:hiddenFill>
+            </a:ext>
+            <a:ext uri="{91240B29-F687-4F45-9708-019B960494DF}">
+              <a14:hiddenLine xmlns:a14="http://schemas.microsoft.com/office/drawing/2010/main" xmlns="" w="12700">
+                <a:solidFill>
+                  <a:srgbClr val="000000"/>
+                </a:solidFill>
+                <a:miter lim="400000"/>
+                <a:headEnd/>
+                <a:tailEnd/>
+              </a14:hiddenLine>
+            </a:ext>
+            <a:ext uri="{AF507438-7753-43E0-B8FC-AC1667EBCBE1}">
+              <a14:hiddenEffects xmlns:a14="http://schemas.microsoft.com/office/drawing/2010/main" xmlns="">
+                <a:effectLst>
+                  <a:outerShdw dist="35921" dir="2700000" algn="ctr" rotWithShape="0">
+                    <a:srgbClr val="808080"/>
+                  </a:outerShdw>
+                </a:effectLst>
+              </a14:hiddenEffects>
+            </a:ext>
+          </a:extLst>
+        </p:spPr>
+      </p:pic>
+    </p:spTree>
+    <p:extLst>
+      <p:ext uri="{BB962C8B-B14F-4D97-AF65-F5344CB8AC3E}">
+        <p14:creationId xmlns:p14="http://schemas.microsoft.com/office/powerpoint/2010/main" xmlns="" val="3476940065"/>
+      </p:ext>
+    </p:extLst>
+  </p:cSld>
+  <p:clrMapOvr>
+    <a:masterClrMapping/>
+  </p:clrMapOvr>
+  <p:transition spd="med"/>
+</p:sld>
+</file>
+
+<file path=ppt/slides/slide5.xml><?xml version="1.0" encoding="utf-8"?>
+<p:sld xmlns:a="http://schemas.openxmlformats.org/drawingml/2006/main" xmlns:r="http://schemas.openxmlformats.org/officeDocument/2006/relationships" xmlns:p="http://schemas.openxmlformats.org/presentationml/2006/main">
+  <p:cSld>
+    <p:spTree>
+      <p:nvGrpSpPr>
+        <p:cNvPr id="1" name=""/>
+        <p:cNvGrpSpPr/>
+        <p:nvPr/>
+      </p:nvGrpSpPr>
+      <p:grpSpPr>
+        <a:xfrm>
+          <a:off x="0" y="0"/>
+          <a:ext cx="0" cy="0"/>
+          <a:chOff x="0" y="0"/>
+          <a:chExt cx="0" cy="0"/>
+        </a:xfrm>
+      </p:grpSpPr>
+      <p:pic>
+        <p:nvPicPr>
+          <p:cNvPr id="6146" name="Picture 1" descr="CPW05_editable_16x9.036.jpeg"/>
+          <p:cNvPicPr>
+            <a:picLocks noChangeAspect="1"/>
+          </p:cNvPicPr>
+          <p:nvPr/>
+        </p:nvPicPr>
+        <p:blipFill>
+          <a:blip r:embed="rId2">
+            <a:extLst>
+              <a:ext uri="{28A0092B-C50C-407E-A947-70E740481C1C}">
+                <a14:useLocalDpi xmlns:a14="http://schemas.microsoft.com/office/drawing/2010/main" xmlns="" val="0"/>
+              </a:ext>
+            </a:extLst>
+          </a:blip>
+          <a:srcRect/>
+          <a:stretch>
+            <a:fillRect/>
+          </a:stretch>
+        </p:blipFill>
+        <p:spPr bwMode="auto">
+          <a:xfrm>
+            <a:off x="0" y="0"/>
+            <a:ext cx="12192000" cy="6858000"/>
+          </a:xfrm>
+          <a:prstGeom prst="rect">
+            <a:avLst/>
+          </a:prstGeom>
+          <a:noFill/>
+          <a:ln>
+            <a:noFill/>
+          </a:ln>
+          <a:effectLst/>
+          <a:extLst>
+            <a:ext uri="{909E8E84-426E-40DD-AFC4-6F175D3DCCD1}">
+              <a14:hiddenFill xmlns:a14="http://schemas.microsoft.com/office/drawing/2010/main" xmlns="">
+                <a:solidFill>
+                  <a:srgbClr val="FFFFFF"/>
+                </a:solidFill>
+              </a14:hiddenFill>
+            </a:ext>
+            <a:ext uri="{91240B29-F687-4F45-9708-019B960494DF}">
+              <a14:hiddenLine xmlns:a14="http://schemas.microsoft.com/office/drawing/2010/main" xmlns="" w="12700">
+                <a:solidFill>
+                  <a:srgbClr val="000000"/>
+                </a:solidFill>
+                <a:miter lim="400000"/>
+                <a:headEnd/>
+                <a:tailEnd/>
+              </a14:hiddenLine>
+            </a:ext>
+            <a:ext uri="{AF507438-7753-43E0-B8FC-AC1667EBCBE1}">
+              <a14:hiddenEffects xmlns:a14="http://schemas.microsoft.com/office/drawing/2010/main" xmlns="">
+                <a:effectLst>
+                  <a:outerShdw dist="35921" dir="2700000" algn="ctr" rotWithShape="0">
+                    <a:srgbClr val="808080"/>
+                  </a:outerShdw>
+                </a:effectLst>
+              </a14:hiddenEffects>
+            </a:ext>
+          </a:extLst>
+        </p:spPr>
+      </p:pic>
+    </p:spTree>
+    <p:extLst>
+      <p:ext uri="{BB962C8B-B14F-4D97-AF65-F5344CB8AC3E}">
+        <p14:creationId xmlns:p14="http://schemas.microsoft.com/office/powerpoint/2010/main" xmlns="" val="21897731"/>
+      </p:ext>
+    </p:extLst>
+  </p:cSld>
+  <p:clrMapOvr>
+    <a:masterClrMapping/>
+  </p:clrMapOvr>
+  <p:transition spd="med"/>
+</p:sld>
+</file>
+
+<file path=ppt/slides/slide6.xml><?xml version="1.0" encoding="utf-8"?>
+<p:sld xmlns:a="http://schemas.openxmlformats.org/drawingml/2006/main" xmlns:r="http://schemas.openxmlformats.org/officeDocument/2006/relationships" xmlns:p="http://schemas.openxmlformats.org/presentationml/2006/main">
+  <p:cSld>
+    <p:spTree>
+      <p:nvGrpSpPr>
+        <p:cNvPr id="1" name=""/>
+        <p:cNvGrpSpPr/>
+        <p:nvPr/>
+      </p:nvGrpSpPr>
+      <p:grpSpPr>
+        <a:xfrm>
+          <a:off x="0" y="0"/>
+          <a:ext cx="0" cy="0"/>
+          <a:chOff x="0" y="0"/>
+          <a:chExt cx="0" cy="0"/>
+        </a:xfrm>
+      </p:grpSpPr>
+      <p:sp>
+        <p:nvSpPr>
+          <p:cNvPr id="43010" name="矩形 1"/>
+          <p:cNvSpPr>
+            <a:spLocks noChangeArrowheads="1"/>
+          </p:cNvSpPr>
+          <p:nvPr/>
+        </p:nvSpPr>
+        <p:spPr bwMode="auto">
+          <a:xfrm>
+            <a:off x="143339" y="1508787"/>
+            <a:ext cx="12042893" cy="4062647"/>
+          </a:xfrm>
+          <a:prstGeom prst="rect">
+            <a:avLst/>
+          </a:prstGeom>
+          <a:noFill/>
+          <a:ln w="9525">
+            <a:noFill/>
+            <a:miter lim="800000"/>
+            <a:headEnd/>
+            <a:tailEnd/>
+          </a:ln>
+        </p:spPr>
+        <p:txBody>
+          <a:bodyPr wrap="square" lIns="121917" tIns="60958" rIns="121917" bIns="60958">
+            <a:spAutoFit/>
+          </a:bodyPr>
+          <a:lstStyle/>
+          <a:p>
+            <a:pPr algn="ctr"/>
+            <a:r>
+              <a:rPr lang="zh-TW" altLang="zh-TW" sz="6400" b="1" dirty="0" smtClean="0">
+                <a:solidFill>
+                  <a:srgbClr val="FF0000"/>
+                </a:solidFill>
+                <a:latin typeface="標楷體" pitchFamily="65" charset="-120"/>
+                <a:ea typeface="標楷體" pitchFamily="65" charset="-120"/>
+              </a:rPr>
+              <a:t>主日學</a:t>
+            </a:r>
+            <a:r>
+              <a:rPr lang="en-US" altLang="zh-TW" sz="6400" b="1" dirty="0" smtClean="0">
+                <a:solidFill>
+                  <a:srgbClr val="FF0000"/>
+                </a:solidFill>
+                <a:latin typeface="標楷體" pitchFamily="65" charset="-120"/>
+                <a:ea typeface="標楷體" pitchFamily="65" charset="-120"/>
+              </a:rPr>
+              <a:t> </a:t>
+            </a:r>
+            <a:r>
+              <a:rPr lang="zh-TW" altLang="zh-TW" sz="6400" b="1" dirty="0" smtClean="0">
+                <a:solidFill>
+                  <a:srgbClr val="FF0000"/>
+                </a:solidFill>
+                <a:latin typeface="標楷體" pitchFamily="65" charset="-120"/>
+                <a:ea typeface="標楷體" pitchFamily="65" charset="-120"/>
+              </a:rPr>
+              <a:t>主日學</a:t>
+            </a:r>
+            <a:r>
+              <a:rPr lang="zh-TW" altLang="en-US" sz="6400" b="1" dirty="0">
+                <a:solidFill>
+                  <a:srgbClr val="FF0000"/>
+                </a:solidFill>
+                <a:latin typeface="標楷體" pitchFamily="65" charset="-120"/>
+                <a:ea typeface="標楷體" pitchFamily="65" charset="-120"/>
+              </a:rPr>
+              <a:t> </a:t>
+            </a:r>
+            <a:r>
+              <a:rPr lang="zh-TW" altLang="zh-TW" sz="6400" b="1" dirty="0" smtClean="0">
+                <a:solidFill>
+                  <a:srgbClr val="FF0000"/>
+                </a:solidFill>
+                <a:latin typeface="標楷體" pitchFamily="65" charset="-120"/>
+                <a:ea typeface="標楷體" pitchFamily="65" charset="-120"/>
+              </a:rPr>
+              <a:t>將</a:t>
+            </a:r>
+            <a:r>
+              <a:rPr lang="zh-TW" altLang="zh-TW" sz="6400" b="1" dirty="0">
+                <a:solidFill>
+                  <a:srgbClr val="FF0000"/>
+                </a:solidFill>
+                <a:latin typeface="標楷體" pitchFamily="65" charset="-120"/>
+                <a:ea typeface="標楷體" pitchFamily="65" charset="-120"/>
+              </a:rPr>
+              <a:t>聖經教導</a:t>
+            </a:r>
+            <a:r>
+              <a:rPr lang="zh-TW" altLang="zh-TW" sz="6400" b="1" dirty="0" smtClean="0">
+                <a:solidFill>
+                  <a:srgbClr val="FF0000"/>
+                </a:solidFill>
+                <a:latin typeface="標楷體" pitchFamily="65" charset="-120"/>
+                <a:ea typeface="標楷體" pitchFamily="65" charset="-120"/>
+              </a:rPr>
+              <a:t>人</a:t>
+            </a:r>
+            <a:r>
+              <a:rPr lang="en-US" altLang="zh-TW" sz="6400" b="1" dirty="0" smtClean="0">
+                <a:solidFill>
+                  <a:srgbClr val="FF0000"/>
+                </a:solidFill>
+                <a:latin typeface="標楷體" pitchFamily="65" charset="-120"/>
+                <a:ea typeface="標楷體" pitchFamily="65" charset="-120"/>
+              </a:rPr>
+              <a:t> </a:t>
+            </a:r>
+          </a:p>
+          <a:p>
+            <a:pPr algn="ctr"/>
+            <a:r>
+              <a:rPr lang="zh-TW" altLang="zh-TW" sz="6400" b="1" dirty="0" smtClean="0">
+                <a:solidFill>
+                  <a:srgbClr val="FF0000"/>
+                </a:solidFill>
+                <a:latin typeface="標楷體" pitchFamily="65" charset="-120"/>
+                <a:ea typeface="標楷體" pitchFamily="65" charset="-120"/>
+              </a:rPr>
+              <a:t>老年人</a:t>
+            </a:r>
+            <a:r>
+              <a:rPr lang="en-US" altLang="zh-TW" sz="6400" b="1" dirty="0" smtClean="0">
+                <a:solidFill>
+                  <a:srgbClr val="FF0000"/>
+                </a:solidFill>
+                <a:latin typeface="標楷體" pitchFamily="65" charset="-120"/>
+                <a:ea typeface="標楷體" pitchFamily="65" charset="-120"/>
+              </a:rPr>
+              <a:t> </a:t>
+            </a:r>
+            <a:r>
+              <a:rPr lang="zh-TW" altLang="zh-TW" sz="6400" b="1" dirty="0" smtClean="0">
+                <a:solidFill>
+                  <a:srgbClr val="FF0000"/>
+                </a:solidFill>
+                <a:latin typeface="標楷體" pitchFamily="65" charset="-120"/>
+                <a:ea typeface="標楷體" pitchFamily="65" charset="-120"/>
+              </a:rPr>
+              <a:t>少年人</a:t>
+            </a:r>
+            <a:r>
+              <a:rPr lang="en-US" altLang="zh-TW" sz="6400" b="1" dirty="0" smtClean="0">
+                <a:solidFill>
+                  <a:srgbClr val="FF0000"/>
+                </a:solidFill>
+                <a:latin typeface="標楷體" pitchFamily="65" charset="-120"/>
+                <a:ea typeface="標楷體" pitchFamily="65" charset="-120"/>
+              </a:rPr>
+              <a:t> </a:t>
+            </a:r>
+            <a:r>
+              <a:rPr lang="zh-TW" altLang="zh-TW" sz="6400" b="1" dirty="0" smtClean="0">
+                <a:solidFill>
+                  <a:srgbClr val="FF0000"/>
+                </a:solidFill>
+                <a:latin typeface="標楷體" pitchFamily="65" charset="-120"/>
+                <a:ea typeface="標楷體" pitchFamily="65" charset="-120"/>
+              </a:rPr>
+              <a:t>來</a:t>
+            </a:r>
+            <a:r>
+              <a:rPr lang="zh-TW" altLang="zh-TW" sz="6400" b="1" dirty="0">
+                <a:solidFill>
+                  <a:srgbClr val="FF0000"/>
+                </a:solidFill>
+                <a:latin typeface="標楷體" pitchFamily="65" charset="-120"/>
+                <a:ea typeface="標楷體" pitchFamily="65" charset="-120"/>
+              </a:rPr>
+              <a:t>與真理</a:t>
+            </a:r>
+            <a:r>
+              <a:rPr lang="zh-TW" altLang="zh-TW" sz="6400" b="1" dirty="0" smtClean="0">
+                <a:solidFill>
+                  <a:srgbClr val="FF0000"/>
+                </a:solidFill>
+                <a:latin typeface="標楷體" pitchFamily="65" charset="-120"/>
+                <a:ea typeface="標楷體" pitchFamily="65" charset="-120"/>
+              </a:rPr>
+              <a:t>親近</a:t>
+            </a:r>
+            <a:endParaRPr lang="en-US" altLang="zh-TW" sz="6400" b="1" dirty="0">
+              <a:solidFill>
+                <a:srgbClr val="FF0000"/>
+              </a:solidFill>
+              <a:latin typeface="標楷體" pitchFamily="65" charset="-120"/>
+              <a:ea typeface="標楷體" pitchFamily="65" charset="-120"/>
+            </a:endParaRPr>
+          </a:p>
+          <a:p>
+            <a:pPr algn="ctr"/>
+            <a:r>
+              <a:rPr lang="zh-TW" altLang="zh-TW" sz="6400" b="1" dirty="0" smtClean="0">
+                <a:solidFill>
+                  <a:srgbClr val="FF0000"/>
+                </a:solidFill>
+                <a:latin typeface="標楷體" pitchFamily="65" charset="-120"/>
+                <a:ea typeface="標楷體" pitchFamily="65" charset="-120"/>
+              </a:rPr>
+              <a:t>兄</a:t>
+            </a:r>
+            <a:r>
+              <a:rPr lang="zh-TW" altLang="zh-TW" sz="6400" b="1" dirty="0">
+                <a:solidFill>
+                  <a:srgbClr val="FF0000"/>
+                </a:solidFill>
+                <a:latin typeface="標楷體" pitchFamily="65" charset="-120"/>
+                <a:ea typeface="標楷體" pitchFamily="65" charset="-120"/>
+              </a:rPr>
+              <a:t>弟妹相關</a:t>
+            </a:r>
+            <a:r>
+              <a:rPr lang="zh-TW" altLang="zh-TW" sz="6400" b="1" dirty="0" smtClean="0">
+                <a:solidFill>
+                  <a:srgbClr val="FF0000"/>
+                </a:solidFill>
+                <a:latin typeface="標楷體" pitchFamily="65" charset="-120"/>
+                <a:ea typeface="標楷體" pitchFamily="65" charset="-120"/>
+              </a:rPr>
+              <a:t>心</a:t>
+            </a:r>
+            <a:r>
+              <a:rPr lang="en-US" altLang="zh-TW" sz="6400" b="1" dirty="0" smtClean="0">
+                <a:solidFill>
+                  <a:srgbClr val="FF0000"/>
+                </a:solidFill>
+                <a:latin typeface="標楷體" pitchFamily="65" charset="-120"/>
+                <a:ea typeface="標楷體" pitchFamily="65" charset="-120"/>
+              </a:rPr>
+              <a:t> </a:t>
+            </a:r>
+            <a:r>
+              <a:rPr lang="zh-TW" altLang="zh-TW" sz="6400" b="1" dirty="0" smtClean="0">
+                <a:solidFill>
+                  <a:srgbClr val="FF0000"/>
+                </a:solidFill>
+                <a:latin typeface="標楷體" pitchFamily="65" charset="-120"/>
+                <a:ea typeface="標楷體" pitchFamily="65" charset="-120"/>
+              </a:rPr>
+              <a:t>齊</a:t>
+            </a:r>
+            <a:r>
+              <a:rPr lang="zh-TW" altLang="zh-TW" sz="6400" b="1" dirty="0">
+                <a:solidFill>
+                  <a:srgbClr val="FF0000"/>
+                </a:solidFill>
+                <a:latin typeface="標楷體" pitchFamily="65" charset="-120"/>
+                <a:ea typeface="標楷體" pitchFamily="65" charset="-120"/>
+              </a:rPr>
+              <a:t>勉勵見</a:t>
+            </a:r>
+            <a:r>
+              <a:rPr lang="zh-TW" altLang="zh-TW" sz="6400" b="1" dirty="0" smtClean="0">
+                <a:solidFill>
+                  <a:srgbClr val="FF0000"/>
+                </a:solidFill>
+                <a:latin typeface="標楷體" pitchFamily="65" charset="-120"/>
+                <a:ea typeface="標楷體" pitchFamily="65" charset="-120"/>
+              </a:rPr>
+              <a:t>真心</a:t>
+            </a:r>
+            <a:endParaRPr lang="en-US" altLang="zh-TW" sz="6400" b="1" dirty="0" smtClean="0">
+              <a:solidFill>
+                <a:srgbClr val="FF0000"/>
+              </a:solidFill>
+              <a:latin typeface="標楷體" pitchFamily="65" charset="-120"/>
+              <a:ea typeface="標楷體" pitchFamily="65" charset="-120"/>
+            </a:endParaRPr>
+          </a:p>
+          <a:p>
+            <a:pPr algn="ctr"/>
+            <a:r>
+              <a:rPr lang="zh-TW" altLang="zh-TW" sz="6400" b="1" dirty="0" smtClean="0">
+                <a:solidFill>
+                  <a:srgbClr val="FF0000"/>
+                </a:solidFill>
+                <a:latin typeface="標楷體" pitchFamily="65" charset="-120"/>
+                <a:ea typeface="標楷體" pitchFamily="65" charset="-120"/>
+              </a:rPr>
+              <a:t>一起</a:t>
+            </a:r>
+            <a:r>
+              <a:rPr lang="zh-TW" altLang="zh-TW" sz="6400" b="1" dirty="0">
+                <a:solidFill>
+                  <a:srgbClr val="FF0000"/>
+                </a:solidFill>
+                <a:latin typeface="標楷體" pitchFamily="65" charset="-120"/>
+                <a:ea typeface="標楷體" pitchFamily="65" charset="-120"/>
+              </a:rPr>
+              <a:t>哼出歡樂</a:t>
+            </a:r>
+            <a:r>
+              <a:rPr lang="zh-TW" altLang="zh-TW" sz="6400" b="1" dirty="0" smtClean="0">
+                <a:solidFill>
+                  <a:srgbClr val="FF0000"/>
+                </a:solidFill>
+                <a:latin typeface="標楷體" pitchFamily="65" charset="-120"/>
+                <a:ea typeface="標楷體" pitchFamily="65" charset="-120"/>
+              </a:rPr>
+              <a:t>音韻</a:t>
+            </a:r>
+            <a:endParaRPr lang="zh-TW" altLang="en-US" sz="6400" b="1" dirty="0">
+              <a:solidFill>
+                <a:srgbClr val="FF0000"/>
+              </a:solidFill>
+              <a:latin typeface="標楷體" pitchFamily="65" charset="-120"/>
+              <a:ea typeface="標楷體" pitchFamily="65" charset="-120"/>
+            </a:endParaRPr>
+          </a:p>
+        </p:txBody>
+      </p:sp>
+      <p:sp>
+        <p:nvSpPr>
+          <p:cNvPr id="43011" name="矩形 2"/>
+          <p:cNvSpPr>
+            <a:spLocks noChangeArrowheads="1"/>
+          </p:cNvSpPr>
+          <p:nvPr/>
+        </p:nvSpPr>
+        <p:spPr bwMode="auto">
+          <a:xfrm>
+            <a:off x="-5768" y="164638"/>
+            <a:ext cx="12192000" cy="1025921"/>
+          </a:xfrm>
+          <a:prstGeom prst="rect">
+            <a:avLst/>
+          </a:prstGeom>
+          <a:noFill/>
+          <a:ln w="9525">
+            <a:noFill/>
+            <a:miter lim="800000"/>
+            <a:headEnd/>
+            <a:tailEnd/>
+          </a:ln>
+        </p:spPr>
+        <p:txBody>
+          <a:bodyPr wrap="square" lIns="121917" tIns="60958" rIns="121917" bIns="60958">
+            <a:spAutoFit/>
+          </a:bodyPr>
+          <a:lstStyle/>
+          <a:p>
+            <a:pPr algn="ctr"/>
+            <a:r>
+              <a:rPr lang="zh-TW" altLang="zh-TW" sz="5900" b="1" dirty="0" smtClean="0">
+                <a:solidFill>
+                  <a:srgbClr val="FF0000"/>
+                </a:solidFill>
+                <a:latin typeface="標楷體" pitchFamily="65" charset="-120"/>
+                <a:ea typeface="標楷體" pitchFamily="65" charset="-120"/>
+              </a:rPr>
+              <a:t>主日學</a:t>
+            </a:r>
+            <a:endParaRPr lang="zh-TW" altLang="en-US" sz="5900" b="1" dirty="0">
+              <a:solidFill>
+                <a:srgbClr val="FF0000"/>
+              </a:solidFill>
+              <a:latin typeface="標楷體" pitchFamily="65" charset="-120"/>
+              <a:ea typeface="標楷體" pitchFamily="65" charset="-120"/>
+            </a:endParaRPr>
+          </a:p>
+        </p:txBody>
+      </p:sp>
+    </p:spTree>
+  </p:cSld>
+  <p:clrMapOvr>
+    <a:masterClrMapping/>
+  </p:clrMapOvr>
+  <p:transition/>
+  <p:timing>
+    <p:tnLst>
+      <p:par>
+        <p:cTn id="1" dur="indefinite" restart="never" nodeType="tmRoot"/>
+      </p:par>
+    </p:tnLst>
+  </p:timing>
+</p:sld>
+</file>
+
+<file path=ppt/slides/slide7.xml><?xml version="1.0" encoding="utf-8"?>
+<p:sld xmlns:a="http://schemas.openxmlformats.org/drawingml/2006/main" xmlns:r="http://schemas.openxmlformats.org/officeDocument/2006/relationships" xmlns:p="http://schemas.openxmlformats.org/presentationml/2006/main">
+  <p:cSld>
+    <p:spTree>
+      <p:nvGrpSpPr>
+        <p:cNvPr id="1" name=""/>
+        <p:cNvGrpSpPr/>
+        <p:nvPr/>
+      </p:nvGrpSpPr>
+      <p:grpSpPr>
+        <a:xfrm>
+          <a:off x="0" y="0"/>
+          <a:ext cx="0" cy="0"/>
+          <a:chOff x="0" y="0"/>
+          <a:chExt cx="0" cy="0"/>
+        </a:xfrm>
+      </p:grpSpPr>
+      <p:sp>
+        <p:nvSpPr>
+          <p:cNvPr id="43010" name="矩形 1"/>
+          <p:cNvSpPr>
+            <a:spLocks noChangeArrowheads="1"/>
+          </p:cNvSpPr>
+          <p:nvPr/>
+        </p:nvSpPr>
+        <p:spPr bwMode="auto">
+          <a:xfrm>
+            <a:off x="0" y="1508787"/>
+            <a:ext cx="12186232" cy="3077762"/>
+          </a:xfrm>
+          <a:prstGeom prst="rect">
+            <a:avLst/>
+          </a:prstGeom>
+          <a:noFill/>
+          <a:ln w="9525">
+            <a:noFill/>
+            <a:miter lim="800000"/>
+            <a:headEnd/>
+            <a:tailEnd/>
+          </a:ln>
+        </p:spPr>
+        <p:txBody>
+          <a:bodyPr wrap="square" lIns="121917" tIns="60958" rIns="121917" bIns="60958">
+            <a:spAutoFit/>
+          </a:bodyPr>
+          <a:lstStyle/>
+          <a:p>
+            <a:pPr algn="ctr"/>
+            <a:r>
+              <a:rPr lang="zh-TW" altLang="en-US" sz="6400" b="1" dirty="0">
+                <a:solidFill>
+                  <a:srgbClr val="FF0000"/>
+                </a:solidFill>
+                <a:latin typeface="標楷體" pitchFamily="65" charset="-120"/>
+                <a:ea typeface="標楷體" pitchFamily="65" charset="-120"/>
+              </a:rPr>
+              <a:t>願</a:t>
+            </a:r>
+            <a:r>
+              <a:rPr lang="zh-TW" altLang="en-US" sz="6400" b="1" dirty="0" smtClean="0">
+                <a:solidFill>
+                  <a:srgbClr val="FF0000"/>
+                </a:solidFill>
+                <a:latin typeface="標楷體" pitchFamily="65" charset="-120"/>
+                <a:ea typeface="標楷體" pitchFamily="65" charset="-120"/>
+              </a:rPr>
+              <a:t>意 願意 願意 願</a:t>
+            </a:r>
+            <a:r>
+              <a:rPr lang="zh-TW" altLang="en-US" sz="6400" b="1" dirty="0">
+                <a:solidFill>
+                  <a:srgbClr val="FF0000"/>
+                </a:solidFill>
+                <a:latin typeface="標楷體" pitchFamily="65" charset="-120"/>
+                <a:ea typeface="標楷體" pitchFamily="65" charset="-120"/>
+              </a:rPr>
+              <a:t>意</a:t>
+            </a:r>
+          </a:p>
+          <a:p>
+            <a:pPr algn="ctr"/>
+            <a:r>
+              <a:rPr lang="zh-TW" altLang="en-US" sz="6400" b="1" dirty="0">
+                <a:solidFill>
+                  <a:srgbClr val="FF0000"/>
+                </a:solidFill>
+                <a:latin typeface="標楷體" pitchFamily="65" charset="-120"/>
+                <a:ea typeface="標楷體" pitchFamily="65" charset="-120"/>
+              </a:rPr>
+              <a:t>聽祂愛的教訓</a:t>
+            </a:r>
+          </a:p>
+          <a:p>
+            <a:pPr algn="ctr"/>
+            <a:r>
+              <a:rPr lang="zh-TW" altLang="en-US" sz="6400" b="1" dirty="0">
+                <a:solidFill>
+                  <a:srgbClr val="FF0000"/>
+                </a:solidFill>
+                <a:latin typeface="標楷體" pitchFamily="65" charset="-120"/>
+                <a:ea typeface="標楷體" pitchFamily="65" charset="-120"/>
+              </a:rPr>
+              <a:t>硏究聖經不了解最緊要去問</a:t>
+            </a:r>
+          </a:p>
+        </p:txBody>
+      </p:sp>
+      <p:sp>
+        <p:nvSpPr>
+          <p:cNvPr id="43011" name="矩形 2"/>
+          <p:cNvSpPr>
+            <a:spLocks noChangeArrowheads="1"/>
+          </p:cNvSpPr>
+          <p:nvPr/>
+        </p:nvSpPr>
+        <p:spPr bwMode="auto">
+          <a:xfrm>
+            <a:off x="-5768" y="164638"/>
+            <a:ext cx="12192000" cy="1025921"/>
+          </a:xfrm>
+          <a:prstGeom prst="rect">
+            <a:avLst/>
+          </a:prstGeom>
+          <a:noFill/>
+          <a:ln w="9525">
+            <a:noFill/>
+            <a:miter lim="800000"/>
+            <a:headEnd/>
+            <a:tailEnd/>
+          </a:ln>
+        </p:spPr>
+        <p:txBody>
+          <a:bodyPr wrap="square" lIns="121917" tIns="60958" rIns="121917" bIns="60958">
+            <a:spAutoFit/>
+          </a:bodyPr>
+          <a:lstStyle/>
+          <a:p>
+            <a:pPr algn="ctr"/>
+            <a:r>
+              <a:rPr lang="zh-TW" altLang="zh-TW" sz="5900" b="1" dirty="0" smtClean="0">
+                <a:solidFill>
+                  <a:srgbClr val="FF0000"/>
+                </a:solidFill>
+                <a:latin typeface="標楷體" pitchFamily="65" charset="-120"/>
+                <a:ea typeface="標楷體" pitchFamily="65" charset="-120"/>
+              </a:rPr>
+              <a:t>主日學</a:t>
+            </a:r>
+            <a:endParaRPr lang="zh-TW" altLang="en-US" sz="5900" b="1" dirty="0">
+              <a:solidFill>
+                <a:srgbClr val="FF0000"/>
+              </a:solidFill>
+              <a:latin typeface="標楷體" pitchFamily="65" charset="-120"/>
+              <a:ea typeface="標楷體" pitchFamily="65" charset="-120"/>
+            </a:endParaRPr>
+          </a:p>
+        </p:txBody>
+      </p:sp>
+    </p:spTree>
+    <p:extLst>
+      <p:ext uri="{BB962C8B-B14F-4D97-AF65-F5344CB8AC3E}">
+        <p14:creationId xmlns:p14="http://schemas.microsoft.com/office/powerpoint/2010/main" xmlns="" val="2696121007"/>
+      </p:ext>
+    </p:extLst>
+  </p:cSld>
+  <p:clrMapOvr>
+    <a:masterClrMapping/>
+  </p:clrMapOvr>
+  <p:transition/>
+  <p:timing>
+    <p:tnLst>
+      <p:par>
+        <p:cTn id="1" dur="indefinite" restart="never" nodeType="tmRoot"/>
+      </p:par>
+    </p:tnLst>
+  </p:timing>
+</p:sld>
+</file>
+
+<file path=ppt/slides/slide8.xml><?xml version="1.0" encoding="utf-8"?>
+<p:sld xmlns:a="http://schemas.openxmlformats.org/drawingml/2006/main" xmlns:r="http://schemas.openxmlformats.org/officeDocument/2006/relationships" xmlns:p="http://schemas.openxmlformats.org/presentationml/2006/main">
+  <p:cSld>
+    <p:spTree>
+      <p:nvGrpSpPr>
+        <p:cNvPr id="1" name=""/>
+        <p:cNvGrpSpPr/>
+        <p:nvPr/>
+      </p:nvGrpSpPr>
+      <p:grpSpPr>
+        <a:xfrm>
+          <a:off x="0" y="0"/>
+          <a:ext cx="0" cy="0"/>
+          <a:chOff x="0" y="0"/>
+          <a:chExt cx="0" cy="0"/>
+        </a:xfrm>
+      </p:grpSpPr>
+      <p:sp>
+        <p:nvSpPr>
+          <p:cNvPr id="43010" name="矩形 1"/>
+          <p:cNvSpPr>
+            <a:spLocks noChangeArrowheads="1"/>
+          </p:cNvSpPr>
+          <p:nvPr/>
+        </p:nvSpPr>
+        <p:spPr bwMode="auto">
+          <a:xfrm>
+            <a:off x="-5768" y="1508787"/>
+            <a:ext cx="12192000" cy="3077762"/>
+          </a:xfrm>
+          <a:prstGeom prst="rect">
+            <a:avLst/>
+          </a:prstGeom>
+          <a:noFill/>
+          <a:ln w="9525">
+            <a:noFill/>
+            <a:miter lim="800000"/>
+            <a:headEnd/>
+            <a:tailEnd/>
+          </a:ln>
+        </p:spPr>
+        <p:txBody>
+          <a:bodyPr wrap="square" lIns="121917" tIns="60958" rIns="121917" bIns="60958">
+            <a:spAutoFit/>
+          </a:bodyPr>
+          <a:lstStyle/>
+          <a:p>
+            <a:pPr algn="ctr"/>
+            <a:r>
+              <a:rPr lang="zh-TW" altLang="en-US" sz="6400" b="1" dirty="0">
+                <a:solidFill>
+                  <a:srgbClr val="FF0000"/>
+                </a:solidFill>
+                <a:latin typeface="標楷體" pitchFamily="65" charset="-120"/>
+                <a:ea typeface="標楷體" pitchFamily="65" charset="-120"/>
+              </a:rPr>
+              <a:t>做</a:t>
+            </a:r>
+            <a:r>
+              <a:rPr lang="zh-TW" altLang="en-US" sz="6400" b="1" dirty="0" smtClean="0">
+                <a:solidFill>
+                  <a:srgbClr val="FF0000"/>
+                </a:solidFill>
+                <a:latin typeface="標楷體" pitchFamily="65" charset="-120"/>
+                <a:ea typeface="標楷體" pitchFamily="65" charset="-120"/>
+              </a:rPr>
+              <a:t>個 做個 做個 做</a:t>
+            </a:r>
+            <a:r>
+              <a:rPr lang="zh-TW" altLang="en-US" sz="6400" b="1" dirty="0">
+                <a:solidFill>
+                  <a:srgbClr val="FF0000"/>
+                </a:solidFill>
+                <a:latin typeface="標楷體" pitchFamily="65" charset="-120"/>
+                <a:ea typeface="標楷體" pitchFamily="65" charset="-120"/>
+              </a:rPr>
+              <a:t>個好學生</a:t>
+            </a:r>
+          </a:p>
+          <a:p>
+            <a:pPr algn="ctr"/>
+            <a:r>
+              <a:rPr lang="zh-TW" altLang="en-US" sz="6400" b="1" dirty="0">
+                <a:solidFill>
+                  <a:srgbClr val="FF0000"/>
+                </a:solidFill>
+                <a:latin typeface="標楷體" pitchFamily="65" charset="-120"/>
+                <a:ea typeface="標楷體" pitchFamily="65" charset="-120"/>
+              </a:rPr>
+              <a:t>遵主旨意作快樂人</a:t>
+            </a:r>
+          </a:p>
+          <a:p>
+            <a:pPr algn="ctr"/>
+            <a:r>
+              <a:rPr lang="zh-TW" altLang="en-US" sz="6400" b="1" dirty="0">
+                <a:solidFill>
+                  <a:srgbClr val="FF0000"/>
+                </a:solidFill>
+                <a:latin typeface="標楷體" pitchFamily="65" charset="-120"/>
+                <a:ea typeface="標楷體" pitchFamily="65" charset="-120"/>
+              </a:rPr>
+              <a:t>完全奉獻 </a:t>
+            </a:r>
+            <a:r>
+              <a:rPr lang="zh-TW" altLang="en-US" sz="6400" b="1" dirty="0" smtClean="0">
+                <a:solidFill>
+                  <a:srgbClr val="FF0000"/>
+                </a:solidFill>
+                <a:latin typeface="標楷體" pitchFamily="65" charset="-120"/>
+                <a:ea typeface="標楷體" pitchFamily="65" charset="-120"/>
+              </a:rPr>
+              <a:t>步</a:t>
+            </a:r>
+            <a:r>
+              <a:rPr lang="zh-TW" altLang="en-US" sz="6400" b="1" dirty="0">
+                <a:solidFill>
+                  <a:srgbClr val="FF0000"/>
+                </a:solidFill>
+                <a:latin typeface="標楷體" pitchFamily="65" charset="-120"/>
+                <a:ea typeface="標楷體" pitchFamily="65" charset="-120"/>
+              </a:rPr>
+              <a:t>向永生</a:t>
+            </a:r>
+          </a:p>
+        </p:txBody>
+      </p:sp>
+      <p:sp>
+        <p:nvSpPr>
+          <p:cNvPr id="43011" name="矩形 2"/>
+          <p:cNvSpPr>
+            <a:spLocks noChangeArrowheads="1"/>
+          </p:cNvSpPr>
+          <p:nvPr/>
+        </p:nvSpPr>
+        <p:spPr bwMode="auto">
+          <a:xfrm>
+            <a:off x="-5768" y="164638"/>
+            <a:ext cx="12192000" cy="1025921"/>
+          </a:xfrm>
+          <a:prstGeom prst="rect">
+            <a:avLst/>
+          </a:prstGeom>
+          <a:noFill/>
+          <a:ln w="9525">
+            <a:noFill/>
+            <a:miter lim="800000"/>
+            <a:headEnd/>
+            <a:tailEnd/>
+          </a:ln>
+        </p:spPr>
+        <p:txBody>
+          <a:bodyPr wrap="square" lIns="121917" tIns="60958" rIns="121917" bIns="60958">
+            <a:spAutoFit/>
+          </a:bodyPr>
+          <a:lstStyle/>
+          <a:p>
+            <a:pPr algn="ctr"/>
+            <a:r>
+              <a:rPr lang="zh-TW" altLang="zh-TW" sz="5900" b="1" dirty="0" smtClean="0">
+                <a:solidFill>
+                  <a:srgbClr val="FF0000"/>
+                </a:solidFill>
+                <a:latin typeface="標楷體" pitchFamily="65" charset="-120"/>
+                <a:ea typeface="標楷體" pitchFamily="65" charset="-120"/>
+              </a:rPr>
+              <a:t>主日學</a:t>
+            </a:r>
+            <a:endParaRPr lang="zh-TW" altLang="en-US" sz="5900" b="1" dirty="0">
+              <a:solidFill>
+                <a:srgbClr val="FF0000"/>
+              </a:solidFill>
+              <a:latin typeface="標楷體" pitchFamily="65" charset="-120"/>
+              <a:ea typeface="標楷體" pitchFamily="65" charset="-120"/>
+            </a:endParaRPr>
+          </a:p>
+        </p:txBody>
+      </p:sp>
+    </p:spTree>
+    <p:extLst>
+      <p:ext uri="{BB962C8B-B14F-4D97-AF65-F5344CB8AC3E}">
+        <p14:creationId xmlns:p14="http://schemas.microsoft.com/office/powerpoint/2010/main" xmlns="" val="638720006"/>
+      </p:ext>
+    </p:extLst>
+  </p:cSld>
+  <p:clrMapOvr>
+    <a:masterClrMapping/>
+  </p:clrMapOvr>
+  <p:transition/>
+  <p:timing>
+    <p:tnLst>
+      <p:par>
+        <p:cTn id="1" dur="indefinite" restart="never" nodeType="tmRoot"/>
+      </p:par>
+    </p:tnLst>
+  </p:timing>
 </p:sld>
 </file>
 
@@ -3282,7 +7222,7 @@
     </a:clrScheme>
     <a:fontScheme name="Office">
       <a:majorFont>
-        <a:latin typeface="Calibri Light" panose="020F0302020204030204"/>
+        <a:latin typeface="Calibri Light"/>
         <a:ea typeface=""/>
         <a:cs typeface=""/>
         <a:font script="Jpan" typeface="游ゴシック Light"/>
@@ -3317,7 +7257,7 @@
         <a:font script="Geor" typeface="Sylfaen"/>
       </a:majorFont>
       <a:minorFont>
-        <a:latin typeface="Calibri" panose="020F0502020204030204"/>
+        <a:latin typeface="Calibri"/>
         <a:ea typeface=""/>
         <a:cs typeface=""/>
         <a:font script="Jpan" typeface="游ゴシック"/>
@@ -3494,8 +7434,291 @@
   <a:extraClrSchemeLst/>
   <a:extLst>
     <a:ext uri="{05A4C25C-085E-4340-85A3-A5531E510DB2}">
-      <thm15:themeFamily xmlns:thm15="http://schemas.microsoft.com/office/thememl/2012/main" name="Office Theme" id="{62F939B6-93AF-4DB8-9C6B-D6C7DFDC589F}" vid="{4A3C46E8-61CC-4603-A589-7422A47A8E4A}"/>
+      <thm15:themeFamily xmlns:thm15="http://schemas.microsoft.com/office/thememl/2012/main" xmlns="" name="Office Theme" id="{62F939B6-93AF-4DB8-9C6B-D6C7DFDC589F}" vid="{4A3C46E8-61CC-4603-A589-7422A47A8E4A}"/>
     </a:ext>
   </a:extLst>
 </a:theme>
+</file>
+
+<file path=ppt/theme/theme2.xml><?xml version="1.0" encoding="utf-8"?>
+<a:theme xmlns:a="http://schemas.openxmlformats.org/drawingml/2006/main" name="佈景主題4">
+  <a:themeElements>
+    <a:clrScheme name="Office">
+      <a:dk1>
+        <a:sysClr val="windowText" lastClr="000000"/>
+      </a:dk1>
+      <a:lt1>
+        <a:sysClr val="window" lastClr="FFFFFF"/>
+      </a:lt1>
+      <a:dk2>
+        <a:srgbClr val="1F497D"/>
+      </a:dk2>
+      <a:lt2>
+        <a:srgbClr val="EEECE1"/>
+      </a:lt2>
+      <a:accent1>
+        <a:srgbClr val="4F81BD"/>
+      </a:accent1>
+      <a:accent2>
+        <a:srgbClr val="C0504D"/>
+      </a:accent2>
+      <a:accent3>
+        <a:srgbClr val="9BBB59"/>
+      </a:accent3>
+      <a:accent4>
+        <a:srgbClr val="8064A2"/>
+      </a:accent4>
+      <a:accent5>
+        <a:srgbClr val="4BACC6"/>
+      </a:accent5>
+      <a:accent6>
+        <a:srgbClr val="F79646"/>
+      </a:accent6>
+      <a:hlink>
+        <a:srgbClr val="0000FF"/>
+      </a:hlink>
+      <a:folHlink>
+        <a:srgbClr val="800080"/>
+      </a:folHlink>
+    </a:clrScheme>
+    <a:fontScheme name="Office">
+      <a:majorFont>
+        <a:latin typeface="Calibri"/>
+        <a:ea typeface=""/>
+        <a:cs typeface=""/>
+        <a:font script="Jpan" typeface="ＭＳ Ｐゴシック"/>
+        <a:font script="Hang" typeface="맑은 고딕"/>
+        <a:font script="Hans" typeface="宋体"/>
+        <a:font script="Hant" typeface="新細明體"/>
+        <a:font script="Arab" typeface="Times New Roman"/>
+        <a:font script="Hebr" typeface="Times New Roman"/>
+        <a:font script="Thai" typeface="Angsana New"/>
+        <a:font script="Ethi" typeface="Nyala"/>
+        <a:font script="Beng" typeface="Vrinda"/>
+        <a:font script="Gujr" typeface="Shruti"/>
+        <a:font script="Khmr" typeface="MoolBoran"/>
+        <a:font script="Knda" typeface="Tunga"/>
+        <a:font script="Guru" typeface="Raavi"/>
+        <a:font script="Cans" typeface="Euphemia"/>
+        <a:font script="Cher" typeface="Plantagenet Cherokee"/>
+        <a:font script="Yiii" typeface="Microsoft Yi Baiti"/>
+        <a:font script="Tibt" typeface="Microsoft Himalaya"/>
+        <a:font script="Thaa" typeface="MV Boli"/>
+        <a:font script="Deva" typeface="Mangal"/>
+        <a:font script="Telu" typeface="Gautami"/>
+        <a:font script="Taml" typeface="Latha"/>
+        <a:font script="Syrc" typeface="Estrangelo Edessa"/>
+        <a:font script="Orya" typeface="Kalinga"/>
+        <a:font script="Mlym" typeface="Kartika"/>
+        <a:font script="Laoo" typeface="DokChampa"/>
+        <a:font script="Sinh" typeface="Iskoola Pota"/>
+        <a:font script="Mong" typeface="Mongolian Baiti"/>
+        <a:font script="Viet" typeface="Times New Roman"/>
+        <a:font script="Uigh" typeface="Microsoft Uighur"/>
+      </a:majorFont>
+      <a:minorFont>
+        <a:latin typeface="Calibri"/>
+        <a:ea typeface=""/>
+        <a:cs typeface=""/>
+        <a:font script="Jpan" typeface="ＭＳ Ｐゴシック"/>
+        <a:font script="Hang" typeface="맑은 고딕"/>
+        <a:font script="Hans" typeface="宋体"/>
+        <a:font script="Hant" typeface="新細明體"/>
+        <a:font script="Arab" typeface="Arial"/>
+        <a:font script="Hebr" typeface="Arial"/>
+        <a:font script="Thai" typeface="Cordia New"/>
+        <a:font script="Ethi" typeface="Nyala"/>
+        <a:font script="Beng" typeface="Vrinda"/>
+        <a:font script="Gujr" typeface="Shruti"/>
+        <a:font script="Khmr" typeface="DaunPenh"/>
+        <a:font script="Knda" typeface="Tunga"/>
+        <a:font script="Guru" typeface="Raavi"/>
+        <a:font script="Cans" typeface="Euphemia"/>
+        <a:font script="Cher" typeface="Plantagenet Cherokee"/>
+        <a:font script="Yiii" typeface="Microsoft Yi Baiti"/>
+        <a:font script="Tibt" typeface="Microsoft Himalaya"/>
+        <a:font script="Thaa" typeface="MV Boli"/>
+        <a:font script="Deva" typeface="Mangal"/>
+        <a:font script="Telu" typeface="Gautami"/>
+        <a:font script="Taml" typeface="Latha"/>
+        <a:font script="Syrc" typeface="Estrangelo Edessa"/>
+        <a:font script="Orya" typeface="Kalinga"/>
+        <a:font script="Mlym" typeface="Kartika"/>
+        <a:font script="Laoo" typeface="DokChampa"/>
+        <a:font script="Sinh" typeface="Iskoola Pota"/>
+        <a:font script="Mong" typeface="Mongolian Baiti"/>
+        <a:font script="Viet" typeface="Arial"/>
+        <a:font script="Uigh" typeface="Microsoft Uighur"/>
+      </a:minorFont>
+    </a:fontScheme>
+    <a:fmtScheme name="Office">
+      <a:fillStyleLst>
+        <a:solidFill>
+          <a:schemeClr val="phClr"/>
+        </a:solidFill>
+        <a:gradFill rotWithShape="1">
+          <a:gsLst>
+            <a:gs pos="0">
+              <a:schemeClr val="phClr">
+                <a:tint val="50000"/>
+                <a:satMod val="300000"/>
+              </a:schemeClr>
+            </a:gs>
+            <a:gs pos="35000">
+              <a:schemeClr val="phClr">
+                <a:tint val="37000"/>
+                <a:satMod val="300000"/>
+              </a:schemeClr>
+            </a:gs>
+            <a:gs pos="100000">
+              <a:schemeClr val="phClr">
+                <a:tint val="15000"/>
+                <a:satMod val="350000"/>
+              </a:schemeClr>
+            </a:gs>
+          </a:gsLst>
+          <a:lin ang="16200000" scaled="1"/>
+        </a:gradFill>
+        <a:gradFill rotWithShape="1">
+          <a:gsLst>
+            <a:gs pos="0">
+              <a:schemeClr val="phClr">
+                <a:shade val="51000"/>
+                <a:satMod val="130000"/>
+              </a:schemeClr>
+            </a:gs>
+            <a:gs pos="80000">
+              <a:schemeClr val="phClr">
+                <a:shade val="93000"/>
+                <a:satMod val="130000"/>
+              </a:schemeClr>
+            </a:gs>
+            <a:gs pos="100000">
+              <a:schemeClr val="phClr">
+                <a:shade val="94000"/>
+                <a:satMod val="135000"/>
+              </a:schemeClr>
+            </a:gs>
+          </a:gsLst>
+          <a:lin ang="16200000" scaled="0"/>
+        </a:gradFill>
+      </a:fillStyleLst>
+      <a:lnStyleLst>
+        <a:ln w="9525" cap="flat" cmpd="sng" algn="ctr">
+          <a:solidFill>
+            <a:schemeClr val="phClr">
+              <a:shade val="95000"/>
+              <a:satMod val="105000"/>
+            </a:schemeClr>
+          </a:solidFill>
+          <a:prstDash val="solid"/>
+        </a:ln>
+        <a:ln w="25400" cap="flat" cmpd="sng" algn="ctr">
+          <a:solidFill>
+            <a:schemeClr val="phClr"/>
+          </a:solidFill>
+          <a:prstDash val="solid"/>
+        </a:ln>
+        <a:ln w="38100" cap="flat" cmpd="sng" algn="ctr">
+          <a:solidFill>
+            <a:schemeClr val="phClr"/>
+          </a:solidFill>
+          <a:prstDash val="solid"/>
+        </a:ln>
+      </a:lnStyleLst>
+      <a:effectStyleLst>
+        <a:effectStyle>
+          <a:effectLst>
+            <a:outerShdw blurRad="40000" dist="20000" dir="5400000" rotWithShape="0">
+              <a:srgbClr val="000000">
+                <a:alpha val="38000"/>
+              </a:srgbClr>
+            </a:outerShdw>
+          </a:effectLst>
+        </a:effectStyle>
+        <a:effectStyle>
+          <a:effectLst>
+            <a:outerShdw blurRad="40000" dist="23000" dir="5400000" rotWithShape="0">
+              <a:srgbClr val="000000">
+                <a:alpha val="35000"/>
+              </a:srgbClr>
+            </a:outerShdw>
+          </a:effectLst>
+        </a:effectStyle>
+        <a:effectStyle>
+          <a:effectLst>
+            <a:outerShdw blurRad="40000" dist="23000" dir="5400000" rotWithShape="0">
+              <a:srgbClr val="000000">
+                <a:alpha val="35000"/>
+              </a:srgbClr>
+            </a:outerShdw>
+          </a:effectLst>
+          <a:scene3d>
+            <a:camera prst="orthographicFront">
+              <a:rot lat="0" lon="0" rev="0"/>
+            </a:camera>
+            <a:lightRig rig="threePt" dir="t">
+              <a:rot lat="0" lon="0" rev="1200000"/>
+            </a:lightRig>
+          </a:scene3d>
+          <a:sp3d>
+            <a:bevelT w="63500" h="25400"/>
+          </a:sp3d>
+        </a:effectStyle>
+      </a:effectStyleLst>
+      <a:bgFillStyleLst>
+        <a:solidFill>
+          <a:schemeClr val="phClr"/>
+        </a:solidFill>
+        <a:gradFill rotWithShape="1">
+          <a:gsLst>
+            <a:gs pos="0">
+              <a:schemeClr val="phClr">
+                <a:tint val="40000"/>
+                <a:satMod val="350000"/>
+              </a:schemeClr>
+            </a:gs>
+            <a:gs pos="40000">
+              <a:schemeClr val="phClr">
+                <a:tint val="45000"/>
+                <a:shade val="99000"/>
+                <a:satMod val="350000"/>
+              </a:schemeClr>
+            </a:gs>
+            <a:gs pos="100000">
+              <a:schemeClr val="phClr">
+                <a:shade val="20000"/>
+                <a:satMod val="255000"/>
+              </a:schemeClr>
+            </a:gs>
+          </a:gsLst>
+          <a:path path="circle">
+            <a:fillToRect l="50000" t="-80000" r="50000" b="180000"/>
+          </a:path>
+        </a:gradFill>
+        <a:gradFill rotWithShape="1">
+          <a:gsLst>
+            <a:gs pos="0">
+              <a:schemeClr val="phClr">
+                <a:tint val="80000"/>
+                <a:satMod val="300000"/>
+              </a:schemeClr>
+            </a:gs>
+            <a:gs pos="100000">
+              <a:schemeClr val="phClr">
+                <a:shade val="30000"/>
+                <a:satMod val="200000"/>
+              </a:schemeClr>
+            </a:gs>
+          </a:gsLst>
+          <a:path path="circle">
+            <a:fillToRect l="50000" t="50000" r="50000" b="50000"/>
+          </a:path>
+        </a:gradFill>
+      </a:bgFillStyleLst>
+    </a:fmtScheme>
+  </a:themeElements>
+  <a:objectDefaults/>
+  <a:extraClrSchemeLst/>
+</a:theme>
 </file>